--- a/关卡1-沈永良.pptx
+++ b/关卡1-沈永良.pptx
@@ -5,7 +5,7 @@
     <p:sldMasterId id="2147483648" r:id="rId1"/>
   </p:sldMasterIdLst>
   <p:notesMasterIdLst>
-    <p:notesMasterId r:id="rId7"/>
+    <p:notesMasterId r:id="rId8"/>
   </p:notesMasterIdLst>
   <p:sldIdLst>
     <p:sldId id="256" r:id="rId2"/>
@@ -13,6 +13,7 @@
     <p:sldId id="260" r:id="rId4"/>
     <p:sldId id="263" r:id="rId5"/>
     <p:sldId id="264" r:id="rId6"/>
+    <p:sldId id="265" r:id="rId7"/>
   </p:sldIdLst>
   <p:sldSz cx="12192000" cy="6858000"/>
   <p:notesSz cx="6858000" cy="9144000"/>
@@ -201,7 +202,7 @@
           <a:p>
             <a:fld id="{D2A48B96-639E-45A3-A0BA-2464DFDB1FAA}" type="datetimeFigureOut">
               <a:rPr lang="zh-CN" altLang="en-US" smtClean="0"/>
-              <a:t>2017/8/20</a:t>
+              <a:t>17/8/29</a:t>
             </a:fld>
             <a:endParaRPr lang="zh-CN" altLang="en-US"/>
           </a:p>
@@ -600,7 +601,7 @@
           <a:p>
             <a:fld id="{D997B5FA-0921-464F-AAE1-844C04324D75}" type="datetimeFigureOut">
               <a:rPr lang="zh-CN" altLang="en-US" smtClean="0"/>
-              <a:t>2017/8/20</a:t>
+              <a:t>17/8/29</a:t>
             </a:fld>
             <a:endParaRPr lang="zh-CN" altLang="en-US"/>
           </a:p>
@@ -769,7 +770,7 @@
           <a:p>
             <a:fld id="{D997B5FA-0921-464F-AAE1-844C04324D75}" type="datetimeFigureOut">
               <a:rPr lang="zh-CN" altLang="en-US" smtClean="0"/>
-              <a:t>2017/8/20</a:t>
+              <a:t>17/8/29</a:t>
             </a:fld>
             <a:endParaRPr lang="zh-CN" altLang="en-US"/>
           </a:p>
@@ -948,7 +949,7 @@
           <a:p>
             <a:fld id="{D997B5FA-0921-464F-AAE1-844C04324D75}" type="datetimeFigureOut">
               <a:rPr lang="zh-CN" altLang="en-US" smtClean="0"/>
-              <a:t>2017/8/20</a:t>
+              <a:t>17/8/29</a:t>
             </a:fld>
             <a:endParaRPr lang="zh-CN" altLang="en-US"/>
           </a:p>
@@ -1117,7 +1118,7 @@
           <a:p>
             <a:fld id="{D997B5FA-0921-464F-AAE1-844C04324D75}" type="datetimeFigureOut">
               <a:rPr lang="zh-CN" altLang="en-US" smtClean="0"/>
-              <a:t>2017/8/20</a:t>
+              <a:t>17/8/29</a:t>
             </a:fld>
             <a:endParaRPr lang="zh-CN" altLang="en-US"/>
           </a:p>
@@ -1362,7 +1363,7 @@
           <a:p>
             <a:fld id="{D997B5FA-0921-464F-AAE1-844C04324D75}" type="datetimeFigureOut">
               <a:rPr lang="zh-CN" altLang="en-US" smtClean="0"/>
-              <a:t>2017/8/20</a:t>
+              <a:t>17/8/29</a:t>
             </a:fld>
             <a:endParaRPr lang="zh-CN" altLang="en-US"/>
           </a:p>
@@ -1593,7 +1594,7 @@
           <a:p>
             <a:fld id="{D997B5FA-0921-464F-AAE1-844C04324D75}" type="datetimeFigureOut">
               <a:rPr lang="zh-CN" altLang="en-US" smtClean="0"/>
-              <a:t>2017/8/20</a:t>
+              <a:t>17/8/29</a:t>
             </a:fld>
             <a:endParaRPr lang="zh-CN" altLang="en-US"/>
           </a:p>
@@ -1959,7 +1960,7 @@
           <a:p>
             <a:fld id="{D997B5FA-0921-464F-AAE1-844C04324D75}" type="datetimeFigureOut">
               <a:rPr lang="zh-CN" altLang="en-US" smtClean="0"/>
-              <a:t>2017/8/20</a:t>
+              <a:t>17/8/29</a:t>
             </a:fld>
             <a:endParaRPr lang="zh-CN" altLang="en-US"/>
           </a:p>
@@ -2076,7 +2077,7 @@
           <a:p>
             <a:fld id="{D997B5FA-0921-464F-AAE1-844C04324D75}" type="datetimeFigureOut">
               <a:rPr lang="zh-CN" altLang="en-US" smtClean="0"/>
-              <a:t>2017/8/20</a:t>
+              <a:t>17/8/29</a:t>
             </a:fld>
             <a:endParaRPr lang="zh-CN" altLang="en-US"/>
           </a:p>
@@ -2170,7 +2171,7 @@
           <a:p>
             <a:fld id="{D997B5FA-0921-464F-AAE1-844C04324D75}" type="datetimeFigureOut">
               <a:rPr lang="zh-CN" altLang="en-US" smtClean="0"/>
-              <a:t>2017/8/20</a:t>
+              <a:t>17/8/29</a:t>
             </a:fld>
             <a:endParaRPr lang="zh-CN" altLang="en-US"/>
           </a:p>
@@ -2446,7 +2447,7 @@
           <a:p>
             <a:fld id="{D997B5FA-0921-464F-AAE1-844C04324D75}" type="datetimeFigureOut">
               <a:rPr lang="zh-CN" altLang="en-US" smtClean="0"/>
-              <a:t>2017/8/20</a:t>
+              <a:t>17/8/29</a:t>
             </a:fld>
             <a:endParaRPr lang="zh-CN" altLang="en-US"/>
           </a:p>
@@ -2698,7 +2699,7 @@
           <a:p>
             <a:fld id="{D997B5FA-0921-464F-AAE1-844C04324D75}" type="datetimeFigureOut">
               <a:rPr lang="zh-CN" altLang="en-US" smtClean="0"/>
-              <a:t>2017/8/20</a:t>
+              <a:t>17/8/29</a:t>
             </a:fld>
             <a:endParaRPr lang="zh-CN" altLang="en-US"/>
           </a:p>
@@ -2910,7 +2911,7 @@
           <a:p>
             <a:fld id="{D997B5FA-0921-464F-AAE1-844C04324D75}" type="datetimeFigureOut">
               <a:rPr lang="zh-CN" altLang="en-US" smtClean="0"/>
-              <a:t>2017/8/20</a:t>
+              <a:t>17/8/29</a:t>
             </a:fld>
             <a:endParaRPr lang="zh-CN" altLang="en-US"/>
           </a:p>
@@ -3625,14 +3626,14 @@
       </p:sp>
       <p:sp>
         <p:nvSpPr>
-          <p:cNvPr id="5" name="文本框 4"/>
+          <p:cNvPr id="7" name="文本框 6"/>
           <p:cNvSpPr txBox="1"/>
           <p:nvPr/>
         </p:nvSpPr>
         <p:spPr>
           <a:xfrm>
-            <a:off x="570230" y="2711070"/>
-            <a:ext cx="6494780" cy="369332"/>
+            <a:off x="570230" y="2676740"/>
+            <a:ext cx="8700770" cy="368300"/>
           </a:xfrm>
           <a:prstGeom prst="rect">
             <a:avLst/>
@@ -3647,40 +3648,6 @@
           <a:p>
             <a:r>
               <a:rPr lang="zh-CN" altLang="en-US" dirty="0"/>
-              <a:t>欠款理由</a:t>
-            </a:r>
-            <a:r>
-              <a:rPr lang="zh-CN" altLang="en-US" dirty="0" smtClean="0"/>
-              <a:t>：女朋友让张辉借钱</a:t>
-            </a:r>
-            <a:endParaRPr lang="en-US" altLang="zh-CN" dirty="0"/>
-          </a:p>
-        </p:txBody>
-      </p:sp>
-      <p:sp>
-        <p:nvSpPr>
-          <p:cNvPr id="7" name="文本框 6"/>
-          <p:cNvSpPr txBox="1"/>
-          <p:nvPr/>
-        </p:nvSpPr>
-        <p:spPr>
-          <a:xfrm>
-            <a:off x="570230" y="3228352"/>
-            <a:ext cx="8700770" cy="368300"/>
-          </a:xfrm>
-          <a:prstGeom prst="rect">
-            <a:avLst/>
-          </a:prstGeom>
-          <a:noFill/>
-        </p:spPr>
-        <p:txBody>
-          <a:bodyPr wrap="square" rtlCol="0">
-            <a:spAutoFit/>
-          </a:bodyPr>
-          <a:lstStyle/>
-          <a:p>
-            <a:r>
-              <a:rPr lang="zh-CN" altLang="en-US" dirty="0"/>
               <a:t>欠款人家当</a:t>
             </a:r>
             <a:r>
@@ -3699,7 +3666,7 @@
         </p:nvSpPr>
         <p:spPr>
           <a:xfrm>
-            <a:off x="570230" y="3732061"/>
+            <a:off x="570230" y="3074567"/>
             <a:ext cx="6494780" cy="368300"/>
           </a:xfrm>
           <a:prstGeom prst="rect">
@@ -4233,7 +4200,7 @@
         </p:nvSpPr>
         <p:spPr>
           <a:xfrm>
-            <a:off x="9166860" y="3379909"/>
+            <a:off x="9166860" y="3391499"/>
             <a:ext cx="1160780" cy="456565"/>
           </a:xfrm>
           <a:prstGeom prst="roundRect">
@@ -5332,6 +5299,796 @@
     <p:extLst>
       <p:ext uri="{BB962C8B-B14F-4D97-AF65-F5344CB8AC3E}">
         <p14:creationId xmlns:p14="http://schemas.microsoft.com/office/powerpoint/2010/main" val="2402857177"/>
+      </p:ext>
+    </p:extLst>
+  </p:cSld>
+  <p:clrMapOvr>
+    <a:masterClrMapping/>
+  </p:clrMapOvr>
+  <p:timing>
+    <p:tnLst>
+      <p:par>
+        <p:cTn id="1" dur="indefinite" restart="never" nodeType="tmRoot"/>
+      </p:par>
+    </p:tnLst>
+  </p:timing>
+</p:sld>
+</file>
+
+<file path=ppt/slides/slide6.xml><?xml version="1.0" encoding="utf-8"?>
+<p:sld xmlns:a="http://schemas.openxmlformats.org/drawingml/2006/main" xmlns:r="http://schemas.openxmlformats.org/officeDocument/2006/relationships" xmlns:p="http://schemas.openxmlformats.org/presentationml/2006/main">
+  <p:cSld>
+    <p:spTree>
+      <p:nvGrpSpPr>
+        <p:cNvPr id="1" name=""/>
+        <p:cNvGrpSpPr/>
+        <p:nvPr/>
+      </p:nvGrpSpPr>
+      <p:grpSpPr>
+        <a:xfrm>
+          <a:off x="0" y="0"/>
+          <a:ext cx="0" cy="0"/>
+          <a:chOff x="0" y="0"/>
+          <a:chExt cx="0" cy="0"/>
+        </a:xfrm>
+      </p:grpSpPr>
+      <p:sp>
+        <p:nvSpPr>
+          <p:cNvPr id="6" name="矩形 5"/>
+          <p:cNvSpPr/>
+          <p:nvPr/>
+        </p:nvSpPr>
+        <p:spPr>
+          <a:xfrm>
+            <a:off x="0" y="333375"/>
+            <a:ext cx="12192000" cy="900430"/>
+          </a:xfrm>
+          <a:prstGeom prst="rect">
+            <a:avLst/>
+          </a:prstGeom>
+          <a:solidFill>
+            <a:srgbClr val="00AE66"/>
+          </a:solidFill>
+          <a:ln>
+            <a:noFill/>
+          </a:ln>
+        </p:spPr>
+        <p:style>
+          <a:lnRef idx="2">
+            <a:schemeClr val="accent1">
+              <a:shade val="50000"/>
+            </a:schemeClr>
+          </a:lnRef>
+          <a:fillRef idx="1">
+            <a:schemeClr val="accent1"/>
+          </a:fillRef>
+          <a:effectRef idx="0">
+            <a:schemeClr val="accent1"/>
+          </a:effectRef>
+          <a:fontRef idx="minor">
+            <a:schemeClr val="lt1"/>
+          </a:fontRef>
+        </p:style>
+        <p:txBody>
+          <a:bodyPr rtlCol="0" anchor="ctr"/>
+          <a:lstStyle/>
+          <a:p>
+            <a:pPr algn="ctr"/>
+            <a:endParaRPr lang="zh-CN" altLang="en-US"/>
+          </a:p>
+        </p:txBody>
+      </p:sp>
+      <p:sp>
+        <p:nvSpPr>
+          <p:cNvPr id="4" name="文本框 3"/>
+          <p:cNvSpPr txBox="1"/>
+          <p:nvPr/>
+        </p:nvSpPr>
+        <p:spPr>
+          <a:xfrm>
+            <a:off x="570230" y="427990"/>
+            <a:ext cx="4298315" cy="701040"/>
+          </a:xfrm>
+          <a:prstGeom prst="rect">
+            <a:avLst/>
+          </a:prstGeom>
+          <a:noFill/>
+        </p:spPr>
+        <p:txBody>
+          <a:bodyPr wrap="square" rtlCol="0">
+            <a:spAutoFit/>
+          </a:bodyPr>
+          <a:lstStyle/>
+          <a:p>
+            <a:r>
+              <a:rPr lang="zh-CN" altLang="en-US" sz="4000" dirty="0" smtClean="0">
+                <a:solidFill>
+                  <a:schemeClr val="bg1"/>
+                </a:solidFill>
+              </a:rPr>
+              <a:t>关卡细节</a:t>
+            </a:r>
+            <a:endParaRPr lang="zh-CN" altLang="zh-CN" sz="4000" dirty="0">
+              <a:solidFill>
+                <a:schemeClr val="bg1"/>
+              </a:solidFill>
+            </a:endParaRPr>
+          </a:p>
+        </p:txBody>
+      </p:sp>
+      <p:sp>
+        <p:nvSpPr>
+          <p:cNvPr id="9" name="页脚占位符 8"/>
+          <p:cNvSpPr>
+            <a:spLocks noGrp="1"/>
+          </p:cNvSpPr>
+          <p:nvPr>
+            <p:ph type="ftr" sz="quarter" idx="11"/>
+          </p:nvPr>
+        </p:nvSpPr>
+        <p:spPr>
+          <a:xfrm>
+            <a:off x="10880090" y="6596380"/>
+            <a:ext cx="1311910" cy="245110"/>
+          </a:xfrm>
+        </p:spPr>
+        <p:txBody>
+          <a:bodyPr/>
+          <a:lstStyle/>
+          <a:p>
+            <a:r>
+              <a:rPr lang="zh-CN" altLang="en-US"/>
+              <a:t>三人开发小组</a:t>
+            </a:r>
+          </a:p>
+        </p:txBody>
+      </p:sp>
+      <p:sp>
+        <p:nvSpPr>
+          <p:cNvPr id="5" name="圆角矩形 4"/>
+          <p:cNvSpPr/>
+          <p:nvPr/>
+        </p:nvSpPr>
+        <p:spPr>
+          <a:xfrm>
+            <a:off x="237720" y="1922806"/>
+            <a:ext cx="1160780" cy="456565"/>
+          </a:xfrm>
+          <a:prstGeom prst="roundRect">
+            <a:avLst/>
+          </a:prstGeom>
+        </p:spPr>
+        <p:style>
+          <a:lnRef idx="2">
+            <a:schemeClr val="accent1">
+              <a:shade val="50000"/>
+            </a:schemeClr>
+          </a:lnRef>
+          <a:fillRef idx="1">
+            <a:schemeClr val="accent1"/>
+          </a:fillRef>
+          <a:effectRef idx="0">
+            <a:schemeClr val="accent1"/>
+          </a:effectRef>
+          <a:fontRef idx="minor">
+            <a:schemeClr val="lt1"/>
+          </a:fontRef>
+        </p:style>
+        <p:txBody>
+          <a:bodyPr rtlCol="0" anchor="ctr"/>
+          <a:lstStyle/>
+          <a:p>
+            <a:pPr algn="ctr"/>
+            <a:r>
+              <a:rPr lang="zh-CN" altLang="en-US" dirty="0"/>
+              <a:t>找</a:t>
+            </a:r>
+            <a:r>
+              <a:rPr lang="zh-CN" altLang="en-US" dirty="0" smtClean="0"/>
+              <a:t>到张辉</a:t>
+            </a:r>
+            <a:endParaRPr lang="zh-CN" altLang="en-US" dirty="0"/>
+          </a:p>
+        </p:txBody>
+      </p:sp>
+      <p:sp>
+        <p:nvSpPr>
+          <p:cNvPr id="7" name="圆角矩形 4"/>
+          <p:cNvSpPr/>
+          <p:nvPr/>
+        </p:nvSpPr>
+        <p:spPr>
+          <a:xfrm>
+            <a:off x="237720" y="3068373"/>
+            <a:ext cx="1160780" cy="456565"/>
+          </a:xfrm>
+          <a:prstGeom prst="roundRect">
+            <a:avLst/>
+          </a:prstGeom>
+        </p:spPr>
+        <p:style>
+          <a:lnRef idx="2">
+            <a:schemeClr val="accent1">
+              <a:shade val="50000"/>
+            </a:schemeClr>
+          </a:lnRef>
+          <a:fillRef idx="1">
+            <a:schemeClr val="accent1"/>
+          </a:fillRef>
+          <a:effectRef idx="0">
+            <a:schemeClr val="accent1"/>
+          </a:effectRef>
+          <a:fontRef idx="minor">
+            <a:schemeClr val="lt1"/>
+          </a:fontRef>
+        </p:style>
+        <p:txBody>
+          <a:bodyPr rtlCol="0" anchor="ctr"/>
+          <a:lstStyle/>
+          <a:p>
+            <a:pPr algn="ctr"/>
+            <a:r>
+              <a:rPr lang="zh-CN" altLang="en-US" dirty="0" smtClean="0"/>
+              <a:t>张辉没钱</a:t>
+            </a:r>
+            <a:endParaRPr lang="zh-CN" altLang="en-US" dirty="0"/>
+          </a:p>
+        </p:txBody>
+      </p:sp>
+      <p:sp>
+        <p:nvSpPr>
+          <p:cNvPr id="8" name="圆角矩形 4"/>
+          <p:cNvSpPr/>
+          <p:nvPr/>
+        </p:nvSpPr>
+        <p:spPr>
+          <a:xfrm>
+            <a:off x="237720" y="4338455"/>
+            <a:ext cx="1160780" cy="456565"/>
+          </a:xfrm>
+          <a:prstGeom prst="roundRect">
+            <a:avLst/>
+          </a:prstGeom>
+        </p:spPr>
+        <p:style>
+          <a:lnRef idx="2">
+            <a:schemeClr val="accent1">
+              <a:shade val="50000"/>
+            </a:schemeClr>
+          </a:lnRef>
+          <a:fillRef idx="1">
+            <a:schemeClr val="accent1"/>
+          </a:fillRef>
+          <a:effectRef idx="0">
+            <a:schemeClr val="accent1"/>
+          </a:effectRef>
+          <a:fontRef idx="minor">
+            <a:schemeClr val="lt1"/>
+          </a:fontRef>
+        </p:style>
+        <p:txBody>
+          <a:bodyPr rtlCol="0" anchor="ctr"/>
+          <a:lstStyle/>
+          <a:p>
+            <a:pPr algn="ctr"/>
+            <a:r>
+              <a:rPr lang="zh-CN" altLang="en-US" sz="1200" dirty="0"/>
+              <a:t>调</a:t>
+            </a:r>
+            <a:r>
+              <a:rPr lang="zh-CN" altLang="en-US" sz="1200" dirty="0" smtClean="0"/>
+              <a:t>查得知女友与老余有染</a:t>
+            </a:r>
+            <a:endParaRPr lang="zh-CN" altLang="en-US" sz="1200" dirty="0"/>
+          </a:p>
+        </p:txBody>
+      </p:sp>
+      <p:sp>
+        <p:nvSpPr>
+          <p:cNvPr id="11" name="圆角矩形 4"/>
+          <p:cNvSpPr/>
+          <p:nvPr/>
+        </p:nvSpPr>
+        <p:spPr>
+          <a:xfrm>
+            <a:off x="237720" y="5608537"/>
+            <a:ext cx="1160780" cy="456565"/>
+          </a:xfrm>
+          <a:prstGeom prst="roundRect">
+            <a:avLst/>
+          </a:prstGeom>
+        </p:spPr>
+        <p:style>
+          <a:lnRef idx="2">
+            <a:schemeClr val="accent1">
+              <a:shade val="50000"/>
+            </a:schemeClr>
+          </a:lnRef>
+          <a:fillRef idx="1">
+            <a:schemeClr val="accent1"/>
+          </a:fillRef>
+          <a:effectRef idx="0">
+            <a:schemeClr val="accent1"/>
+          </a:effectRef>
+          <a:fontRef idx="minor">
+            <a:schemeClr val="lt1"/>
+          </a:fontRef>
+        </p:style>
+        <p:txBody>
+          <a:bodyPr rtlCol="0" anchor="ctr"/>
+          <a:lstStyle/>
+          <a:p>
+            <a:pPr algn="ctr"/>
+            <a:r>
+              <a:rPr lang="zh-CN" altLang="en-US" sz="1200" dirty="0" smtClean="0"/>
+              <a:t>张辉愤怒分手拿回自己的钱</a:t>
+            </a:r>
+            <a:endParaRPr lang="zh-CN" altLang="en-US" sz="1200" dirty="0"/>
+          </a:p>
+        </p:txBody>
+      </p:sp>
+      <p:sp>
+        <p:nvSpPr>
+          <p:cNvPr id="14" name="矩形 13"/>
+          <p:cNvSpPr/>
+          <p:nvPr/>
+        </p:nvSpPr>
+        <p:spPr>
+          <a:xfrm>
+            <a:off x="1757548" y="1328420"/>
+            <a:ext cx="9666515" cy="461483"/>
+          </a:xfrm>
+          <a:prstGeom prst="rect">
+            <a:avLst/>
+          </a:prstGeom>
+        </p:spPr>
+        <p:style>
+          <a:lnRef idx="2">
+            <a:schemeClr val="accent1">
+              <a:shade val="50000"/>
+            </a:schemeClr>
+          </a:lnRef>
+          <a:fillRef idx="1">
+            <a:schemeClr val="accent1"/>
+          </a:fillRef>
+          <a:effectRef idx="0">
+            <a:schemeClr val="accent1"/>
+          </a:effectRef>
+          <a:fontRef idx="minor">
+            <a:schemeClr val="lt1"/>
+          </a:fontRef>
+        </p:style>
+        <p:txBody>
+          <a:bodyPr rtlCol="0" anchor="ctr"/>
+          <a:lstStyle/>
+          <a:p>
+            <a:r>
+              <a:rPr kumimoji="1" lang="en-US" altLang="zh-CN" sz="1400" dirty="0" smtClean="0"/>
+              <a:t>NPC1(</a:t>
+            </a:r>
+            <a:r>
+              <a:rPr kumimoji="1" lang="zh-CN" altLang="en-US" sz="1400" dirty="0" smtClean="0"/>
+              <a:t>老余</a:t>
+            </a:r>
+            <a:r>
+              <a:rPr kumimoji="1" lang="en-US" altLang="zh-CN" sz="1400" dirty="0" smtClean="0"/>
+              <a:t>)</a:t>
+            </a:r>
+            <a:r>
+              <a:rPr kumimoji="1" lang="zh-CN" altLang="en-US" sz="1400" dirty="0" smtClean="0"/>
+              <a:t>   信息：张辉家的位置、老余对张辉的不屑、女主播正在教训张辉、老余比张辉哪点都强</a:t>
+            </a:r>
+            <a:endParaRPr kumimoji="1" lang="zh-CN" altLang="en-US" sz="1400" dirty="0"/>
+          </a:p>
+        </p:txBody>
+      </p:sp>
+      <p:sp>
+        <p:nvSpPr>
+          <p:cNvPr id="15" name="矩形 14"/>
+          <p:cNvSpPr/>
+          <p:nvPr/>
+        </p:nvSpPr>
+        <p:spPr>
+          <a:xfrm>
+            <a:off x="1745674" y="2042507"/>
+            <a:ext cx="9678389" cy="574836"/>
+          </a:xfrm>
+          <a:prstGeom prst="rect">
+            <a:avLst/>
+          </a:prstGeom>
+        </p:spPr>
+        <p:style>
+          <a:lnRef idx="2">
+            <a:schemeClr val="accent1">
+              <a:shade val="50000"/>
+            </a:schemeClr>
+          </a:lnRef>
+          <a:fillRef idx="1">
+            <a:schemeClr val="accent1"/>
+          </a:fillRef>
+          <a:effectRef idx="0">
+            <a:schemeClr val="accent1"/>
+          </a:effectRef>
+          <a:fontRef idx="minor">
+            <a:schemeClr val="lt1"/>
+          </a:fontRef>
+        </p:style>
+        <p:txBody>
+          <a:bodyPr rtlCol="0" anchor="ctr"/>
+          <a:lstStyle/>
+          <a:p>
+            <a:r>
+              <a:rPr kumimoji="1" lang="zh-CN" altLang="en-US" sz="1400" dirty="0"/>
+              <a:t>场景：张辉跪在地上，女主播</a:t>
+            </a:r>
+            <a:r>
+              <a:rPr kumimoji="1" lang="zh-CN" altLang="en-US" sz="1400" dirty="0" smtClean="0"/>
+              <a:t>训斥</a:t>
+            </a:r>
+            <a:endParaRPr kumimoji="1" lang="zh-CN" altLang="en-US" sz="1400" dirty="0"/>
+          </a:p>
+        </p:txBody>
+      </p:sp>
+      <p:cxnSp>
+        <p:nvCxnSpPr>
+          <p:cNvPr id="17" name="直线箭头连接符 16"/>
+          <p:cNvCxnSpPr>
+            <a:stCxn id="14" idx="2"/>
+            <a:endCxn id="15" idx="0"/>
+          </p:cNvCxnSpPr>
+          <p:nvPr/>
+        </p:nvCxnSpPr>
+        <p:spPr>
+          <a:xfrm flipH="1">
+            <a:off x="6584869" y="1789903"/>
+            <a:ext cx="5937" cy="252604"/>
+          </a:xfrm>
+          <a:prstGeom prst="straightConnector1">
+            <a:avLst/>
+          </a:prstGeom>
+          <a:ln>
+            <a:tailEnd type="triangle"/>
+          </a:ln>
+        </p:spPr>
+        <p:style>
+          <a:lnRef idx="1">
+            <a:schemeClr val="accent1"/>
+          </a:lnRef>
+          <a:fillRef idx="0">
+            <a:schemeClr val="accent1"/>
+          </a:fillRef>
+          <a:effectRef idx="0">
+            <a:schemeClr val="accent1"/>
+          </a:effectRef>
+          <a:fontRef idx="minor">
+            <a:schemeClr val="tx1"/>
+          </a:fontRef>
+        </p:style>
+      </p:cxnSp>
+      <p:sp>
+        <p:nvSpPr>
+          <p:cNvPr id="20" name="左大括号 19"/>
+          <p:cNvSpPr/>
+          <p:nvPr/>
+        </p:nvSpPr>
+        <p:spPr>
+          <a:xfrm>
+            <a:off x="1398500" y="1413164"/>
+            <a:ext cx="347174" cy="1204179"/>
+          </a:xfrm>
+          <a:prstGeom prst="leftBrace">
+            <a:avLst/>
+          </a:prstGeom>
+        </p:spPr>
+        <p:style>
+          <a:lnRef idx="1">
+            <a:schemeClr val="accent1"/>
+          </a:lnRef>
+          <a:fillRef idx="0">
+            <a:schemeClr val="accent1"/>
+          </a:fillRef>
+          <a:effectRef idx="0">
+            <a:schemeClr val="accent1"/>
+          </a:effectRef>
+          <a:fontRef idx="minor">
+            <a:schemeClr val="tx1"/>
+          </a:fontRef>
+        </p:style>
+        <p:txBody>
+          <a:bodyPr rtlCol="0" anchor="ctr"/>
+          <a:lstStyle/>
+          <a:p>
+            <a:pPr algn="ctr"/>
+            <a:endParaRPr kumimoji="1" lang="zh-CN" altLang="en-US"/>
+          </a:p>
+        </p:txBody>
+      </p:sp>
+      <p:sp>
+        <p:nvSpPr>
+          <p:cNvPr id="21" name="矩形 20"/>
+          <p:cNvSpPr/>
+          <p:nvPr/>
+        </p:nvSpPr>
+        <p:spPr>
+          <a:xfrm>
+            <a:off x="1745674" y="2850078"/>
+            <a:ext cx="9512134" cy="783771"/>
+          </a:xfrm>
+          <a:prstGeom prst="rect">
+            <a:avLst/>
+          </a:prstGeom>
+        </p:spPr>
+        <p:style>
+          <a:lnRef idx="2">
+            <a:schemeClr val="accent1">
+              <a:shade val="50000"/>
+            </a:schemeClr>
+          </a:lnRef>
+          <a:fillRef idx="1">
+            <a:schemeClr val="accent1"/>
+          </a:fillRef>
+          <a:effectRef idx="0">
+            <a:schemeClr val="accent1"/>
+          </a:effectRef>
+          <a:fontRef idx="minor">
+            <a:schemeClr val="lt1"/>
+          </a:fontRef>
+        </p:style>
+        <p:txBody>
+          <a:bodyPr rtlCol="0" anchor="ctr"/>
+          <a:lstStyle/>
+          <a:p>
+            <a:r>
+              <a:rPr kumimoji="1" lang="en-US" altLang="zh-CN" sz="1400" dirty="0" smtClean="0"/>
+              <a:t>NPC2</a:t>
+            </a:r>
+            <a:r>
+              <a:rPr kumimoji="1" lang="zh-CN" altLang="en-US" sz="1400" dirty="0" smtClean="0"/>
+              <a:t>张辉：没钱再通融几天 </a:t>
+            </a:r>
+            <a:r>
+              <a:rPr kumimoji="1" lang="zh-CN" altLang="en-US" sz="1400" dirty="0"/>
+              <a:t>。</a:t>
+            </a:r>
+            <a:r>
+              <a:rPr kumimoji="1" lang="zh-CN" altLang="en-US" sz="1400" dirty="0" smtClean="0"/>
+              <a:t>女友出去后：钱全在母老虎哪里，你去找她要。</a:t>
+            </a:r>
+            <a:endParaRPr kumimoji="1" lang="en-US" altLang="zh-CN" sz="1400" dirty="0"/>
+          </a:p>
+          <a:p>
+            <a:r>
+              <a:rPr kumimoji="1" lang="en-US" altLang="zh-CN" sz="1400" dirty="0" smtClean="0"/>
+              <a:t>NPC3</a:t>
+            </a:r>
+            <a:r>
+              <a:rPr kumimoji="1" lang="zh-CN" altLang="en-US" sz="1400" dirty="0" smtClean="0"/>
+              <a:t>女主播：老娘没钱，摔门而出。</a:t>
+            </a:r>
+            <a:endParaRPr kumimoji="1" lang="zh-CN" altLang="en-US" sz="1400" dirty="0"/>
+          </a:p>
+        </p:txBody>
+      </p:sp>
+      <p:sp>
+        <p:nvSpPr>
+          <p:cNvPr id="22" name="矩形 21"/>
+          <p:cNvSpPr/>
+          <p:nvPr/>
+        </p:nvSpPr>
+        <p:spPr>
+          <a:xfrm>
+            <a:off x="1745674" y="3887079"/>
+            <a:ext cx="9512134" cy="1117959"/>
+          </a:xfrm>
+          <a:prstGeom prst="rect">
+            <a:avLst/>
+          </a:prstGeom>
+        </p:spPr>
+        <p:style>
+          <a:lnRef idx="2">
+            <a:schemeClr val="accent1">
+              <a:shade val="50000"/>
+            </a:schemeClr>
+          </a:lnRef>
+          <a:fillRef idx="1">
+            <a:schemeClr val="accent1"/>
+          </a:fillRef>
+          <a:effectRef idx="0">
+            <a:schemeClr val="accent1"/>
+          </a:effectRef>
+          <a:fontRef idx="minor">
+            <a:schemeClr val="lt1"/>
+          </a:fontRef>
+        </p:style>
+        <p:txBody>
+          <a:bodyPr rtlCol="0" anchor="ctr"/>
+          <a:lstStyle/>
+          <a:p>
+            <a:r>
+              <a:rPr kumimoji="1" lang="zh-CN" altLang="en-US" sz="1400" dirty="0" smtClean="0"/>
+              <a:t>寻找</a:t>
+            </a:r>
+            <a:r>
+              <a:rPr kumimoji="1" lang="en-US" altLang="zh-CN" sz="1400" dirty="0" smtClean="0"/>
+              <a:t>NPC2</a:t>
+            </a:r>
+            <a:r>
+              <a:rPr kumimoji="1" lang="zh-CN" altLang="en-US" sz="1400" dirty="0" smtClean="0"/>
+              <a:t>，发现在</a:t>
+            </a:r>
+            <a:r>
+              <a:rPr kumimoji="1" lang="en-US" altLang="zh-CN" sz="1400" dirty="0" smtClean="0"/>
+              <a:t>NPC1</a:t>
+            </a:r>
+            <a:r>
+              <a:rPr kumimoji="1" lang="zh-CN" altLang="en-US" sz="1400" dirty="0" smtClean="0"/>
+              <a:t>家里和老余诉苦，再次要钱</a:t>
+            </a:r>
+            <a:r>
+              <a:rPr kumimoji="1" lang="en-US" altLang="zh-CN" sz="1400" dirty="0" smtClean="0"/>
+              <a:t>NPC1</a:t>
+            </a:r>
+            <a:r>
+              <a:rPr kumimoji="1" lang="zh-CN" altLang="en-US" sz="1400" dirty="0" smtClean="0"/>
+              <a:t>在一旁帮腔，主角被轰出门外。</a:t>
+            </a:r>
+            <a:endParaRPr kumimoji="1" lang="en-US" altLang="zh-CN" sz="1400" dirty="0" smtClean="0"/>
+          </a:p>
+          <a:p>
+            <a:r>
+              <a:rPr kumimoji="1" lang="en-US" altLang="zh-CN" sz="1400" dirty="0" smtClean="0"/>
+              <a:t>NPC4(</a:t>
+            </a:r>
+            <a:r>
+              <a:rPr kumimoji="1" lang="zh-CN" altLang="en-US" sz="1400" dirty="0" smtClean="0"/>
+              <a:t>嗑瓜子的阿婆</a:t>
+            </a:r>
+            <a:r>
+              <a:rPr kumimoji="1" lang="en-US" altLang="zh-CN" sz="1400" dirty="0" smtClean="0"/>
+              <a:t>)</a:t>
+            </a:r>
+            <a:r>
+              <a:rPr kumimoji="1" lang="zh-CN" altLang="en-US" sz="1400" dirty="0" smtClean="0"/>
+              <a:t>： 信息：</a:t>
+            </a:r>
+            <a:r>
+              <a:rPr kumimoji="1" lang="en-US" altLang="zh-CN" sz="1400" dirty="0" smtClean="0"/>
+              <a:t>NPC1</a:t>
+            </a:r>
+            <a:r>
+              <a:rPr kumimoji="1" lang="zh-CN" altLang="en-US" sz="1400" dirty="0" smtClean="0"/>
+              <a:t>老实憨厚，</a:t>
+            </a:r>
+            <a:r>
+              <a:rPr kumimoji="1" lang="en-US" altLang="zh-CN" sz="1400" dirty="0" smtClean="0"/>
+              <a:t>NPC3</a:t>
+            </a:r>
+            <a:r>
+              <a:rPr kumimoji="1" lang="zh-CN" altLang="en-US" sz="1400" dirty="0" smtClean="0"/>
+              <a:t>经常趁其通宵加班去</a:t>
+            </a:r>
+            <a:r>
+              <a:rPr kumimoji="1" lang="en-US" altLang="zh-CN" sz="1400" dirty="0" smtClean="0"/>
+              <a:t>NPC1</a:t>
+            </a:r>
+            <a:r>
+              <a:rPr kumimoji="1" lang="zh-CN" altLang="en-US" sz="1400" dirty="0" smtClean="0"/>
+              <a:t>屋里</a:t>
+            </a:r>
+            <a:endParaRPr kumimoji="1" lang="en-US" altLang="zh-CN" sz="1400" dirty="0" smtClean="0"/>
+          </a:p>
+          <a:p>
+            <a:r>
+              <a:rPr kumimoji="1" lang="zh-CN" altLang="en-US" sz="1400" dirty="0" smtClean="0"/>
+              <a:t>花钱买棒棒糖</a:t>
+            </a:r>
+            <a:r>
+              <a:rPr kumimoji="1" lang="en-US" altLang="zh-CN" sz="1400" dirty="0" smtClean="0"/>
+              <a:t>fromNPC5</a:t>
+            </a:r>
+            <a:r>
+              <a:rPr kumimoji="1" lang="zh-CN" altLang="en-US" sz="1400" dirty="0" smtClean="0"/>
+              <a:t>（商店老板）让</a:t>
+            </a:r>
+            <a:r>
+              <a:rPr kumimoji="1" lang="en-US" altLang="zh-CN" sz="1400" dirty="0" smtClean="0"/>
+              <a:t>NPC6</a:t>
+            </a:r>
+            <a:r>
+              <a:rPr kumimoji="1" lang="zh-CN" altLang="en-US" sz="1400" dirty="0" smtClean="0"/>
+              <a:t>（小孩）骗</a:t>
+            </a:r>
+            <a:r>
+              <a:rPr kumimoji="1" lang="en-US" altLang="zh-CN" sz="1400" dirty="0" smtClean="0"/>
+              <a:t>NPC1</a:t>
+            </a:r>
+            <a:r>
+              <a:rPr kumimoji="1" lang="zh-CN" altLang="en-US" sz="1400" dirty="0" smtClean="0"/>
+              <a:t>出门与</a:t>
+            </a:r>
+            <a:r>
+              <a:rPr kumimoji="1" lang="en-US" altLang="zh-CN" sz="1400" dirty="0" smtClean="0"/>
+              <a:t>NPC3</a:t>
+            </a:r>
+            <a:r>
+              <a:rPr kumimoji="1" lang="zh-CN" altLang="en-US" sz="1400" dirty="0" smtClean="0"/>
+              <a:t>出门约会，进入</a:t>
+            </a:r>
+            <a:r>
+              <a:rPr kumimoji="1" lang="en-US" altLang="zh-CN" sz="1400" dirty="0" smtClean="0"/>
+              <a:t>NPC1</a:t>
+            </a:r>
+            <a:r>
+              <a:rPr kumimoji="1" lang="zh-CN" altLang="en-US" sz="1400" dirty="0" smtClean="0"/>
+              <a:t>家中获取出轨证据</a:t>
+            </a:r>
+            <a:endParaRPr kumimoji="1" lang="en-US" altLang="zh-CN" sz="1400" dirty="0"/>
+          </a:p>
+          <a:p>
+            <a:endParaRPr kumimoji="1" lang="zh-CN" altLang="en-US" sz="1400" dirty="0"/>
+          </a:p>
+        </p:txBody>
+      </p:sp>
+      <p:sp>
+        <p:nvSpPr>
+          <p:cNvPr id="23" name="矩形 22"/>
+          <p:cNvSpPr/>
+          <p:nvPr/>
+        </p:nvSpPr>
+        <p:spPr>
+          <a:xfrm>
+            <a:off x="1572087" y="5284616"/>
+            <a:ext cx="9512134" cy="1104406"/>
+          </a:xfrm>
+          <a:prstGeom prst="rect">
+            <a:avLst/>
+          </a:prstGeom>
+        </p:spPr>
+        <p:style>
+          <a:lnRef idx="2">
+            <a:schemeClr val="accent1">
+              <a:shade val="50000"/>
+            </a:schemeClr>
+          </a:lnRef>
+          <a:fillRef idx="1">
+            <a:schemeClr val="accent1"/>
+          </a:fillRef>
+          <a:effectRef idx="0">
+            <a:schemeClr val="accent1"/>
+          </a:effectRef>
+          <a:fontRef idx="minor">
+            <a:schemeClr val="lt1"/>
+          </a:fontRef>
+        </p:style>
+        <p:txBody>
+          <a:bodyPr rtlCol="0" anchor="ctr"/>
+          <a:lstStyle/>
+          <a:p>
+            <a:r>
+              <a:rPr kumimoji="1" lang="zh-CN" altLang="en-US" sz="1400" dirty="0" smtClean="0"/>
+              <a:t>将证据交给张辉，张辉决定分手，但是不知道女友把钱</a:t>
+            </a:r>
+            <a:r>
+              <a:rPr kumimoji="1" lang="zh-CN" altLang="en-US" sz="1400" smtClean="0"/>
+              <a:t>放在什么地方。</a:t>
+            </a:r>
+            <a:endParaRPr kumimoji="1" lang="en-US" altLang="zh-CN" sz="1400" dirty="0" smtClean="0"/>
+          </a:p>
+          <a:p>
+            <a:endParaRPr kumimoji="1" lang="en-US" altLang="zh-CN" sz="1400" dirty="0"/>
+          </a:p>
+          <a:p>
+            <a:endParaRPr kumimoji="1" lang="en-US" altLang="zh-CN" sz="1400" dirty="0" smtClean="0"/>
+          </a:p>
+          <a:p>
+            <a:endParaRPr kumimoji="1" lang="zh-CN" altLang="en-US" sz="1400" dirty="0"/>
+          </a:p>
+        </p:txBody>
+      </p:sp>
+    </p:spTree>
+    <p:extLst>
+      <p:ext uri="{BB962C8B-B14F-4D97-AF65-F5344CB8AC3E}">
+        <p14:creationId xmlns:p14="http://schemas.microsoft.com/office/powerpoint/2010/main" val="495104102"/>
       </p:ext>
     </p:extLst>
   </p:cSld>

--- a/关卡1-沈永良.pptx
+++ b/关卡1-沈永良.pptx
@@ -5,15 +5,16 @@
     <p:sldMasterId id="2147483648" r:id="rId1"/>
   </p:sldMasterIdLst>
   <p:notesMasterIdLst>
-    <p:notesMasterId r:id="rId8"/>
+    <p:notesMasterId r:id="rId9"/>
   </p:notesMasterIdLst>
   <p:sldIdLst>
     <p:sldId id="256" r:id="rId2"/>
     <p:sldId id="262" r:id="rId3"/>
     <p:sldId id="260" r:id="rId4"/>
     <p:sldId id="263" r:id="rId5"/>
-    <p:sldId id="264" r:id="rId6"/>
-    <p:sldId id="265" r:id="rId7"/>
+    <p:sldId id="265" r:id="rId6"/>
+    <p:sldId id="266" r:id="rId7"/>
+    <p:sldId id="264" r:id="rId8"/>
   </p:sldIdLst>
   <p:sldSz cx="12192000" cy="6858000"/>
   <p:notesSz cx="6858000" cy="9144000"/>
@@ -202,7 +203,7 @@
           <a:p>
             <a:fld id="{D2A48B96-639E-45A3-A0BA-2464DFDB1FAA}" type="datetimeFigureOut">
               <a:rPr lang="zh-CN" altLang="en-US" smtClean="0"/>
-              <a:t>17/8/29</a:t>
+              <a:t>2017/9/3</a:t>
             </a:fld>
             <a:endParaRPr lang="zh-CN" altLang="en-US"/>
           </a:p>
@@ -601,7 +602,7 @@
           <a:p>
             <a:fld id="{D997B5FA-0921-464F-AAE1-844C04324D75}" type="datetimeFigureOut">
               <a:rPr lang="zh-CN" altLang="en-US" smtClean="0"/>
-              <a:t>17/8/29</a:t>
+              <a:t>2017/9/3</a:t>
             </a:fld>
             <a:endParaRPr lang="zh-CN" altLang="en-US"/>
           </a:p>
@@ -770,7 +771,7 @@
           <a:p>
             <a:fld id="{D997B5FA-0921-464F-AAE1-844C04324D75}" type="datetimeFigureOut">
               <a:rPr lang="zh-CN" altLang="en-US" smtClean="0"/>
-              <a:t>17/8/29</a:t>
+              <a:t>2017/9/3</a:t>
             </a:fld>
             <a:endParaRPr lang="zh-CN" altLang="en-US"/>
           </a:p>
@@ -949,7 +950,7 @@
           <a:p>
             <a:fld id="{D997B5FA-0921-464F-AAE1-844C04324D75}" type="datetimeFigureOut">
               <a:rPr lang="zh-CN" altLang="en-US" smtClean="0"/>
-              <a:t>17/8/29</a:t>
+              <a:t>2017/9/3</a:t>
             </a:fld>
             <a:endParaRPr lang="zh-CN" altLang="en-US"/>
           </a:p>
@@ -1118,7 +1119,7 @@
           <a:p>
             <a:fld id="{D997B5FA-0921-464F-AAE1-844C04324D75}" type="datetimeFigureOut">
               <a:rPr lang="zh-CN" altLang="en-US" smtClean="0"/>
-              <a:t>17/8/29</a:t>
+              <a:t>2017/9/3</a:t>
             </a:fld>
             <a:endParaRPr lang="zh-CN" altLang="en-US"/>
           </a:p>
@@ -1363,7 +1364,7 @@
           <a:p>
             <a:fld id="{D997B5FA-0921-464F-AAE1-844C04324D75}" type="datetimeFigureOut">
               <a:rPr lang="zh-CN" altLang="en-US" smtClean="0"/>
-              <a:t>17/8/29</a:t>
+              <a:t>2017/9/3</a:t>
             </a:fld>
             <a:endParaRPr lang="zh-CN" altLang="en-US"/>
           </a:p>
@@ -1594,7 +1595,7 @@
           <a:p>
             <a:fld id="{D997B5FA-0921-464F-AAE1-844C04324D75}" type="datetimeFigureOut">
               <a:rPr lang="zh-CN" altLang="en-US" smtClean="0"/>
-              <a:t>17/8/29</a:t>
+              <a:t>2017/9/3</a:t>
             </a:fld>
             <a:endParaRPr lang="zh-CN" altLang="en-US"/>
           </a:p>
@@ -1960,7 +1961,7 @@
           <a:p>
             <a:fld id="{D997B5FA-0921-464F-AAE1-844C04324D75}" type="datetimeFigureOut">
               <a:rPr lang="zh-CN" altLang="en-US" smtClean="0"/>
-              <a:t>17/8/29</a:t>
+              <a:t>2017/9/3</a:t>
             </a:fld>
             <a:endParaRPr lang="zh-CN" altLang="en-US"/>
           </a:p>
@@ -2077,7 +2078,7 @@
           <a:p>
             <a:fld id="{D997B5FA-0921-464F-AAE1-844C04324D75}" type="datetimeFigureOut">
               <a:rPr lang="zh-CN" altLang="en-US" smtClean="0"/>
-              <a:t>17/8/29</a:t>
+              <a:t>2017/9/3</a:t>
             </a:fld>
             <a:endParaRPr lang="zh-CN" altLang="en-US"/>
           </a:p>
@@ -2171,7 +2172,7 @@
           <a:p>
             <a:fld id="{D997B5FA-0921-464F-AAE1-844C04324D75}" type="datetimeFigureOut">
               <a:rPr lang="zh-CN" altLang="en-US" smtClean="0"/>
-              <a:t>17/8/29</a:t>
+              <a:t>2017/9/3</a:t>
             </a:fld>
             <a:endParaRPr lang="zh-CN" altLang="en-US"/>
           </a:p>
@@ -2447,7 +2448,7 @@
           <a:p>
             <a:fld id="{D997B5FA-0921-464F-AAE1-844C04324D75}" type="datetimeFigureOut">
               <a:rPr lang="zh-CN" altLang="en-US" smtClean="0"/>
-              <a:t>17/8/29</a:t>
+              <a:t>2017/9/3</a:t>
             </a:fld>
             <a:endParaRPr lang="zh-CN" altLang="en-US"/>
           </a:p>
@@ -2699,7 +2700,7 @@
           <a:p>
             <a:fld id="{D997B5FA-0921-464F-AAE1-844C04324D75}" type="datetimeFigureOut">
               <a:rPr lang="zh-CN" altLang="en-US" smtClean="0"/>
-              <a:t>17/8/29</a:t>
+              <a:t>2017/9/3</a:t>
             </a:fld>
             <a:endParaRPr lang="zh-CN" altLang="en-US"/>
           </a:p>
@@ -2911,7 +2912,7 @@
           <a:p>
             <a:fld id="{D997B5FA-0921-464F-AAE1-844C04324D75}" type="datetimeFigureOut">
               <a:rPr lang="zh-CN" altLang="en-US" smtClean="0"/>
-              <a:t>17/8/29</a:t>
+              <a:t>2017/9/3</a:t>
             </a:fld>
             <a:endParaRPr lang="zh-CN" altLang="en-US"/>
           </a:p>
@@ -3418,6 +3419,13 @@
   <p:clrMapOvr>
     <a:masterClrMapping/>
   </p:clrMapOvr>
+  <p:timing>
+    <p:tnLst>
+      <p:par>
+        <p:cTn id="1" dur="indefinite" restart="never" nodeType="tmRoot"/>
+      </p:par>
+    </p:tnLst>
+  </p:timing>
 </p:sld>
 </file>
 
@@ -5245,20 +5253,12 @@
           <a:lstStyle/>
           <a:p>
             <a:r>
-              <a:rPr lang="zh-CN" altLang="en-US" sz="4000" dirty="0">
-                <a:solidFill>
-                  <a:schemeClr val="bg1"/>
-                </a:solidFill>
-              </a:rPr>
-              <a:t>关</a:t>
-            </a:r>
-            <a:r>
               <a:rPr lang="zh-CN" altLang="en-US" sz="4000" dirty="0" smtClean="0">
                 <a:solidFill>
                   <a:schemeClr val="bg1"/>
                 </a:solidFill>
               </a:rPr>
-              <a:t>联事件</a:t>
+              <a:t>关卡细节</a:t>
             </a:r>
             <a:endParaRPr lang="zh-CN" altLang="zh-CN" sz="4000" dirty="0">
               <a:solidFill>
@@ -5295,10 +5295,648 @@
           </a:p>
         </p:txBody>
       </p:sp>
+      <p:sp>
+        <p:nvSpPr>
+          <p:cNvPr id="5" name="圆角矩形 4"/>
+          <p:cNvSpPr/>
+          <p:nvPr/>
+        </p:nvSpPr>
+        <p:spPr>
+          <a:xfrm>
+            <a:off x="237720" y="1922806"/>
+            <a:ext cx="1160780" cy="456565"/>
+          </a:xfrm>
+          <a:prstGeom prst="roundRect">
+            <a:avLst/>
+          </a:prstGeom>
+        </p:spPr>
+        <p:style>
+          <a:lnRef idx="2">
+            <a:schemeClr val="accent1">
+              <a:shade val="50000"/>
+            </a:schemeClr>
+          </a:lnRef>
+          <a:fillRef idx="1">
+            <a:schemeClr val="accent1"/>
+          </a:fillRef>
+          <a:effectRef idx="0">
+            <a:schemeClr val="accent1"/>
+          </a:effectRef>
+          <a:fontRef idx="minor">
+            <a:schemeClr val="lt1"/>
+          </a:fontRef>
+        </p:style>
+        <p:txBody>
+          <a:bodyPr rtlCol="0" anchor="ctr"/>
+          <a:lstStyle/>
+          <a:p>
+            <a:pPr algn="ctr"/>
+            <a:r>
+              <a:rPr lang="zh-CN" altLang="en-US" dirty="0"/>
+              <a:t>找</a:t>
+            </a:r>
+            <a:r>
+              <a:rPr lang="zh-CN" altLang="en-US" dirty="0" smtClean="0"/>
+              <a:t>到张辉</a:t>
+            </a:r>
+            <a:endParaRPr lang="zh-CN" altLang="en-US" dirty="0"/>
+          </a:p>
+        </p:txBody>
+      </p:sp>
+      <p:sp>
+        <p:nvSpPr>
+          <p:cNvPr id="7" name="圆角矩形 4"/>
+          <p:cNvSpPr/>
+          <p:nvPr/>
+        </p:nvSpPr>
+        <p:spPr>
+          <a:xfrm>
+            <a:off x="237720" y="3068373"/>
+            <a:ext cx="1160780" cy="456565"/>
+          </a:xfrm>
+          <a:prstGeom prst="roundRect">
+            <a:avLst/>
+          </a:prstGeom>
+        </p:spPr>
+        <p:style>
+          <a:lnRef idx="2">
+            <a:schemeClr val="accent1">
+              <a:shade val="50000"/>
+            </a:schemeClr>
+          </a:lnRef>
+          <a:fillRef idx="1">
+            <a:schemeClr val="accent1"/>
+          </a:fillRef>
+          <a:effectRef idx="0">
+            <a:schemeClr val="accent1"/>
+          </a:effectRef>
+          <a:fontRef idx="minor">
+            <a:schemeClr val="lt1"/>
+          </a:fontRef>
+        </p:style>
+        <p:txBody>
+          <a:bodyPr rtlCol="0" anchor="ctr"/>
+          <a:lstStyle/>
+          <a:p>
+            <a:pPr algn="ctr"/>
+            <a:r>
+              <a:rPr lang="zh-CN" altLang="en-US" dirty="0" smtClean="0"/>
+              <a:t>张辉没钱</a:t>
+            </a:r>
+            <a:endParaRPr lang="zh-CN" altLang="en-US" dirty="0"/>
+          </a:p>
+        </p:txBody>
+      </p:sp>
+      <p:sp>
+        <p:nvSpPr>
+          <p:cNvPr id="8" name="圆角矩形 4"/>
+          <p:cNvSpPr/>
+          <p:nvPr/>
+        </p:nvSpPr>
+        <p:spPr>
+          <a:xfrm>
+            <a:off x="237720" y="4318555"/>
+            <a:ext cx="1160780" cy="456565"/>
+          </a:xfrm>
+          <a:prstGeom prst="roundRect">
+            <a:avLst/>
+          </a:prstGeom>
+        </p:spPr>
+        <p:style>
+          <a:lnRef idx="2">
+            <a:schemeClr val="accent1">
+              <a:shade val="50000"/>
+            </a:schemeClr>
+          </a:lnRef>
+          <a:fillRef idx="1">
+            <a:schemeClr val="accent1"/>
+          </a:fillRef>
+          <a:effectRef idx="0">
+            <a:schemeClr val="accent1"/>
+          </a:effectRef>
+          <a:fontRef idx="minor">
+            <a:schemeClr val="lt1"/>
+          </a:fontRef>
+        </p:style>
+        <p:txBody>
+          <a:bodyPr rtlCol="0" anchor="ctr"/>
+          <a:lstStyle/>
+          <a:p>
+            <a:pPr algn="ctr"/>
+            <a:r>
+              <a:rPr lang="zh-CN" altLang="en-US" sz="1200" dirty="0"/>
+              <a:t>调</a:t>
+            </a:r>
+            <a:r>
+              <a:rPr lang="zh-CN" altLang="en-US" sz="1200" dirty="0" smtClean="0"/>
+              <a:t>查得知女友与老余有染</a:t>
+            </a:r>
+            <a:endParaRPr lang="zh-CN" altLang="en-US" sz="1200" dirty="0"/>
+          </a:p>
+        </p:txBody>
+      </p:sp>
+      <p:sp>
+        <p:nvSpPr>
+          <p:cNvPr id="11" name="圆角矩形 4"/>
+          <p:cNvSpPr/>
+          <p:nvPr/>
+        </p:nvSpPr>
+        <p:spPr>
+          <a:xfrm>
+            <a:off x="237720" y="5608537"/>
+            <a:ext cx="1160780" cy="456565"/>
+          </a:xfrm>
+          <a:prstGeom prst="roundRect">
+            <a:avLst/>
+          </a:prstGeom>
+        </p:spPr>
+        <p:style>
+          <a:lnRef idx="2">
+            <a:schemeClr val="accent1">
+              <a:shade val="50000"/>
+            </a:schemeClr>
+          </a:lnRef>
+          <a:fillRef idx="1">
+            <a:schemeClr val="accent1"/>
+          </a:fillRef>
+          <a:effectRef idx="0">
+            <a:schemeClr val="accent1"/>
+          </a:effectRef>
+          <a:fontRef idx="minor">
+            <a:schemeClr val="lt1"/>
+          </a:fontRef>
+        </p:style>
+        <p:txBody>
+          <a:bodyPr rtlCol="0" anchor="ctr"/>
+          <a:lstStyle/>
+          <a:p>
+            <a:pPr algn="ctr"/>
+            <a:r>
+              <a:rPr lang="zh-CN" altLang="en-US" sz="1200" dirty="0" smtClean="0"/>
+              <a:t>张辉愤怒分手拿回自己的钱</a:t>
+            </a:r>
+            <a:endParaRPr lang="zh-CN" altLang="en-US" sz="1200" dirty="0"/>
+          </a:p>
+        </p:txBody>
+      </p:sp>
+      <p:sp>
+        <p:nvSpPr>
+          <p:cNvPr id="14" name="矩形 13"/>
+          <p:cNvSpPr/>
+          <p:nvPr/>
+        </p:nvSpPr>
+        <p:spPr>
+          <a:xfrm>
+            <a:off x="1757548" y="1328420"/>
+            <a:ext cx="9666515" cy="461483"/>
+          </a:xfrm>
+          <a:prstGeom prst="rect">
+            <a:avLst/>
+          </a:prstGeom>
+        </p:spPr>
+        <p:style>
+          <a:lnRef idx="2">
+            <a:schemeClr val="accent1">
+              <a:shade val="50000"/>
+            </a:schemeClr>
+          </a:lnRef>
+          <a:fillRef idx="1">
+            <a:schemeClr val="accent1"/>
+          </a:fillRef>
+          <a:effectRef idx="0">
+            <a:schemeClr val="accent1"/>
+          </a:effectRef>
+          <a:fontRef idx="minor">
+            <a:schemeClr val="lt1"/>
+          </a:fontRef>
+        </p:style>
+        <p:txBody>
+          <a:bodyPr rtlCol="0" anchor="ctr"/>
+          <a:lstStyle/>
+          <a:p>
+            <a:r>
+              <a:rPr kumimoji="1" lang="en-US" altLang="zh-CN" sz="1400" dirty="0" smtClean="0"/>
+              <a:t>NPC1(</a:t>
+            </a:r>
+            <a:r>
+              <a:rPr kumimoji="1" lang="zh-CN" altLang="en-US" sz="1400" dirty="0" smtClean="0"/>
+              <a:t>老余</a:t>
+            </a:r>
+            <a:r>
+              <a:rPr kumimoji="1" lang="en-US" altLang="zh-CN" sz="1400" dirty="0" smtClean="0"/>
+              <a:t>)</a:t>
+            </a:r>
+            <a:r>
+              <a:rPr kumimoji="1" lang="zh-CN" altLang="en-US" sz="1400" dirty="0" smtClean="0"/>
+              <a:t>   信息：张辉家的位置、老余对张辉的不屑、女主播正在教训张辉、老余比张辉哪点都强</a:t>
+            </a:r>
+            <a:endParaRPr kumimoji="1" lang="zh-CN" altLang="en-US" sz="1400" dirty="0"/>
+          </a:p>
+        </p:txBody>
+      </p:sp>
+      <p:sp>
+        <p:nvSpPr>
+          <p:cNvPr id="15" name="矩形 14"/>
+          <p:cNvSpPr/>
+          <p:nvPr/>
+        </p:nvSpPr>
+        <p:spPr>
+          <a:xfrm>
+            <a:off x="1745674" y="2042507"/>
+            <a:ext cx="9678389" cy="574836"/>
+          </a:xfrm>
+          <a:prstGeom prst="rect">
+            <a:avLst/>
+          </a:prstGeom>
+        </p:spPr>
+        <p:style>
+          <a:lnRef idx="2">
+            <a:schemeClr val="accent1">
+              <a:shade val="50000"/>
+            </a:schemeClr>
+          </a:lnRef>
+          <a:fillRef idx="1">
+            <a:schemeClr val="accent1"/>
+          </a:fillRef>
+          <a:effectRef idx="0">
+            <a:schemeClr val="accent1"/>
+          </a:effectRef>
+          <a:fontRef idx="minor">
+            <a:schemeClr val="lt1"/>
+          </a:fontRef>
+        </p:style>
+        <p:txBody>
+          <a:bodyPr rtlCol="0" anchor="ctr"/>
+          <a:lstStyle/>
+          <a:p>
+            <a:r>
+              <a:rPr kumimoji="1" lang="zh-CN" altLang="en-US" sz="1400" dirty="0"/>
+              <a:t>场景：张辉跪在地上，女主播</a:t>
+            </a:r>
+            <a:r>
+              <a:rPr kumimoji="1" lang="zh-CN" altLang="en-US" sz="1400" dirty="0" smtClean="0"/>
+              <a:t>训斥</a:t>
+            </a:r>
+            <a:endParaRPr kumimoji="1" lang="zh-CN" altLang="en-US" sz="1400" dirty="0"/>
+          </a:p>
+        </p:txBody>
+      </p:sp>
+      <p:cxnSp>
+        <p:nvCxnSpPr>
+          <p:cNvPr id="17" name="直线箭头连接符 16"/>
+          <p:cNvCxnSpPr>
+            <a:stCxn id="14" idx="2"/>
+            <a:endCxn id="15" idx="0"/>
+          </p:cNvCxnSpPr>
+          <p:nvPr/>
+        </p:nvCxnSpPr>
+        <p:spPr>
+          <a:xfrm flipH="1">
+            <a:off x="6584869" y="1789903"/>
+            <a:ext cx="5937" cy="252604"/>
+          </a:xfrm>
+          <a:prstGeom prst="straightConnector1">
+            <a:avLst/>
+          </a:prstGeom>
+          <a:ln>
+            <a:tailEnd type="triangle"/>
+          </a:ln>
+        </p:spPr>
+        <p:style>
+          <a:lnRef idx="1">
+            <a:schemeClr val="accent1"/>
+          </a:lnRef>
+          <a:fillRef idx="0">
+            <a:schemeClr val="accent1"/>
+          </a:fillRef>
+          <a:effectRef idx="0">
+            <a:schemeClr val="accent1"/>
+          </a:effectRef>
+          <a:fontRef idx="minor">
+            <a:schemeClr val="tx1"/>
+          </a:fontRef>
+        </p:style>
+      </p:cxnSp>
+      <p:sp>
+        <p:nvSpPr>
+          <p:cNvPr id="20" name="左大括号 19"/>
+          <p:cNvSpPr/>
+          <p:nvPr/>
+        </p:nvSpPr>
+        <p:spPr>
+          <a:xfrm>
+            <a:off x="1398500" y="1413164"/>
+            <a:ext cx="347174" cy="1204179"/>
+          </a:xfrm>
+          <a:prstGeom prst="leftBrace">
+            <a:avLst/>
+          </a:prstGeom>
+        </p:spPr>
+        <p:style>
+          <a:lnRef idx="1">
+            <a:schemeClr val="accent1"/>
+          </a:lnRef>
+          <a:fillRef idx="0">
+            <a:schemeClr val="accent1"/>
+          </a:fillRef>
+          <a:effectRef idx="0">
+            <a:schemeClr val="accent1"/>
+          </a:effectRef>
+          <a:fontRef idx="minor">
+            <a:schemeClr val="tx1"/>
+          </a:fontRef>
+        </p:style>
+        <p:txBody>
+          <a:bodyPr rtlCol="0" anchor="ctr"/>
+          <a:lstStyle/>
+          <a:p>
+            <a:pPr algn="ctr"/>
+            <a:endParaRPr kumimoji="1" lang="zh-CN" altLang="en-US"/>
+          </a:p>
+        </p:txBody>
+      </p:sp>
+      <p:sp>
+        <p:nvSpPr>
+          <p:cNvPr id="21" name="矩形 20"/>
+          <p:cNvSpPr/>
+          <p:nvPr/>
+        </p:nvSpPr>
+        <p:spPr>
+          <a:xfrm>
+            <a:off x="1745674" y="2985342"/>
+            <a:ext cx="9512134" cy="783771"/>
+          </a:xfrm>
+          <a:prstGeom prst="rect">
+            <a:avLst/>
+          </a:prstGeom>
+        </p:spPr>
+        <p:style>
+          <a:lnRef idx="2">
+            <a:schemeClr val="accent1">
+              <a:shade val="50000"/>
+            </a:schemeClr>
+          </a:lnRef>
+          <a:fillRef idx="1">
+            <a:schemeClr val="accent1"/>
+          </a:fillRef>
+          <a:effectRef idx="0">
+            <a:schemeClr val="accent1"/>
+          </a:effectRef>
+          <a:fontRef idx="minor">
+            <a:schemeClr val="lt1"/>
+          </a:fontRef>
+        </p:style>
+        <p:txBody>
+          <a:bodyPr rtlCol="0" anchor="ctr"/>
+          <a:lstStyle/>
+          <a:p>
+            <a:r>
+              <a:rPr kumimoji="1" lang="en-US" altLang="zh-CN" sz="1400" dirty="0" smtClean="0"/>
+              <a:t>NPC2</a:t>
+            </a:r>
+            <a:r>
+              <a:rPr kumimoji="1" lang="zh-CN" altLang="en-US" sz="1400" dirty="0" smtClean="0"/>
+              <a:t>张辉：没钱再通融几天 </a:t>
+            </a:r>
+            <a:r>
+              <a:rPr kumimoji="1" lang="zh-CN" altLang="en-US" sz="1400" dirty="0"/>
+              <a:t>。</a:t>
+            </a:r>
+            <a:r>
+              <a:rPr kumimoji="1" lang="zh-CN" altLang="en-US" sz="1400" dirty="0" smtClean="0"/>
+              <a:t>女友出去后：钱全在母老虎哪里，你去找她要。</a:t>
+            </a:r>
+            <a:endParaRPr kumimoji="1" lang="en-US" altLang="zh-CN" sz="1400" dirty="0"/>
+          </a:p>
+          <a:p>
+            <a:r>
+              <a:rPr kumimoji="1" lang="en-US" altLang="zh-CN" sz="1400" dirty="0" smtClean="0"/>
+              <a:t>NPC3</a:t>
+            </a:r>
+            <a:r>
+              <a:rPr kumimoji="1" lang="zh-CN" altLang="en-US" sz="1400" dirty="0" smtClean="0"/>
+              <a:t>女主播：老娘没钱，摔门而出。</a:t>
+            </a:r>
+            <a:endParaRPr kumimoji="1" lang="zh-CN" altLang="en-US" sz="1400" dirty="0"/>
+          </a:p>
+        </p:txBody>
+      </p:sp>
+      <p:sp>
+        <p:nvSpPr>
+          <p:cNvPr id="22" name="矩形 21"/>
+          <p:cNvSpPr/>
+          <p:nvPr/>
+        </p:nvSpPr>
+        <p:spPr>
+          <a:xfrm>
+            <a:off x="1757548" y="4047882"/>
+            <a:ext cx="9512134" cy="1117959"/>
+          </a:xfrm>
+          <a:prstGeom prst="rect">
+            <a:avLst/>
+          </a:prstGeom>
+        </p:spPr>
+        <p:style>
+          <a:lnRef idx="2">
+            <a:schemeClr val="accent1">
+              <a:shade val="50000"/>
+            </a:schemeClr>
+          </a:lnRef>
+          <a:fillRef idx="1">
+            <a:schemeClr val="accent1"/>
+          </a:fillRef>
+          <a:effectRef idx="0">
+            <a:schemeClr val="accent1"/>
+          </a:effectRef>
+          <a:fontRef idx="minor">
+            <a:schemeClr val="lt1"/>
+          </a:fontRef>
+        </p:style>
+        <p:txBody>
+          <a:bodyPr rtlCol="0" anchor="ctr"/>
+          <a:lstStyle/>
+          <a:p>
+            <a:r>
+              <a:rPr kumimoji="1" lang="zh-CN" altLang="en-US" sz="1400" dirty="0" smtClean="0"/>
+              <a:t>寻找</a:t>
+            </a:r>
+            <a:r>
+              <a:rPr kumimoji="1" lang="en-US" altLang="zh-CN" sz="1400" dirty="0" smtClean="0"/>
+              <a:t>NPC3</a:t>
+            </a:r>
+            <a:r>
+              <a:rPr kumimoji="1" lang="zh-CN" altLang="en-US" sz="1400" dirty="0" smtClean="0"/>
+              <a:t>，发现在</a:t>
+            </a:r>
+            <a:r>
+              <a:rPr kumimoji="1" lang="en-US" altLang="zh-CN" sz="1400" dirty="0" smtClean="0"/>
+              <a:t>NPC1</a:t>
+            </a:r>
+            <a:r>
+              <a:rPr kumimoji="1" lang="zh-CN" altLang="en-US" sz="1400" dirty="0" smtClean="0"/>
+              <a:t>家里和老余诉苦，再次要钱</a:t>
+            </a:r>
+            <a:r>
+              <a:rPr kumimoji="1" lang="en-US" altLang="zh-CN" sz="1400" dirty="0" smtClean="0"/>
+              <a:t>NPC1</a:t>
+            </a:r>
+            <a:r>
+              <a:rPr kumimoji="1" lang="zh-CN" altLang="en-US" sz="1400" dirty="0" smtClean="0"/>
+              <a:t>在一旁帮腔，主角被轰出门外。</a:t>
+            </a:r>
+            <a:endParaRPr kumimoji="1" lang="en-US" altLang="zh-CN" sz="1400" dirty="0" smtClean="0"/>
+          </a:p>
+          <a:p>
+            <a:r>
+              <a:rPr kumimoji="1" lang="en-US" altLang="zh-CN" sz="1400" dirty="0" smtClean="0"/>
+              <a:t>NPC4(</a:t>
+            </a:r>
+            <a:r>
+              <a:rPr kumimoji="1" lang="zh-CN" altLang="en-US" sz="1400" dirty="0" smtClean="0"/>
+              <a:t>嗑瓜子的阿婆</a:t>
+            </a:r>
+            <a:r>
+              <a:rPr kumimoji="1" lang="en-US" altLang="zh-CN" sz="1400" dirty="0" smtClean="0"/>
+              <a:t>)</a:t>
+            </a:r>
+            <a:r>
+              <a:rPr kumimoji="1" lang="zh-CN" altLang="en-US" sz="1400" dirty="0" smtClean="0"/>
+              <a:t>： 信息：</a:t>
+            </a:r>
+            <a:r>
+              <a:rPr kumimoji="1" lang="en-US" altLang="zh-CN" sz="1400" dirty="0" smtClean="0"/>
+              <a:t>NPC1</a:t>
+            </a:r>
+            <a:r>
+              <a:rPr kumimoji="1" lang="zh-CN" altLang="en-US" sz="1400" dirty="0" smtClean="0"/>
+              <a:t>老实憨厚，</a:t>
+            </a:r>
+            <a:r>
+              <a:rPr kumimoji="1" lang="en-US" altLang="zh-CN" sz="1400" dirty="0" smtClean="0"/>
+              <a:t>NPC3</a:t>
+            </a:r>
+            <a:r>
+              <a:rPr kumimoji="1" lang="zh-CN" altLang="en-US" sz="1400" dirty="0" smtClean="0"/>
+              <a:t>经常趁其通宵加班去</a:t>
+            </a:r>
+            <a:r>
+              <a:rPr kumimoji="1" lang="en-US" altLang="zh-CN" sz="1400" dirty="0" smtClean="0"/>
+              <a:t>NPC1</a:t>
+            </a:r>
+            <a:r>
+              <a:rPr kumimoji="1" lang="zh-CN" altLang="en-US" sz="1400" dirty="0" smtClean="0"/>
+              <a:t>屋里</a:t>
+            </a:r>
+            <a:endParaRPr kumimoji="1" lang="en-US" altLang="zh-CN" sz="1400" dirty="0" smtClean="0"/>
+          </a:p>
+          <a:p>
+            <a:r>
+              <a:rPr kumimoji="1" lang="zh-CN" altLang="en-US" sz="1400" dirty="0" smtClean="0"/>
+              <a:t>花钱买棒棒糖</a:t>
+            </a:r>
+            <a:r>
+              <a:rPr kumimoji="1" lang="en-US" altLang="zh-CN" sz="1400" dirty="0" smtClean="0"/>
+              <a:t>fromNPC5</a:t>
+            </a:r>
+            <a:r>
+              <a:rPr kumimoji="1" lang="zh-CN" altLang="en-US" sz="1400" dirty="0" smtClean="0"/>
+              <a:t>（商店老板）让</a:t>
+            </a:r>
+            <a:r>
+              <a:rPr kumimoji="1" lang="en-US" altLang="zh-CN" sz="1400" dirty="0" smtClean="0"/>
+              <a:t>NPC6</a:t>
+            </a:r>
+            <a:r>
+              <a:rPr kumimoji="1" lang="zh-CN" altLang="en-US" sz="1400" dirty="0" smtClean="0"/>
+              <a:t>（小孩）骗</a:t>
+            </a:r>
+            <a:r>
+              <a:rPr kumimoji="1" lang="en-US" altLang="zh-CN" sz="1400" dirty="0" smtClean="0"/>
+              <a:t>NPC1</a:t>
+            </a:r>
+            <a:r>
+              <a:rPr kumimoji="1" lang="zh-CN" altLang="en-US" sz="1400" dirty="0" smtClean="0"/>
+              <a:t>出门与</a:t>
+            </a:r>
+            <a:r>
+              <a:rPr kumimoji="1" lang="en-US" altLang="zh-CN" sz="1400" dirty="0" smtClean="0"/>
+              <a:t>NPC3</a:t>
+            </a:r>
+            <a:r>
+              <a:rPr kumimoji="1" lang="zh-CN" altLang="en-US" sz="1400" dirty="0" smtClean="0"/>
+              <a:t>出门约会，进入</a:t>
+            </a:r>
+            <a:r>
+              <a:rPr kumimoji="1" lang="en-US" altLang="zh-CN" sz="1400" dirty="0" smtClean="0"/>
+              <a:t>NPC1</a:t>
+            </a:r>
+            <a:r>
+              <a:rPr kumimoji="1" lang="zh-CN" altLang="en-US" sz="1400" dirty="0" smtClean="0"/>
+              <a:t>家中获取出轨证据</a:t>
+            </a:r>
+            <a:endParaRPr kumimoji="1" lang="en-US" altLang="zh-CN" sz="1400" dirty="0"/>
+          </a:p>
+          <a:p>
+            <a:endParaRPr kumimoji="1" lang="zh-CN" altLang="en-US" sz="1400" dirty="0"/>
+          </a:p>
+        </p:txBody>
+      </p:sp>
+      <p:sp>
+        <p:nvSpPr>
+          <p:cNvPr id="23" name="矩形 22"/>
+          <p:cNvSpPr/>
+          <p:nvPr/>
+        </p:nvSpPr>
+        <p:spPr>
+          <a:xfrm>
+            <a:off x="1757548" y="5457244"/>
+            <a:ext cx="9512134" cy="1104406"/>
+          </a:xfrm>
+          <a:prstGeom prst="rect">
+            <a:avLst/>
+          </a:prstGeom>
+        </p:spPr>
+        <p:style>
+          <a:lnRef idx="2">
+            <a:schemeClr val="accent1">
+              <a:shade val="50000"/>
+            </a:schemeClr>
+          </a:lnRef>
+          <a:fillRef idx="1">
+            <a:schemeClr val="accent1"/>
+          </a:fillRef>
+          <a:effectRef idx="0">
+            <a:schemeClr val="accent1"/>
+          </a:effectRef>
+          <a:fontRef idx="minor">
+            <a:schemeClr val="lt1"/>
+          </a:fontRef>
+        </p:style>
+        <p:txBody>
+          <a:bodyPr rtlCol="0" anchor="ctr"/>
+          <a:lstStyle/>
+          <a:p>
+            <a:r>
+              <a:rPr kumimoji="1" lang="zh-CN" altLang="en-US" sz="1400" dirty="0" smtClean="0"/>
+              <a:t>将证据交给张辉，张辉决定分手，但是不知道女友把钱放在什么地方。</a:t>
+            </a:r>
+            <a:endParaRPr kumimoji="1" lang="en-US" altLang="zh-CN" sz="1400" dirty="0" smtClean="0"/>
+          </a:p>
+          <a:p>
+            <a:endParaRPr kumimoji="1" lang="en-US" altLang="zh-CN" sz="1400" dirty="0"/>
+          </a:p>
+          <a:p>
+            <a:endParaRPr kumimoji="1" lang="en-US" altLang="zh-CN" sz="1400" dirty="0" smtClean="0"/>
+          </a:p>
+          <a:p>
+            <a:endParaRPr kumimoji="1" lang="zh-CN" altLang="en-US" sz="1400" dirty="0"/>
+          </a:p>
+        </p:txBody>
+      </p:sp>
     </p:spTree>
     <p:extLst>
       <p:ext uri="{BB962C8B-B14F-4D97-AF65-F5344CB8AC3E}">
-        <p14:creationId xmlns:p14="http://schemas.microsoft.com/office/powerpoint/2010/main" val="2402857177"/>
+        <p14:creationId xmlns:p14="http://schemas.microsoft.com/office/powerpoint/2010/main" val="495104102"/>
       </p:ext>
     </p:extLst>
   </p:cSld>
@@ -5334,24 +5972,41 @@
       </p:grpSpPr>
       <p:sp>
         <p:nvSpPr>
-          <p:cNvPr id="6" name="矩形 5"/>
+          <p:cNvPr id="4" name="Footer Placeholder 3"/>
+          <p:cNvSpPr>
+            <a:spLocks noGrp="1"/>
+          </p:cNvSpPr>
+          <p:nvPr>
+            <p:ph type="ftr" sz="quarter" idx="11"/>
+          </p:nvPr>
+        </p:nvSpPr>
+        <p:spPr/>
+        <p:txBody>
+          <a:bodyPr/>
+          <a:lstStyle/>
+          <a:p>
+            <a:r>
+              <a:rPr lang="zh-CN" altLang="en-US" smtClean="0"/>
+              <a:t>三人开发小组</a:t>
+            </a:r>
+            <a:endParaRPr lang="zh-CN" altLang="en-US"/>
+          </a:p>
+        </p:txBody>
+      </p:sp>
+      <p:sp>
+        <p:nvSpPr>
+          <p:cNvPr id="5" name="Rounded Rectangle 4"/>
           <p:cNvSpPr/>
           <p:nvPr/>
         </p:nvSpPr>
         <p:spPr>
           <a:xfrm>
-            <a:off x="0" y="333375"/>
-            <a:ext cx="12192000" cy="900430"/>
-          </a:xfrm>
-          <a:prstGeom prst="rect">
-            <a:avLst/>
-          </a:prstGeom>
-          <a:solidFill>
-            <a:srgbClr val="00AE66"/>
-          </a:solidFill>
-          <a:ln>
-            <a:noFill/>
-          </a:ln>
+            <a:off x="222190" y="3025212"/>
+            <a:ext cx="1649338" cy="658026"/>
+          </a:xfrm>
+          <a:prstGeom prst="roundRect">
+            <a:avLst/>
+          </a:prstGeom>
         </p:spPr>
         <p:style>
           <a:lnRef idx="2">
@@ -5374,13 +6029,375 @@
           <a:lstStyle/>
           <a:p>
             <a:pPr algn="ctr"/>
+            <a:r>
+              <a:rPr lang="zh-CN" altLang="en-US" dirty="0" smtClean="0"/>
+              <a:t>玩家出门</a:t>
+            </a:r>
+            <a:endParaRPr lang="zh-CN" altLang="en-US" dirty="0"/>
+          </a:p>
+        </p:txBody>
+      </p:sp>
+      <p:sp>
+        <p:nvSpPr>
+          <p:cNvPr id="6" name="Rounded Rectangle 5"/>
+          <p:cNvSpPr/>
+          <p:nvPr/>
+        </p:nvSpPr>
+        <p:spPr>
+          <a:xfrm>
+            <a:off x="2299531" y="3025212"/>
+            <a:ext cx="1649338" cy="658026"/>
+          </a:xfrm>
+          <a:prstGeom prst="roundRect">
+            <a:avLst/>
+          </a:prstGeom>
+        </p:spPr>
+        <p:style>
+          <a:lnRef idx="2">
+            <a:schemeClr val="accent1">
+              <a:shade val="50000"/>
+            </a:schemeClr>
+          </a:lnRef>
+          <a:fillRef idx="1">
+            <a:schemeClr val="accent1"/>
+          </a:fillRef>
+          <a:effectRef idx="0">
+            <a:schemeClr val="accent1"/>
+          </a:effectRef>
+          <a:fontRef idx="minor">
+            <a:schemeClr val="lt1"/>
+          </a:fontRef>
+        </p:style>
+        <p:txBody>
+          <a:bodyPr rtlCol="0" anchor="ctr"/>
+          <a:lstStyle/>
+          <a:p>
+            <a:pPr algn="ctr"/>
+            <a:r>
+              <a:rPr lang="zh-CN" altLang="en-US" dirty="0" smtClean="0"/>
+              <a:t>老余</a:t>
+            </a:r>
+            <a:endParaRPr lang="zh-CN" altLang="en-US" dirty="0"/>
+          </a:p>
+        </p:txBody>
+      </p:sp>
+      <p:sp>
+        <p:nvSpPr>
+          <p:cNvPr id="7" name="Rounded Rectangle 6"/>
+          <p:cNvSpPr/>
+          <p:nvPr/>
+        </p:nvSpPr>
+        <p:spPr>
+          <a:xfrm>
+            <a:off x="4376872" y="3025212"/>
+            <a:ext cx="1649338" cy="658026"/>
+          </a:xfrm>
+          <a:prstGeom prst="roundRect">
+            <a:avLst/>
+          </a:prstGeom>
+        </p:spPr>
+        <p:style>
+          <a:lnRef idx="2">
+            <a:schemeClr val="accent1">
+              <a:shade val="50000"/>
+            </a:schemeClr>
+          </a:lnRef>
+          <a:fillRef idx="1">
+            <a:schemeClr val="accent1"/>
+          </a:fillRef>
+          <a:effectRef idx="0">
+            <a:schemeClr val="accent1"/>
+          </a:effectRef>
+          <a:fontRef idx="minor">
+            <a:schemeClr val="lt1"/>
+          </a:fontRef>
+        </p:style>
+        <p:txBody>
+          <a:bodyPr rtlCol="0" anchor="ctr"/>
+          <a:lstStyle/>
+          <a:p>
+            <a:pPr algn="ctr"/>
+            <a:r>
+              <a:rPr lang="zh-CN" altLang="en-US" dirty="0"/>
+              <a:t>找</a:t>
+            </a:r>
+            <a:r>
+              <a:rPr lang="zh-CN" altLang="en-US" dirty="0" smtClean="0"/>
+              <a:t>到张辉和女主播</a:t>
+            </a:r>
+            <a:endParaRPr lang="zh-CN" altLang="en-US" dirty="0"/>
+          </a:p>
+        </p:txBody>
+      </p:sp>
+      <p:sp>
+        <p:nvSpPr>
+          <p:cNvPr id="8" name="Rounded Rectangle 7"/>
+          <p:cNvSpPr/>
+          <p:nvPr/>
+        </p:nvSpPr>
+        <p:spPr>
+          <a:xfrm>
+            <a:off x="6504062" y="3025212"/>
+            <a:ext cx="1649338" cy="658026"/>
+          </a:xfrm>
+          <a:prstGeom prst="roundRect">
+            <a:avLst/>
+          </a:prstGeom>
+        </p:spPr>
+        <p:style>
+          <a:lnRef idx="2">
+            <a:schemeClr val="accent1">
+              <a:shade val="50000"/>
+            </a:schemeClr>
+          </a:lnRef>
+          <a:fillRef idx="1">
+            <a:schemeClr val="accent1"/>
+          </a:fillRef>
+          <a:effectRef idx="0">
+            <a:schemeClr val="accent1"/>
+          </a:effectRef>
+          <a:fontRef idx="minor">
+            <a:schemeClr val="lt1"/>
+          </a:fontRef>
+        </p:style>
+        <p:txBody>
+          <a:bodyPr rtlCol="0" anchor="ctr"/>
+          <a:lstStyle/>
+          <a:p>
+            <a:pPr algn="ctr"/>
+            <a:r>
+              <a:rPr lang="zh-CN" altLang="en-US" dirty="0" smtClean="0"/>
+              <a:t>找到女主播和老余</a:t>
+            </a:r>
+            <a:endParaRPr lang="zh-CN" altLang="en-US" dirty="0"/>
+          </a:p>
+        </p:txBody>
+      </p:sp>
+      <p:cxnSp>
+        <p:nvCxnSpPr>
+          <p:cNvPr id="10" name="Straight Arrow Connector 9"/>
+          <p:cNvCxnSpPr>
+            <a:stCxn id="5" idx="3"/>
+            <a:endCxn id="6" idx="1"/>
+          </p:cNvCxnSpPr>
+          <p:nvPr/>
+        </p:nvCxnSpPr>
+        <p:spPr>
+          <a:xfrm>
+            <a:off x="1871528" y="3354225"/>
+            <a:ext cx="428003" cy="0"/>
+          </a:xfrm>
+          <a:prstGeom prst="straightConnector1">
+            <a:avLst/>
+          </a:prstGeom>
+          <a:ln>
+            <a:tailEnd type="triangle"/>
+          </a:ln>
+        </p:spPr>
+        <p:style>
+          <a:lnRef idx="1">
+            <a:schemeClr val="accent1"/>
+          </a:lnRef>
+          <a:fillRef idx="0">
+            <a:schemeClr val="accent1"/>
+          </a:fillRef>
+          <a:effectRef idx="0">
+            <a:schemeClr val="accent1"/>
+          </a:effectRef>
+          <a:fontRef idx="minor">
+            <a:schemeClr val="tx1"/>
+          </a:fontRef>
+        </p:style>
+      </p:cxnSp>
+      <p:sp>
+        <p:nvSpPr>
+          <p:cNvPr id="11" name="Rectangle 10"/>
+          <p:cNvSpPr/>
+          <p:nvPr/>
+        </p:nvSpPr>
+        <p:spPr>
+          <a:xfrm>
+            <a:off x="2371814" y="1880075"/>
+            <a:ext cx="1504772" cy="675118"/>
+          </a:xfrm>
+          <a:prstGeom prst="rect">
+            <a:avLst/>
+          </a:prstGeom>
+        </p:spPr>
+        <p:style>
+          <a:lnRef idx="2">
+            <a:schemeClr val="accent1">
+              <a:shade val="50000"/>
+            </a:schemeClr>
+          </a:lnRef>
+          <a:fillRef idx="1">
+            <a:schemeClr val="accent1"/>
+          </a:fillRef>
+          <a:effectRef idx="0">
+            <a:schemeClr val="accent1"/>
+          </a:effectRef>
+          <a:fontRef idx="minor">
+            <a:schemeClr val="lt1"/>
+          </a:fontRef>
+        </p:style>
+        <p:txBody>
+          <a:bodyPr rtlCol="0" anchor="ctr"/>
+          <a:lstStyle/>
+          <a:p>
+            <a:pPr algn="ctr"/>
+            <a:r>
+              <a:rPr lang="zh-CN" altLang="en-US" dirty="0" smtClean="0"/>
+              <a:t>获得张辉信息</a:t>
+            </a:r>
+            <a:endParaRPr lang="zh-CN" altLang="en-US" dirty="0"/>
+          </a:p>
+        </p:txBody>
+      </p:sp>
+      <p:cxnSp>
+        <p:nvCxnSpPr>
+          <p:cNvPr id="13" name="Straight Connector 12"/>
+          <p:cNvCxnSpPr>
+            <a:stCxn id="11" idx="2"/>
+            <a:endCxn id="6" idx="0"/>
+          </p:cNvCxnSpPr>
+          <p:nvPr/>
+        </p:nvCxnSpPr>
+        <p:spPr>
+          <a:xfrm>
+            <a:off x="3124200" y="2555193"/>
+            <a:ext cx="0" cy="470019"/>
+          </a:xfrm>
+          <a:prstGeom prst="line">
+            <a:avLst/>
+          </a:prstGeom>
+        </p:spPr>
+        <p:style>
+          <a:lnRef idx="1">
+            <a:schemeClr val="accent1"/>
+          </a:lnRef>
+          <a:fillRef idx="0">
+            <a:schemeClr val="accent1"/>
+          </a:fillRef>
+          <a:effectRef idx="0">
+            <a:schemeClr val="accent1"/>
+          </a:effectRef>
+          <a:fontRef idx="minor">
+            <a:schemeClr val="tx1"/>
+          </a:fontRef>
+        </p:style>
+      </p:cxnSp>
+      <p:sp>
+        <p:nvSpPr>
+          <p:cNvPr id="16" name="TextBox 15"/>
+          <p:cNvSpPr txBox="1"/>
+          <p:nvPr/>
+        </p:nvSpPr>
+        <p:spPr>
+          <a:xfrm>
+            <a:off x="3158739" y="2655880"/>
+            <a:ext cx="701467" cy="369332"/>
+          </a:xfrm>
+          <a:prstGeom prst="rect">
+            <a:avLst/>
+          </a:prstGeom>
+          <a:noFill/>
+        </p:spPr>
+        <p:txBody>
+          <a:bodyPr wrap="square" rtlCol="0">
+            <a:spAutoFit/>
+          </a:bodyPr>
+          <a:lstStyle/>
+          <a:p>
+            <a:r>
+              <a:rPr lang="zh-CN" altLang="en-US" dirty="0" smtClean="0"/>
+              <a:t>对话</a:t>
+            </a:r>
+            <a:endParaRPr lang="zh-CN" altLang="en-US" dirty="0"/>
+          </a:p>
+        </p:txBody>
+      </p:sp>
+      <p:cxnSp>
+        <p:nvCxnSpPr>
+          <p:cNvPr id="17" name="Straight Arrow Connector 16"/>
+          <p:cNvCxnSpPr/>
+          <p:nvPr/>
+        </p:nvCxnSpPr>
+        <p:spPr>
+          <a:xfrm>
+            <a:off x="3948869" y="3354225"/>
+            <a:ext cx="428003" cy="0"/>
+          </a:xfrm>
+          <a:prstGeom prst="straightConnector1">
+            <a:avLst/>
+          </a:prstGeom>
+          <a:ln>
+            <a:tailEnd type="triangle"/>
+          </a:ln>
+        </p:spPr>
+        <p:style>
+          <a:lnRef idx="1">
+            <a:schemeClr val="accent1"/>
+          </a:lnRef>
+          <a:fillRef idx="0">
+            <a:schemeClr val="accent1"/>
+          </a:fillRef>
+          <a:effectRef idx="0">
+            <a:schemeClr val="accent1"/>
+          </a:effectRef>
+          <a:fontRef idx="minor">
+            <a:schemeClr val="tx1"/>
+          </a:fontRef>
+        </p:style>
+      </p:cxnSp>
+      <p:sp>
+        <p:nvSpPr>
+          <p:cNvPr id="18" name="矩形 5"/>
+          <p:cNvSpPr/>
+          <p:nvPr/>
+        </p:nvSpPr>
+        <p:spPr>
+          <a:xfrm>
+            <a:off x="0" y="333375"/>
+            <a:ext cx="12192000" cy="900430"/>
+          </a:xfrm>
+          <a:prstGeom prst="rect">
+            <a:avLst/>
+          </a:prstGeom>
+          <a:solidFill>
+            <a:srgbClr val="00AE66"/>
+          </a:solidFill>
+          <a:ln>
+            <a:noFill/>
+          </a:ln>
+        </p:spPr>
+        <p:style>
+          <a:lnRef idx="2">
+            <a:schemeClr val="accent1">
+              <a:shade val="50000"/>
+            </a:schemeClr>
+          </a:lnRef>
+          <a:fillRef idx="1">
+            <a:schemeClr val="accent1"/>
+          </a:fillRef>
+          <a:effectRef idx="0">
+            <a:schemeClr val="accent1"/>
+          </a:effectRef>
+          <a:fontRef idx="minor">
+            <a:schemeClr val="lt1"/>
+          </a:fontRef>
+        </p:style>
+        <p:txBody>
+          <a:bodyPr rtlCol="0" anchor="ctr"/>
+          <a:lstStyle/>
+          <a:p>
+            <a:pPr algn="ctr"/>
             <a:endParaRPr lang="zh-CN" altLang="en-US"/>
           </a:p>
         </p:txBody>
       </p:sp>
       <p:sp>
         <p:nvSpPr>
-          <p:cNvPr id="4" name="文本框 3"/>
+          <p:cNvPr id="19" name="文本框 3"/>
           <p:cNvSpPr txBox="1"/>
           <p:nvPr/>
         </p:nvSpPr>
@@ -5406,7 +6423,509 @@
                   <a:schemeClr val="bg1"/>
                 </a:solidFill>
               </a:rPr>
-              <a:t>关卡细节</a:t>
+              <a:t>关卡详细流程</a:t>
+            </a:r>
+            <a:endParaRPr lang="zh-CN" altLang="zh-CN" sz="4000" dirty="0">
+              <a:solidFill>
+                <a:schemeClr val="bg1"/>
+              </a:solidFill>
+            </a:endParaRPr>
+          </a:p>
+        </p:txBody>
+      </p:sp>
+      <p:sp>
+        <p:nvSpPr>
+          <p:cNvPr id="20" name="Rectangle 19"/>
+          <p:cNvSpPr/>
+          <p:nvPr/>
+        </p:nvSpPr>
+        <p:spPr>
+          <a:xfrm>
+            <a:off x="4521438" y="1880075"/>
+            <a:ext cx="1504772" cy="675118"/>
+          </a:xfrm>
+          <a:prstGeom prst="rect">
+            <a:avLst/>
+          </a:prstGeom>
+        </p:spPr>
+        <p:style>
+          <a:lnRef idx="2">
+            <a:schemeClr val="accent1">
+              <a:shade val="50000"/>
+            </a:schemeClr>
+          </a:lnRef>
+          <a:fillRef idx="1">
+            <a:schemeClr val="accent1"/>
+          </a:fillRef>
+          <a:effectRef idx="0">
+            <a:schemeClr val="accent1"/>
+          </a:effectRef>
+          <a:fontRef idx="minor">
+            <a:schemeClr val="lt1"/>
+          </a:fontRef>
+        </p:style>
+        <p:txBody>
+          <a:bodyPr rtlCol="0" anchor="ctr"/>
+          <a:lstStyle/>
+          <a:p>
+            <a:pPr algn="ctr"/>
+            <a:r>
+              <a:rPr lang="zh-CN" altLang="en-US" sz="1400" dirty="0"/>
+              <a:t>获</a:t>
+            </a:r>
+            <a:r>
+              <a:rPr lang="zh-CN" altLang="en-US" sz="1400" dirty="0" smtClean="0"/>
+              <a:t>得信息，张辉没钱，钱在女主播那里</a:t>
+            </a:r>
+            <a:endParaRPr lang="zh-CN" altLang="en-US" sz="1400" dirty="0"/>
+          </a:p>
+        </p:txBody>
+      </p:sp>
+      <p:cxnSp>
+        <p:nvCxnSpPr>
+          <p:cNvPr id="21" name="Straight Connector 20"/>
+          <p:cNvCxnSpPr>
+            <a:stCxn id="20" idx="2"/>
+          </p:cNvCxnSpPr>
+          <p:nvPr/>
+        </p:nvCxnSpPr>
+        <p:spPr>
+          <a:xfrm>
+            <a:off x="5273824" y="2555193"/>
+            <a:ext cx="0" cy="470019"/>
+          </a:xfrm>
+          <a:prstGeom prst="line">
+            <a:avLst/>
+          </a:prstGeom>
+        </p:spPr>
+        <p:style>
+          <a:lnRef idx="1">
+            <a:schemeClr val="accent1"/>
+          </a:lnRef>
+          <a:fillRef idx="0">
+            <a:schemeClr val="accent1"/>
+          </a:fillRef>
+          <a:effectRef idx="0">
+            <a:schemeClr val="accent1"/>
+          </a:effectRef>
+          <a:fontRef idx="minor">
+            <a:schemeClr val="tx1"/>
+          </a:fontRef>
+        </p:style>
+      </p:cxnSp>
+      <p:cxnSp>
+        <p:nvCxnSpPr>
+          <p:cNvPr id="22" name="Straight Arrow Connector 21"/>
+          <p:cNvCxnSpPr/>
+          <p:nvPr/>
+        </p:nvCxnSpPr>
+        <p:spPr>
+          <a:xfrm>
+            <a:off x="6076059" y="3354225"/>
+            <a:ext cx="428003" cy="0"/>
+          </a:xfrm>
+          <a:prstGeom prst="straightConnector1">
+            <a:avLst/>
+          </a:prstGeom>
+          <a:ln>
+            <a:tailEnd type="triangle"/>
+          </a:ln>
+        </p:spPr>
+        <p:style>
+          <a:lnRef idx="1">
+            <a:schemeClr val="accent1"/>
+          </a:lnRef>
+          <a:fillRef idx="0">
+            <a:schemeClr val="accent1"/>
+          </a:fillRef>
+          <a:effectRef idx="0">
+            <a:schemeClr val="accent1"/>
+          </a:effectRef>
+          <a:fontRef idx="minor">
+            <a:schemeClr val="tx1"/>
+          </a:fontRef>
+        </p:style>
+      </p:cxnSp>
+      <p:sp>
+        <p:nvSpPr>
+          <p:cNvPr id="23" name="TextBox 22"/>
+          <p:cNvSpPr txBox="1"/>
+          <p:nvPr/>
+        </p:nvSpPr>
+        <p:spPr>
+          <a:xfrm>
+            <a:off x="4722620" y="1390844"/>
+            <a:ext cx="1102407" cy="369332"/>
+          </a:xfrm>
+          <a:prstGeom prst="rect">
+            <a:avLst/>
+          </a:prstGeom>
+          <a:noFill/>
+        </p:spPr>
+        <p:txBody>
+          <a:bodyPr wrap="square" rtlCol="0">
+            <a:spAutoFit/>
+          </a:bodyPr>
+          <a:lstStyle/>
+          <a:p>
+            <a:r>
+              <a:rPr lang="zh-CN" altLang="en-US" dirty="0" smtClean="0"/>
+              <a:t>什么线索？</a:t>
+            </a:r>
+            <a:endParaRPr lang="en-US" altLang="zh-CN" dirty="0" smtClean="0"/>
+          </a:p>
+        </p:txBody>
+      </p:sp>
+      <p:sp>
+        <p:nvSpPr>
+          <p:cNvPr id="24" name="Rounded Rectangle 23"/>
+          <p:cNvSpPr/>
+          <p:nvPr/>
+        </p:nvSpPr>
+        <p:spPr>
+          <a:xfrm>
+            <a:off x="8581403" y="3025212"/>
+            <a:ext cx="1649338" cy="658026"/>
+          </a:xfrm>
+          <a:prstGeom prst="roundRect">
+            <a:avLst/>
+          </a:prstGeom>
+        </p:spPr>
+        <p:style>
+          <a:lnRef idx="2">
+            <a:schemeClr val="accent1">
+              <a:shade val="50000"/>
+            </a:schemeClr>
+          </a:lnRef>
+          <a:fillRef idx="1">
+            <a:schemeClr val="accent1"/>
+          </a:fillRef>
+          <a:effectRef idx="0">
+            <a:schemeClr val="accent1"/>
+          </a:effectRef>
+          <a:fontRef idx="minor">
+            <a:schemeClr val="lt1"/>
+          </a:fontRef>
+        </p:style>
+        <p:txBody>
+          <a:bodyPr rtlCol="0" anchor="ctr"/>
+          <a:lstStyle/>
+          <a:p>
+            <a:pPr algn="ctr"/>
+            <a:r>
+              <a:rPr lang="zh-CN" altLang="en-US" dirty="0" smtClean="0"/>
+              <a:t>找到阿婆</a:t>
+            </a:r>
+            <a:endParaRPr lang="en-US" altLang="zh-CN" dirty="0" smtClean="0"/>
+          </a:p>
+        </p:txBody>
+      </p:sp>
+      <p:cxnSp>
+        <p:nvCxnSpPr>
+          <p:cNvPr id="25" name="Straight Arrow Connector 24"/>
+          <p:cNvCxnSpPr/>
+          <p:nvPr/>
+        </p:nvCxnSpPr>
+        <p:spPr>
+          <a:xfrm>
+            <a:off x="8153400" y="3354225"/>
+            <a:ext cx="428003" cy="0"/>
+          </a:xfrm>
+          <a:prstGeom prst="straightConnector1">
+            <a:avLst/>
+          </a:prstGeom>
+          <a:ln>
+            <a:tailEnd type="triangle"/>
+          </a:ln>
+        </p:spPr>
+        <p:style>
+          <a:lnRef idx="1">
+            <a:schemeClr val="accent1"/>
+          </a:lnRef>
+          <a:fillRef idx="0">
+            <a:schemeClr val="accent1"/>
+          </a:fillRef>
+          <a:effectRef idx="0">
+            <a:schemeClr val="accent1"/>
+          </a:effectRef>
+          <a:fontRef idx="minor">
+            <a:schemeClr val="tx1"/>
+          </a:fontRef>
+        </p:style>
+      </p:cxnSp>
+      <p:sp>
+        <p:nvSpPr>
+          <p:cNvPr id="26" name="Rectangle 25"/>
+          <p:cNvSpPr/>
+          <p:nvPr/>
+        </p:nvSpPr>
+        <p:spPr>
+          <a:xfrm>
+            <a:off x="6598779" y="1880075"/>
+            <a:ext cx="1504772" cy="675118"/>
+          </a:xfrm>
+          <a:prstGeom prst="rect">
+            <a:avLst/>
+          </a:prstGeom>
+        </p:spPr>
+        <p:style>
+          <a:lnRef idx="2">
+            <a:schemeClr val="accent1">
+              <a:shade val="50000"/>
+            </a:schemeClr>
+          </a:lnRef>
+          <a:fillRef idx="1">
+            <a:schemeClr val="accent1"/>
+          </a:fillRef>
+          <a:effectRef idx="0">
+            <a:schemeClr val="accent1"/>
+          </a:effectRef>
+          <a:fontRef idx="minor">
+            <a:schemeClr val="lt1"/>
+          </a:fontRef>
+        </p:style>
+        <p:txBody>
+          <a:bodyPr rtlCol="0" anchor="ctr"/>
+          <a:lstStyle/>
+          <a:p>
+            <a:pPr algn="ctr"/>
+            <a:r>
+              <a:rPr lang="zh-CN" altLang="en-US" sz="1400" dirty="0"/>
+              <a:t>不给</a:t>
+            </a:r>
+            <a:r>
+              <a:rPr lang="zh-CN" altLang="en-US" sz="1400" dirty="0" smtClean="0"/>
+              <a:t>钱，轰出门外</a:t>
+            </a:r>
+            <a:endParaRPr lang="zh-CN" altLang="en-US" sz="1400" dirty="0"/>
+          </a:p>
+        </p:txBody>
+      </p:sp>
+      <p:cxnSp>
+        <p:nvCxnSpPr>
+          <p:cNvPr id="27" name="Straight Connector 26"/>
+          <p:cNvCxnSpPr>
+            <a:stCxn id="26" idx="2"/>
+          </p:cNvCxnSpPr>
+          <p:nvPr/>
+        </p:nvCxnSpPr>
+        <p:spPr>
+          <a:xfrm>
+            <a:off x="7351165" y="2555193"/>
+            <a:ext cx="0" cy="470019"/>
+          </a:xfrm>
+          <a:prstGeom prst="line">
+            <a:avLst/>
+          </a:prstGeom>
+        </p:spPr>
+        <p:style>
+          <a:lnRef idx="1">
+            <a:schemeClr val="accent1"/>
+          </a:lnRef>
+          <a:fillRef idx="0">
+            <a:schemeClr val="accent1"/>
+          </a:fillRef>
+          <a:effectRef idx="0">
+            <a:schemeClr val="accent1"/>
+          </a:effectRef>
+          <a:fontRef idx="minor">
+            <a:schemeClr val="tx1"/>
+          </a:fontRef>
+        </p:style>
+      </p:cxnSp>
+      <p:sp>
+        <p:nvSpPr>
+          <p:cNvPr id="28" name="Rectangle 27"/>
+          <p:cNvSpPr/>
+          <p:nvPr/>
+        </p:nvSpPr>
+        <p:spPr>
+          <a:xfrm>
+            <a:off x="8676120" y="1880075"/>
+            <a:ext cx="1504772" cy="675118"/>
+          </a:xfrm>
+          <a:prstGeom prst="rect">
+            <a:avLst/>
+          </a:prstGeom>
+        </p:spPr>
+        <p:style>
+          <a:lnRef idx="2">
+            <a:schemeClr val="accent1">
+              <a:shade val="50000"/>
+            </a:schemeClr>
+          </a:lnRef>
+          <a:fillRef idx="1">
+            <a:schemeClr val="accent1"/>
+          </a:fillRef>
+          <a:effectRef idx="0">
+            <a:schemeClr val="accent1"/>
+          </a:effectRef>
+          <a:fontRef idx="minor">
+            <a:schemeClr val="lt1"/>
+          </a:fontRef>
+        </p:style>
+        <p:txBody>
+          <a:bodyPr rtlCol="0" anchor="ctr"/>
+          <a:lstStyle/>
+          <a:p>
+            <a:pPr algn="ctr"/>
+            <a:r>
+              <a:rPr lang="zh-CN" altLang="en-US" sz="1400" dirty="0"/>
+              <a:t>获</a:t>
+            </a:r>
+            <a:r>
+              <a:rPr lang="zh-CN" altLang="en-US" sz="1400" dirty="0" smtClean="0"/>
+              <a:t>得信息，张辉没钱，钱在女主播那里</a:t>
+            </a:r>
+            <a:endParaRPr lang="zh-CN" altLang="en-US" sz="1400" dirty="0"/>
+          </a:p>
+        </p:txBody>
+      </p:sp>
+      <p:cxnSp>
+        <p:nvCxnSpPr>
+          <p:cNvPr id="29" name="Straight Connector 28"/>
+          <p:cNvCxnSpPr>
+            <a:stCxn id="28" idx="2"/>
+          </p:cNvCxnSpPr>
+          <p:nvPr/>
+        </p:nvCxnSpPr>
+        <p:spPr>
+          <a:xfrm>
+            <a:off x="9428506" y="2555193"/>
+            <a:ext cx="0" cy="470019"/>
+          </a:xfrm>
+          <a:prstGeom prst="line">
+            <a:avLst/>
+          </a:prstGeom>
+        </p:spPr>
+        <p:style>
+          <a:lnRef idx="1">
+            <a:schemeClr val="accent1"/>
+          </a:lnRef>
+          <a:fillRef idx="0">
+            <a:schemeClr val="accent1"/>
+          </a:fillRef>
+          <a:effectRef idx="0">
+            <a:schemeClr val="accent1"/>
+          </a:effectRef>
+          <a:fontRef idx="minor">
+            <a:schemeClr val="tx1"/>
+          </a:fontRef>
+        </p:style>
+      </p:cxnSp>
+    </p:spTree>
+    <p:extLst>
+      <p:ext uri="{BB962C8B-B14F-4D97-AF65-F5344CB8AC3E}">
+        <p14:creationId xmlns:p14="http://schemas.microsoft.com/office/powerpoint/2010/main" val="394448759"/>
+      </p:ext>
+    </p:extLst>
+  </p:cSld>
+  <p:clrMapOvr>
+    <a:masterClrMapping/>
+  </p:clrMapOvr>
+</p:sld>
+</file>
+
+<file path=ppt/slides/slide7.xml><?xml version="1.0" encoding="utf-8"?>
+<p:sld xmlns:a="http://schemas.openxmlformats.org/drawingml/2006/main" xmlns:r="http://schemas.openxmlformats.org/officeDocument/2006/relationships" xmlns:p="http://schemas.openxmlformats.org/presentationml/2006/main">
+  <p:cSld>
+    <p:spTree>
+      <p:nvGrpSpPr>
+        <p:cNvPr id="1" name=""/>
+        <p:cNvGrpSpPr/>
+        <p:nvPr/>
+      </p:nvGrpSpPr>
+      <p:grpSpPr>
+        <a:xfrm>
+          <a:off x="0" y="0"/>
+          <a:ext cx="0" cy="0"/>
+          <a:chOff x="0" y="0"/>
+          <a:chExt cx="0" cy="0"/>
+        </a:xfrm>
+      </p:grpSpPr>
+      <p:sp>
+        <p:nvSpPr>
+          <p:cNvPr id="6" name="矩形 5"/>
+          <p:cNvSpPr/>
+          <p:nvPr/>
+        </p:nvSpPr>
+        <p:spPr>
+          <a:xfrm>
+            <a:off x="0" y="333375"/>
+            <a:ext cx="12192000" cy="900430"/>
+          </a:xfrm>
+          <a:prstGeom prst="rect">
+            <a:avLst/>
+          </a:prstGeom>
+          <a:solidFill>
+            <a:srgbClr val="00AE66"/>
+          </a:solidFill>
+          <a:ln>
+            <a:noFill/>
+          </a:ln>
+        </p:spPr>
+        <p:style>
+          <a:lnRef idx="2">
+            <a:schemeClr val="accent1">
+              <a:shade val="50000"/>
+            </a:schemeClr>
+          </a:lnRef>
+          <a:fillRef idx="1">
+            <a:schemeClr val="accent1"/>
+          </a:fillRef>
+          <a:effectRef idx="0">
+            <a:schemeClr val="accent1"/>
+          </a:effectRef>
+          <a:fontRef idx="minor">
+            <a:schemeClr val="lt1"/>
+          </a:fontRef>
+        </p:style>
+        <p:txBody>
+          <a:bodyPr rtlCol="0" anchor="ctr"/>
+          <a:lstStyle/>
+          <a:p>
+            <a:pPr algn="ctr"/>
+            <a:endParaRPr lang="zh-CN" altLang="en-US"/>
+          </a:p>
+        </p:txBody>
+      </p:sp>
+      <p:sp>
+        <p:nvSpPr>
+          <p:cNvPr id="4" name="文本框 3"/>
+          <p:cNvSpPr txBox="1"/>
+          <p:nvPr/>
+        </p:nvSpPr>
+        <p:spPr>
+          <a:xfrm>
+            <a:off x="570230" y="427990"/>
+            <a:ext cx="4298315" cy="701040"/>
+          </a:xfrm>
+          <a:prstGeom prst="rect">
+            <a:avLst/>
+          </a:prstGeom>
+          <a:noFill/>
+        </p:spPr>
+        <p:txBody>
+          <a:bodyPr wrap="square" rtlCol="0">
+            <a:spAutoFit/>
+          </a:bodyPr>
+          <a:lstStyle/>
+          <a:p>
+            <a:r>
+              <a:rPr lang="zh-CN" altLang="en-US" sz="4000" dirty="0">
+                <a:solidFill>
+                  <a:schemeClr val="bg1"/>
+                </a:solidFill>
+              </a:rPr>
+              <a:t>关</a:t>
+            </a:r>
+            <a:r>
+              <a:rPr lang="zh-CN" altLang="en-US" sz="4000" dirty="0" smtClean="0">
+                <a:solidFill>
+                  <a:schemeClr val="bg1"/>
+                </a:solidFill>
+              </a:rPr>
+              <a:t>联事件</a:t>
             </a:r>
             <a:endParaRPr lang="zh-CN" altLang="zh-CN" sz="4000" dirty="0">
               <a:solidFill>
@@ -5445,16 +6964,16 @@
       </p:sp>
       <p:sp>
         <p:nvSpPr>
-          <p:cNvPr id="5" name="圆角矩形 4"/>
+          <p:cNvPr id="2" name="Rectangle 1"/>
           <p:cNvSpPr/>
           <p:nvPr/>
         </p:nvSpPr>
         <p:spPr>
           <a:xfrm>
-            <a:off x="237720" y="1922806"/>
-            <a:ext cx="1160780" cy="456565"/>
-          </a:xfrm>
-          <a:prstGeom prst="roundRect">
+            <a:off x="2350094" y="2495371"/>
+            <a:ext cx="7033188" cy="3110670"/>
+          </a:xfrm>
+          <a:prstGeom prst="rect">
             <a:avLst/>
           </a:prstGeom>
         </p:spPr>
@@ -5479,32 +6998,27 @@
           <a:lstStyle/>
           <a:p>
             <a:pPr algn="ctr"/>
-            <a:r>
-              <a:rPr lang="zh-CN" altLang="en-US" dirty="0"/>
-              <a:t>找</a:t>
-            </a:r>
-            <a:r>
-              <a:rPr lang="zh-CN" altLang="en-US" dirty="0" smtClean="0"/>
-              <a:t>到张辉</a:t>
-            </a:r>
-            <a:endParaRPr lang="zh-CN" altLang="en-US" dirty="0"/>
-          </a:p>
-        </p:txBody>
-      </p:sp>
-      <p:sp>
-        <p:nvSpPr>
-          <p:cNvPr id="7" name="圆角矩形 4"/>
+            <a:endParaRPr lang="zh-CN" altLang="en-US"/>
+          </a:p>
+        </p:txBody>
+      </p:sp>
+      <p:sp>
+        <p:nvSpPr>
+          <p:cNvPr id="3" name="Rounded Rectangle 2"/>
           <p:cNvSpPr/>
           <p:nvPr/>
         </p:nvSpPr>
         <p:spPr>
           <a:xfrm>
-            <a:off x="237720" y="3068373"/>
-            <a:ext cx="1160780" cy="456565"/>
+            <a:off x="3760150" y="3179036"/>
+            <a:ext cx="487110" cy="376014"/>
           </a:xfrm>
           <a:prstGeom prst="roundRect">
             <a:avLst/>
           </a:prstGeom>
+          <a:solidFill>
+            <a:schemeClr val="accent2"/>
+          </a:solidFill>
         </p:spPr>
         <p:style>
           <a:lnRef idx="2">
@@ -5527,28 +7041,27 @@
           <a:lstStyle/>
           <a:p>
             <a:pPr algn="ctr"/>
-            <a:r>
-              <a:rPr lang="zh-CN" altLang="en-US" dirty="0" smtClean="0"/>
-              <a:t>张辉没钱</a:t>
-            </a:r>
-            <a:endParaRPr lang="zh-CN" altLang="en-US" dirty="0"/>
-          </a:p>
-        </p:txBody>
-      </p:sp>
-      <p:sp>
-        <p:nvSpPr>
-          <p:cNvPr id="8" name="圆角矩形 4"/>
+            <a:endParaRPr lang="zh-CN" altLang="en-US"/>
+          </a:p>
+        </p:txBody>
+      </p:sp>
+      <p:sp>
+        <p:nvSpPr>
+          <p:cNvPr id="7" name="Rounded Rectangle 6"/>
           <p:cNvSpPr/>
           <p:nvPr/>
         </p:nvSpPr>
         <p:spPr>
           <a:xfrm>
-            <a:off x="237720" y="4338455"/>
-            <a:ext cx="1160780" cy="456565"/>
+            <a:off x="5779806" y="4050706"/>
+            <a:ext cx="487110" cy="376014"/>
           </a:xfrm>
           <a:prstGeom prst="roundRect">
             <a:avLst/>
           </a:prstGeom>
+          <a:solidFill>
+            <a:schemeClr val="accent2"/>
+          </a:solidFill>
         </p:spPr>
         <p:style>
           <a:lnRef idx="2">
@@ -5571,32 +7084,27 @@
           <a:lstStyle/>
           <a:p>
             <a:pPr algn="ctr"/>
-            <a:r>
-              <a:rPr lang="zh-CN" altLang="en-US" sz="1200" dirty="0"/>
-              <a:t>调</a:t>
-            </a:r>
-            <a:r>
-              <a:rPr lang="zh-CN" altLang="en-US" sz="1200" dirty="0" smtClean="0"/>
-              <a:t>查得知女友与老余有染</a:t>
-            </a:r>
-            <a:endParaRPr lang="zh-CN" altLang="en-US" sz="1200" dirty="0"/>
-          </a:p>
-        </p:txBody>
-      </p:sp>
-      <p:sp>
-        <p:nvSpPr>
-          <p:cNvPr id="11" name="圆角矩形 4"/>
+            <a:endParaRPr lang="zh-CN" altLang="en-US"/>
+          </a:p>
+        </p:txBody>
+      </p:sp>
+      <p:sp>
+        <p:nvSpPr>
+          <p:cNvPr id="8" name="Rounded Rectangle 7"/>
           <p:cNvSpPr/>
           <p:nvPr/>
         </p:nvSpPr>
         <p:spPr>
           <a:xfrm>
-            <a:off x="237720" y="5608537"/>
-            <a:ext cx="1160780" cy="456565"/>
+            <a:off x="5779806" y="4576832"/>
+            <a:ext cx="487110" cy="376014"/>
           </a:xfrm>
           <a:prstGeom prst="roundRect">
             <a:avLst/>
           </a:prstGeom>
+          <a:solidFill>
+            <a:schemeClr val="accent2"/>
+          </a:solidFill>
         </p:spPr>
         <p:style>
           <a:lnRef idx="2">
@@ -5619,476 +7127,14 @@
           <a:lstStyle/>
           <a:p>
             <a:pPr algn="ctr"/>
-            <a:r>
-              <a:rPr lang="zh-CN" altLang="en-US" sz="1200" dirty="0" smtClean="0"/>
-              <a:t>张辉愤怒分手拿回自己的钱</a:t>
-            </a:r>
-            <a:endParaRPr lang="zh-CN" altLang="en-US" sz="1200" dirty="0"/>
-          </a:p>
-        </p:txBody>
-      </p:sp>
-      <p:sp>
-        <p:nvSpPr>
-          <p:cNvPr id="14" name="矩形 13"/>
-          <p:cNvSpPr/>
-          <p:nvPr/>
-        </p:nvSpPr>
-        <p:spPr>
-          <a:xfrm>
-            <a:off x="1757548" y="1328420"/>
-            <a:ext cx="9666515" cy="461483"/>
-          </a:xfrm>
-          <a:prstGeom prst="rect">
-            <a:avLst/>
-          </a:prstGeom>
-        </p:spPr>
-        <p:style>
-          <a:lnRef idx="2">
-            <a:schemeClr val="accent1">
-              <a:shade val="50000"/>
-            </a:schemeClr>
-          </a:lnRef>
-          <a:fillRef idx="1">
-            <a:schemeClr val="accent1"/>
-          </a:fillRef>
-          <a:effectRef idx="0">
-            <a:schemeClr val="accent1"/>
-          </a:effectRef>
-          <a:fontRef idx="minor">
-            <a:schemeClr val="lt1"/>
-          </a:fontRef>
-        </p:style>
-        <p:txBody>
-          <a:bodyPr rtlCol="0" anchor="ctr"/>
-          <a:lstStyle/>
-          <a:p>
-            <a:r>
-              <a:rPr kumimoji="1" lang="en-US" altLang="zh-CN" sz="1400" dirty="0" smtClean="0"/>
-              <a:t>NPC1(</a:t>
-            </a:r>
-            <a:r>
-              <a:rPr kumimoji="1" lang="zh-CN" altLang="en-US" sz="1400" dirty="0" smtClean="0"/>
-              <a:t>老余</a:t>
-            </a:r>
-            <a:r>
-              <a:rPr kumimoji="1" lang="en-US" altLang="zh-CN" sz="1400" dirty="0" smtClean="0"/>
-              <a:t>)</a:t>
-            </a:r>
-            <a:r>
-              <a:rPr kumimoji="1" lang="zh-CN" altLang="en-US" sz="1400" dirty="0" smtClean="0"/>
-              <a:t>   信息：张辉家的位置、老余对张辉的不屑、女主播正在教训张辉、老余比张辉哪点都强</a:t>
-            </a:r>
-            <a:endParaRPr kumimoji="1" lang="zh-CN" altLang="en-US" sz="1400" dirty="0"/>
-          </a:p>
-        </p:txBody>
-      </p:sp>
-      <p:sp>
-        <p:nvSpPr>
-          <p:cNvPr id="15" name="矩形 14"/>
-          <p:cNvSpPr/>
-          <p:nvPr/>
-        </p:nvSpPr>
-        <p:spPr>
-          <a:xfrm>
-            <a:off x="1745674" y="2042507"/>
-            <a:ext cx="9678389" cy="574836"/>
-          </a:xfrm>
-          <a:prstGeom prst="rect">
-            <a:avLst/>
-          </a:prstGeom>
-        </p:spPr>
-        <p:style>
-          <a:lnRef idx="2">
-            <a:schemeClr val="accent1">
-              <a:shade val="50000"/>
-            </a:schemeClr>
-          </a:lnRef>
-          <a:fillRef idx="1">
-            <a:schemeClr val="accent1"/>
-          </a:fillRef>
-          <a:effectRef idx="0">
-            <a:schemeClr val="accent1"/>
-          </a:effectRef>
-          <a:fontRef idx="minor">
-            <a:schemeClr val="lt1"/>
-          </a:fontRef>
-        </p:style>
-        <p:txBody>
-          <a:bodyPr rtlCol="0" anchor="ctr"/>
-          <a:lstStyle/>
-          <a:p>
-            <a:r>
-              <a:rPr kumimoji="1" lang="zh-CN" altLang="en-US" sz="1400" dirty="0"/>
-              <a:t>场景：张辉跪在地上，女主播</a:t>
-            </a:r>
-            <a:r>
-              <a:rPr kumimoji="1" lang="zh-CN" altLang="en-US" sz="1400" dirty="0" smtClean="0"/>
-              <a:t>训斥</a:t>
-            </a:r>
-            <a:endParaRPr kumimoji="1" lang="zh-CN" altLang="en-US" sz="1400" dirty="0"/>
-          </a:p>
-        </p:txBody>
-      </p:sp>
-      <p:cxnSp>
-        <p:nvCxnSpPr>
-          <p:cNvPr id="17" name="直线箭头连接符 16"/>
-          <p:cNvCxnSpPr>
-            <a:stCxn id="14" idx="2"/>
-            <a:endCxn id="15" idx="0"/>
-          </p:cNvCxnSpPr>
-          <p:nvPr/>
-        </p:nvCxnSpPr>
-        <p:spPr>
-          <a:xfrm flipH="1">
-            <a:off x="6584869" y="1789903"/>
-            <a:ext cx="5937" cy="252604"/>
-          </a:xfrm>
-          <a:prstGeom prst="straightConnector1">
-            <a:avLst/>
-          </a:prstGeom>
-          <a:ln>
-            <a:tailEnd type="triangle"/>
-          </a:ln>
-        </p:spPr>
-        <p:style>
-          <a:lnRef idx="1">
-            <a:schemeClr val="accent1"/>
-          </a:lnRef>
-          <a:fillRef idx="0">
-            <a:schemeClr val="accent1"/>
-          </a:fillRef>
-          <a:effectRef idx="0">
-            <a:schemeClr val="accent1"/>
-          </a:effectRef>
-          <a:fontRef idx="minor">
-            <a:schemeClr val="tx1"/>
-          </a:fontRef>
-        </p:style>
-      </p:cxnSp>
-      <p:sp>
-        <p:nvSpPr>
-          <p:cNvPr id="20" name="左大括号 19"/>
-          <p:cNvSpPr/>
-          <p:nvPr/>
-        </p:nvSpPr>
-        <p:spPr>
-          <a:xfrm>
-            <a:off x="1398500" y="1413164"/>
-            <a:ext cx="347174" cy="1204179"/>
-          </a:xfrm>
-          <a:prstGeom prst="leftBrace">
-            <a:avLst/>
-          </a:prstGeom>
-        </p:spPr>
-        <p:style>
-          <a:lnRef idx="1">
-            <a:schemeClr val="accent1"/>
-          </a:lnRef>
-          <a:fillRef idx="0">
-            <a:schemeClr val="accent1"/>
-          </a:fillRef>
-          <a:effectRef idx="0">
-            <a:schemeClr val="accent1"/>
-          </a:effectRef>
-          <a:fontRef idx="minor">
-            <a:schemeClr val="tx1"/>
-          </a:fontRef>
-        </p:style>
-        <p:txBody>
-          <a:bodyPr rtlCol="0" anchor="ctr"/>
-          <a:lstStyle/>
-          <a:p>
-            <a:pPr algn="ctr"/>
-            <a:endParaRPr kumimoji="1" lang="zh-CN" altLang="en-US"/>
-          </a:p>
-        </p:txBody>
-      </p:sp>
-      <p:sp>
-        <p:nvSpPr>
-          <p:cNvPr id="21" name="矩形 20"/>
-          <p:cNvSpPr/>
-          <p:nvPr/>
-        </p:nvSpPr>
-        <p:spPr>
-          <a:xfrm>
-            <a:off x="1745674" y="2850078"/>
-            <a:ext cx="9512134" cy="783771"/>
-          </a:xfrm>
-          <a:prstGeom prst="rect">
-            <a:avLst/>
-          </a:prstGeom>
-        </p:spPr>
-        <p:style>
-          <a:lnRef idx="2">
-            <a:schemeClr val="accent1">
-              <a:shade val="50000"/>
-            </a:schemeClr>
-          </a:lnRef>
-          <a:fillRef idx="1">
-            <a:schemeClr val="accent1"/>
-          </a:fillRef>
-          <a:effectRef idx="0">
-            <a:schemeClr val="accent1"/>
-          </a:effectRef>
-          <a:fontRef idx="minor">
-            <a:schemeClr val="lt1"/>
-          </a:fontRef>
-        </p:style>
-        <p:txBody>
-          <a:bodyPr rtlCol="0" anchor="ctr"/>
-          <a:lstStyle/>
-          <a:p>
-            <a:r>
-              <a:rPr kumimoji="1" lang="en-US" altLang="zh-CN" sz="1400" dirty="0" smtClean="0"/>
-              <a:t>NPC2</a:t>
-            </a:r>
-            <a:r>
-              <a:rPr kumimoji="1" lang="zh-CN" altLang="en-US" sz="1400" dirty="0" smtClean="0"/>
-              <a:t>张辉：没钱再通融几天 </a:t>
-            </a:r>
-            <a:r>
-              <a:rPr kumimoji="1" lang="zh-CN" altLang="en-US" sz="1400" dirty="0"/>
-              <a:t>。</a:t>
-            </a:r>
-            <a:r>
-              <a:rPr kumimoji="1" lang="zh-CN" altLang="en-US" sz="1400" dirty="0" smtClean="0"/>
-              <a:t>女友出去后：钱全在母老虎哪里，你去找她要。</a:t>
-            </a:r>
-            <a:endParaRPr kumimoji="1" lang="en-US" altLang="zh-CN" sz="1400" dirty="0"/>
-          </a:p>
-          <a:p>
-            <a:r>
-              <a:rPr kumimoji="1" lang="en-US" altLang="zh-CN" sz="1400" dirty="0" smtClean="0"/>
-              <a:t>NPC3</a:t>
-            </a:r>
-            <a:r>
-              <a:rPr kumimoji="1" lang="zh-CN" altLang="en-US" sz="1400" dirty="0" smtClean="0"/>
-              <a:t>女主播：老娘没钱，摔门而出。</a:t>
-            </a:r>
-            <a:endParaRPr kumimoji="1" lang="zh-CN" altLang="en-US" sz="1400" dirty="0"/>
-          </a:p>
-        </p:txBody>
-      </p:sp>
-      <p:sp>
-        <p:nvSpPr>
-          <p:cNvPr id="22" name="矩形 21"/>
-          <p:cNvSpPr/>
-          <p:nvPr/>
-        </p:nvSpPr>
-        <p:spPr>
-          <a:xfrm>
-            <a:off x="1745674" y="3887079"/>
-            <a:ext cx="9512134" cy="1117959"/>
-          </a:xfrm>
-          <a:prstGeom prst="rect">
-            <a:avLst/>
-          </a:prstGeom>
-        </p:spPr>
-        <p:style>
-          <a:lnRef idx="2">
-            <a:schemeClr val="accent1">
-              <a:shade val="50000"/>
-            </a:schemeClr>
-          </a:lnRef>
-          <a:fillRef idx="1">
-            <a:schemeClr val="accent1"/>
-          </a:fillRef>
-          <a:effectRef idx="0">
-            <a:schemeClr val="accent1"/>
-          </a:effectRef>
-          <a:fontRef idx="minor">
-            <a:schemeClr val="lt1"/>
-          </a:fontRef>
-        </p:style>
-        <p:txBody>
-          <a:bodyPr rtlCol="0" anchor="ctr"/>
-          <a:lstStyle/>
-          <a:p>
-            <a:r>
-              <a:rPr kumimoji="1" lang="zh-CN" altLang="en-US" sz="1400" dirty="0" smtClean="0"/>
-              <a:t>寻找</a:t>
-            </a:r>
-            <a:r>
-              <a:rPr kumimoji="1" lang="en-US" altLang="zh-CN" sz="1400" dirty="0" smtClean="0"/>
-              <a:t>NPC2</a:t>
-            </a:r>
-            <a:r>
-              <a:rPr kumimoji="1" lang="zh-CN" altLang="en-US" sz="1400" dirty="0" smtClean="0"/>
-              <a:t>，发现在</a:t>
-            </a:r>
-            <a:r>
-              <a:rPr kumimoji="1" lang="en-US" altLang="zh-CN" sz="1400" dirty="0" smtClean="0"/>
-              <a:t>NPC1</a:t>
-            </a:r>
-            <a:r>
-              <a:rPr kumimoji="1" lang="zh-CN" altLang="en-US" sz="1400" dirty="0" smtClean="0"/>
-              <a:t>家里和老余诉苦，再次要钱</a:t>
-            </a:r>
-            <a:r>
-              <a:rPr kumimoji="1" lang="en-US" altLang="zh-CN" sz="1400" dirty="0" smtClean="0"/>
-              <a:t>NPC1</a:t>
-            </a:r>
-            <a:r>
-              <a:rPr kumimoji="1" lang="zh-CN" altLang="en-US" sz="1400" dirty="0" smtClean="0"/>
-              <a:t>在一旁帮腔，主角被轰出门外。</a:t>
-            </a:r>
-            <a:endParaRPr kumimoji="1" lang="en-US" altLang="zh-CN" sz="1400" dirty="0" smtClean="0"/>
-          </a:p>
-          <a:p>
-            <a:r>
-              <a:rPr kumimoji="1" lang="en-US" altLang="zh-CN" sz="1400" dirty="0" smtClean="0"/>
-              <a:t>NPC4(</a:t>
-            </a:r>
-            <a:r>
-              <a:rPr kumimoji="1" lang="zh-CN" altLang="en-US" sz="1400" dirty="0" smtClean="0"/>
-              <a:t>嗑瓜子的阿婆</a:t>
-            </a:r>
-            <a:r>
-              <a:rPr kumimoji="1" lang="en-US" altLang="zh-CN" sz="1400" dirty="0" smtClean="0"/>
-              <a:t>)</a:t>
-            </a:r>
-            <a:r>
-              <a:rPr kumimoji="1" lang="zh-CN" altLang="en-US" sz="1400" dirty="0" smtClean="0"/>
-              <a:t>： 信息：</a:t>
-            </a:r>
-            <a:r>
-              <a:rPr kumimoji="1" lang="en-US" altLang="zh-CN" sz="1400" dirty="0" smtClean="0"/>
-              <a:t>NPC1</a:t>
-            </a:r>
-            <a:r>
-              <a:rPr kumimoji="1" lang="zh-CN" altLang="en-US" sz="1400" dirty="0" smtClean="0"/>
-              <a:t>老实憨厚，</a:t>
-            </a:r>
-            <a:r>
-              <a:rPr kumimoji="1" lang="en-US" altLang="zh-CN" sz="1400" dirty="0" smtClean="0"/>
-              <a:t>NPC3</a:t>
-            </a:r>
-            <a:r>
-              <a:rPr kumimoji="1" lang="zh-CN" altLang="en-US" sz="1400" dirty="0" smtClean="0"/>
-              <a:t>经常趁其通宵加班去</a:t>
-            </a:r>
-            <a:r>
-              <a:rPr kumimoji="1" lang="en-US" altLang="zh-CN" sz="1400" dirty="0" smtClean="0"/>
-              <a:t>NPC1</a:t>
-            </a:r>
-            <a:r>
-              <a:rPr kumimoji="1" lang="zh-CN" altLang="en-US" sz="1400" dirty="0" smtClean="0"/>
-              <a:t>屋里</a:t>
-            </a:r>
-            <a:endParaRPr kumimoji="1" lang="en-US" altLang="zh-CN" sz="1400" dirty="0" smtClean="0"/>
-          </a:p>
-          <a:p>
-            <a:r>
-              <a:rPr kumimoji="1" lang="zh-CN" altLang="en-US" sz="1400" dirty="0" smtClean="0"/>
-              <a:t>花钱买棒棒糖</a:t>
-            </a:r>
-            <a:r>
-              <a:rPr kumimoji="1" lang="en-US" altLang="zh-CN" sz="1400" dirty="0" smtClean="0"/>
-              <a:t>fromNPC5</a:t>
-            </a:r>
-            <a:r>
-              <a:rPr kumimoji="1" lang="zh-CN" altLang="en-US" sz="1400" dirty="0" smtClean="0"/>
-              <a:t>（商店老板）让</a:t>
-            </a:r>
-            <a:r>
-              <a:rPr kumimoji="1" lang="en-US" altLang="zh-CN" sz="1400" dirty="0" smtClean="0"/>
-              <a:t>NPC6</a:t>
-            </a:r>
-            <a:r>
-              <a:rPr kumimoji="1" lang="zh-CN" altLang="en-US" sz="1400" dirty="0" smtClean="0"/>
-              <a:t>（小孩）骗</a:t>
-            </a:r>
-            <a:r>
-              <a:rPr kumimoji="1" lang="en-US" altLang="zh-CN" sz="1400" dirty="0" smtClean="0"/>
-              <a:t>NPC1</a:t>
-            </a:r>
-            <a:r>
-              <a:rPr kumimoji="1" lang="zh-CN" altLang="en-US" sz="1400" dirty="0" smtClean="0"/>
-              <a:t>出门与</a:t>
-            </a:r>
-            <a:r>
-              <a:rPr kumimoji="1" lang="en-US" altLang="zh-CN" sz="1400" dirty="0" smtClean="0"/>
-              <a:t>NPC3</a:t>
-            </a:r>
-            <a:r>
-              <a:rPr kumimoji="1" lang="zh-CN" altLang="en-US" sz="1400" dirty="0" smtClean="0"/>
-              <a:t>出门约会，进入</a:t>
-            </a:r>
-            <a:r>
-              <a:rPr kumimoji="1" lang="en-US" altLang="zh-CN" sz="1400" dirty="0" smtClean="0"/>
-              <a:t>NPC1</a:t>
-            </a:r>
-            <a:r>
-              <a:rPr kumimoji="1" lang="zh-CN" altLang="en-US" sz="1400" dirty="0" smtClean="0"/>
-              <a:t>家中获取出轨证据</a:t>
-            </a:r>
-            <a:endParaRPr kumimoji="1" lang="en-US" altLang="zh-CN" sz="1400" dirty="0"/>
-          </a:p>
-          <a:p>
-            <a:endParaRPr kumimoji="1" lang="zh-CN" altLang="en-US" sz="1400" dirty="0"/>
-          </a:p>
-        </p:txBody>
-      </p:sp>
-      <p:sp>
-        <p:nvSpPr>
-          <p:cNvPr id="23" name="矩形 22"/>
-          <p:cNvSpPr/>
-          <p:nvPr/>
-        </p:nvSpPr>
-        <p:spPr>
-          <a:xfrm>
-            <a:off x="1572087" y="5284616"/>
-            <a:ext cx="9512134" cy="1104406"/>
-          </a:xfrm>
-          <a:prstGeom prst="rect">
-            <a:avLst/>
-          </a:prstGeom>
-        </p:spPr>
-        <p:style>
-          <a:lnRef idx="2">
-            <a:schemeClr val="accent1">
-              <a:shade val="50000"/>
-            </a:schemeClr>
-          </a:lnRef>
-          <a:fillRef idx="1">
-            <a:schemeClr val="accent1"/>
-          </a:fillRef>
-          <a:effectRef idx="0">
-            <a:schemeClr val="accent1"/>
-          </a:effectRef>
-          <a:fontRef idx="minor">
-            <a:schemeClr val="lt1"/>
-          </a:fontRef>
-        </p:style>
-        <p:txBody>
-          <a:bodyPr rtlCol="0" anchor="ctr"/>
-          <a:lstStyle/>
-          <a:p>
-            <a:r>
-              <a:rPr kumimoji="1" lang="zh-CN" altLang="en-US" sz="1400" dirty="0" smtClean="0"/>
-              <a:t>将证据交给张辉，张辉决定分手，但是不知道女友把钱</a:t>
-            </a:r>
-            <a:r>
-              <a:rPr kumimoji="1" lang="zh-CN" altLang="en-US" sz="1400" smtClean="0"/>
-              <a:t>放在什么地方。</a:t>
-            </a:r>
-            <a:endParaRPr kumimoji="1" lang="en-US" altLang="zh-CN" sz="1400" dirty="0" smtClean="0"/>
-          </a:p>
-          <a:p>
-            <a:endParaRPr kumimoji="1" lang="en-US" altLang="zh-CN" sz="1400" dirty="0"/>
-          </a:p>
-          <a:p>
-            <a:endParaRPr kumimoji="1" lang="en-US" altLang="zh-CN" sz="1400" dirty="0" smtClean="0"/>
-          </a:p>
-          <a:p>
-            <a:endParaRPr kumimoji="1" lang="zh-CN" altLang="en-US" sz="1400" dirty="0"/>
+            <a:endParaRPr lang="zh-CN" altLang="en-US"/>
           </a:p>
         </p:txBody>
       </p:sp>
     </p:spTree>
     <p:extLst>
       <p:ext uri="{BB962C8B-B14F-4D97-AF65-F5344CB8AC3E}">
-        <p14:creationId xmlns:p14="http://schemas.microsoft.com/office/powerpoint/2010/main" val="495104102"/>
+        <p14:creationId xmlns:p14="http://schemas.microsoft.com/office/powerpoint/2010/main" val="2402857177"/>
       </p:ext>
     </p:extLst>
   </p:cSld>

--- a/关卡1-沈永良.pptx
+++ b/关卡1-沈永良.pptx
@@ -5,16 +5,14 @@
     <p:sldMasterId id="2147483648" r:id="rId1"/>
   </p:sldMasterIdLst>
   <p:notesMasterIdLst>
-    <p:notesMasterId r:id="rId9"/>
+    <p:notesMasterId r:id="rId7"/>
   </p:notesMasterIdLst>
   <p:sldIdLst>
     <p:sldId id="256" r:id="rId2"/>
     <p:sldId id="262" r:id="rId3"/>
     <p:sldId id="260" r:id="rId4"/>
-    <p:sldId id="263" r:id="rId5"/>
-    <p:sldId id="265" r:id="rId6"/>
-    <p:sldId id="266" r:id="rId7"/>
-    <p:sldId id="264" r:id="rId8"/>
+    <p:sldId id="266" r:id="rId5"/>
+    <p:sldId id="263" r:id="rId6"/>
   </p:sldIdLst>
   <p:sldSz cx="12192000" cy="6858000"/>
   <p:notesSz cx="6858000" cy="9144000"/>
@@ -3694,15 +3692,7 @@
             </a:r>
             <a:r>
               <a:rPr lang="zh-CN" altLang="en-US" dirty="0" smtClean="0"/>
-              <a:t>：找到女</a:t>
-            </a:r>
-            <a:r>
-              <a:rPr lang="zh-CN" altLang="en-US" dirty="0"/>
-              <a:t>朋</a:t>
-            </a:r>
-            <a:r>
-              <a:rPr lang="zh-CN" altLang="en-US" dirty="0" smtClean="0"/>
-              <a:t>友和老余的出轨证据（胸罩）</a:t>
+              <a:t>：将张辉 购买礼物卖掉</a:t>
             </a:r>
             <a:endParaRPr lang="en-US" altLang="zh-CN" dirty="0"/>
           </a:p>
@@ -3932,7 +3922,7 @@
         </p:nvSpPr>
         <p:spPr>
           <a:xfrm>
-            <a:off x="570230" y="3377452"/>
+            <a:off x="416406" y="3360360"/>
             <a:ext cx="1160780" cy="456565"/>
           </a:xfrm>
           <a:prstGeom prst="roundRect">
@@ -3980,7 +3970,7 @@
         </p:nvSpPr>
         <p:spPr>
           <a:xfrm>
-            <a:off x="2014469" y="3377452"/>
+            <a:off x="1860645" y="3360360"/>
             <a:ext cx="1160780" cy="456565"/>
           </a:xfrm>
           <a:prstGeom prst="roundRect">
@@ -4009,10 +3999,14 @@
           <a:p>
             <a:pPr algn="ctr"/>
             <a:r>
-              <a:rPr lang="zh-CN" altLang="en-US" dirty="0" smtClean="0"/>
-              <a:t>张辉没钱</a:t>
-            </a:r>
-            <a:endParaRPr lang="zh-CN" altLang="en-US" dirty="0"/>
+              <a:rPr lang="zh-CN" altLang="en-US" sz="1000" dirty="0" smtClean="0"/>
+              <a:t>张辉没</a:t>
+            </a:r>
+            <a:r>
+              <a:rPr lang="zh-CN" altLang="en-US" sz="1000" dirty="0" smtClean="0"/>
+              <a:t>钱，钱全部买了一个礼物打算给薇儿</a:t>
+            </a:r>
+            <a:endParaRPr lang="zh-CN" altLang="en-US" sz="1000" dirty="0"/>
           </a:p>
         </p:txBody>
       </p:sp>
@@ -4024,7 +4018,7 @@
         </p:nvSpPr>
         <p:spPr>
           <a:xfrm>
-            <a:off x="3458708" y="3377452"/>
+            <a:off x="3304884" y="3360360"/>
             <a:ext cx="1160780" cy="456565"/>
           </a:xfrm>
           <a:prstGeom prst="roundRect">
@@ -4054,7 +4048,11 @@
             <a:pPr algn="ctr"/>
             <a:r>
               <a:rPr lang="zh-CN" altLang="en-US" sz="1200" dirty="0" smtClean="0"/>
-              <a:t>得知钱在其女朋友手里</a:t>
+              <a:t>得知需要</a:t>
+            </a:r>
+            <a:r>
+              <a:rPr lang="zh-CN" altLang="en-US" sz="1200" dirty="0" smtClean="0"/>
+              <a:t>骗到礼物卖掉还钱</a:t>
             </a:r>
             <a:endParaRPr lang="zh-CN" altLang="en-US" sz="1200" dirty="0"/>
           </a:p>
@@ -4068,7 +4066,7 @@
         </p:nvSpPr>
         <p:spPr>
           <a:xfrm>
-            <a:off x="4868545" y="3391499"/>
+            <a:off x="4714721" y="3374407"/>
             <a:ext cx="1160780" cy="456565"/>
           </a:xfrm>
           <a:prstGeom prst="roundRect">
@@ -4116,7 +4114,7 @@
         </p:nvSpPr>
         <p:spPr>
           <a:xfrm>
-            <a:off x="6312784" y="3391499"/>
+            <a:off x="6158960" y="3374407"/>
             <a:ext cx="1160780" cy="456565"/>
           </a:xfrm>
           <a:prstGeom prst="roundRect">
@@ -4164,7 +4162,7 @@
         </p:nvSpPr>
         <p:spPr>
           <a:xfrm>
-            <a:off x="7757023" y="3377452"/>
+            <a:off x="7603199" y="3360360"/>
             <a:ext cx="1160780" cy="456565"/>
           </a:xfrm>
           <a:prstGeom prst="roundRect">
@@ -4208,7 +4206,7 @@
         </p:nvSpPr>
         <p:spPr>
           <a:xfrm>
-            <a:off x="9166860" y="3391499"/>
+            <a:off x="9013036" y="3374407"/>
             <a:ext cx="1160780" cy="456565"/>
           </a:xfrm>
           <a:prstGeom prst="roundRect">
@@ -4238,7 +4236,11 @@
             <a:pPr algn="ctr"/>
             <a:r>
               <a:rPr lang="zh-CN" altLang="en-US" sz="1200" dirty="0" smtClean="0"/>
-              <a:t>张辉愤怒分手拿回自己的钱</a:t>
+              <a:t>张辉愤怒分</a:t>
+            </a:r>
+            <a:r>
+              <a:rPr lang="zh-CN" altLang="en-US" sz="1200" dirty="0" smtClean="0"/>
+              <a:t>手将礼物给玩家</a:t>
             </a:r>
             <a:endParaRPr lang="zh-CN" altLang="en-US" sz="1200" dirty="0"/>
           </a:p>
@@ -4252,7 +4254,7 @@
         </p:nvSpPr>
         <p:spPr>
           <a:xfrm>
-            <a:off x="10645501" y="3377451"/>
+            <a:off x="10491677" y="3360359"/>
             <a:ext cx="1160780" cy="456565"/>
           </a:xfrm>
           <a:prstGeom prst="roundRect">
@@ -4282,7 +4284,7 @@
             <a:pPr algn="ctr"/>
             <a:r>
               <a:rPr lang="zh-CN" altLang="en-US" sz="1200" dirty="0" smtClean="0"/>
-              <a:t>张辉还钱</a:t>
+              <a:t>卖掉礼物拿回钱 </a:t>
             </a:r>
             <a:endParaRPr lang="zh-CN" altLang="en-US" sz="1200" dirty="0"/>
           </a:p>
@@ -4299,7 +4301,7 @@
         </p:nvCxnSpPr>
         <p:spPr>
           <a:xfrm>
-            <a:off x="1731010" y="3605735"/>
+            <a:off x="1577186" y="3588643"/>
             <a:ext cx="283459" cy="0"/>
           </a:xfrm>
           <a:prstGeom prst="straightConnector1">
@@ -4332,7 +4334,7 @@
         </p:nvCxnSpPr>
         <p:spPr>
           <a:xfrm>
-            <a:off x="3175249" y="3605735"/>
+            <a:off x="3021425" y="3588643"/>
             <a:ext cx="283459" cy="0"/>
           </a:xfrm>
           <a:prstGeom prst="straightConnector1">
@@ -4365,7 +4367,7 @@
         </p:nvCxnSpPr>
         <p:spPr>
           <a:xfrm>
-            <a:off x="4602396" y="3605735"/>
+            <a:off x="4448572" y="3588643"/>
             <a:ext cx="283459" cy="0"/>
           </a:xfrm>
           <a:prstGeom prst="straightConnector1">
@@ -4398,7 +4400,7 @@
         </p:nvCxnSpPr>
         <p:spPr>
           <a:xfrm>
-            <a:off x="6006755" y="3605735"/>
+            <a:off x="5852931" y="3588643"/>
             <a:ext cx="283459" cy="0"/>
           </a:xfrm>
           <a:prstGeom prst="straightConnector1">
@@ -4431,7 +4433,7 @@
         </p:nvCxnSpPr>
         <p:spPr>
           <a:xfrm>
-            <a:off x="7473564" y="3605735"/>
+            <a:off x="7319740" y="3588643"/>
             <a:ext cx="283459" cy="0"/>
           </a:xfrm>
           <a:prstGeom prst="straightConnector1">
@@ -4464,7 +4466,7 @@
         </p:nvCxnSpPr>
         <p:spPr>
           <a:xfrm>
-            <a:off x="8883401" y="3605735"/>
+            <a:off x="8729577" y="3588643"/>
             <a:ext cx="283459" cy="0"/>
           </a:xfrm>
           <a:prstGeom prst="straightConnector1">
@@ -4497,7 +4499,7 @@
         </p:nvCxnSpPr>
         <p:spPr>
           <a:xfrm flipV="1">
-            <a:off x="10225309" y="3605734"/>
+            <a:off x="10071485" y="3588642"/>
             <a:ext cx="405659" cy="1"/>
           </a:xfrm>
           <a:prstGeom prst="straightConnector1">
@@ -4538,6 +4540,1463 @@
 </file>
 
 <file path=ppt/slides/slide4.xml><?xml version="1.0" encoding="utf-8"?>
+<p:sld xmlns:a="http://schemas.openxmlformats.org/drawingml/2006/main" xmlns:r="http://schemas.openxmlformats.org/officeDocument/2006/relationships" xmlns:p="http://schemas.openxmlformats.org/presentationml/2006/main">
+  <p:cSld>
+    <p:spTree>
+      <p:nvGrpSpPr>
+        <p:cNvPr id="1" name=""/>
+        <p:cNvGrpSpPr/>
+        <p:nvPr/>
+      </p:nvGrpSpPr>
+      <p:grpSpPr>
+        <a:xfrm>
+          <a:off x="0" y="0"/>
+          <a:ext cx="0" cy="0"/>
+          <a:chOff x="0" y="0"/>
+          <a:chExt cx="0" cy="0"/>
+        </a:xfrm>
+      </p:grpSpPr>
+      <p:sp>
+        <p:nvSpPr>
+          <p:cNvPr id="4" name="Footer Placeholder 3"/>
+          <p:cNvSpPr>
+            <a:spLocks noGrp="1"/>
+          </p:cNvSpPr>
+          <p:nvPr>
+            <p:ph type="ftr" sz="quarter" idx="11"/>
+          </p:nvPr>
+        </p:nvSpPr>
+        <p:spPr/>
+        <p:txBody>
+          <a:bodyPr/>
+          <a:lstStyle/>
+          <a:p>
+            <a:r>
+              <a:rPr lang="zh-CN" altLang="en-US" dirty="0" smtClean="0"/>
+              <a:t>三人开发小组</a:t>
+            </a:r>
+            <a:endParaRPr lang="zh-CN" altLang="en-US" dirty="0"/>
+          </a:p>
+        </p:txBody>
+      </p:sp>
+      <p:sp>
+        <p:nvSpPr>
+          <p:cNvPr id="5" name="Rounded Rectangle 4"/>
+          <p:cNvSpPr/>
+          <p:nvPr/>
+        </p:nvSpPr>
+        <p:spPr>
+          <a:xfrm>
+            <a:off x="409660" y="3162690"/>
+            <a:ext cx="1065202" cy="427289"/>
+          </a:xfrm>
+          <a:prstGeom prst="roundRect">
+            <a:avLst/>
+          </a:prstGeom>
+        </p:spPr>
+        <p:style>
+          <a:lnRef idx="2">
+            <a:schemeClr val="accent1">
+              <a:shade val="50000"/>
+            </a:schemeClr>
+          </a:lnRef>
+          <a:fillRef idx="1">
+            <a:schemeClr val="accent1"/>
+          </a:fillRef>
+          <a:effectRef idx="0">
+            <a:schemeClr val="accent1"/>
+          </a:effectRef>
+          <a:fontRef idx="minor">
+            <a:schemeClr val="lt1"/>
+          </a:fontRef>
+        </p:style>
+        <p:txBody>
+          <a:bodyPr rtlCol="0" anchor="ctr"/>
+          <a:lstStyle/>
+          <a:p>
+            <a:pPr algn="ctr"/>
+            <a:r>
+              <a:rPr lang="zh-CN" altLang="en-US" sz="1400" dirty="0" smtClean="0"/>
+              <a:t>玩家出门</a:t>
+            </a:r>
+            <a:endParaRPr lang="zh-CN" altLang="en-US" sz="1400" dirty="0"/>
+          </a:p>
+        </p:txBody>
+      </p:sp>
+      <p:cxnSp>
+        <p:nvCxnSpPr>
+          <p:cNvPr id="10" name="Straight Arrow Connector 9"/>
+          <p:cNvCxnSpPr>
+            <a:stCxn id="5" idx="3"/>
+            <a:endCxn id="38" idx="1"/>
+          </p:cNvCxnSpPr>
+          <p:nvPr/>
+        </p:nvCxnSpPr>
+        <p:spPr>
+          <a:xfrm>
+            <a:off x="1474862" y="3376335"/>
+            <a:ext cx="469749" cy="0"/>
+          </a:xfrm>
+          <a:prstGeom prst="straightConnector1">
+            <a:avLst/>
+          </a:prstGeom>
+          <a:ln>
+            <a:tailEnd type="triangle"/>
+          </a:ln>
+        </p:spPr>
+        <p:style>
+          <a:lnRef idx="1">
+            <a:schemeClr val="accent1"/>
+          </a:lnRef>
+          <a:fillRef idx="0">
+            <a:schemeClr val="accent1"/>
+          </a:fillRef>
+          <a:effectRef idx="0">
+            <a:schemeClr val="accent1"/>
+          </a:effectRef>
+          <a:fontRef idx="minor">
+            <a:schemeClr val="tx1"/>
+          </a:fontRef>
+        </p:style>
+      </p:cxnSp>
+      <p:cxnSp>
+        <p:nvCxnSpPr>
+          <p:cNvPr id="17" name="Straight Arrow Connector 16"/>
+          <p:cNvCxnSpPr/>
+          <p:nvPr/>
+        </p:nvCxnSpPr>
+        <p:spPr>
+          <a:xfrm>
+            <a:off x="4523843" y="3376335"/>
+            <a:ext cx="428003" cy="0"/>
+          </a:xfrm>
+          <a:prstGeom prst="straightConnector1">
+            <a:avLst/>
+          </a:prstGeom>
+          <a:ln>
+            <a:tailEnd type="triangle"/>
+          </a:ln>
+        </p:spPr>
+        <p:style>
+          <a:lnRef idx="1">
+            <a:schemeClr val="accent1"/>
+          </a:lnRef>
+          <a:fillRef idx="0">
+            <a:schemeClr val="accent1"/>
+          </a:fillRef>
+          <a:effectRef idx="0">
+            <a:schemeClr val="accent1"/>
+          </a:effectRef>
+          <a:fontRef idx="minor">
+            <a:schemeClr val="tx1"/>
+          </a:fontRef>
+        </p:style>
+      </p:cxnSp>
+      <p:sp>
+        <p:nvSpPr>
+          <p:cNvPr id="18" name="矩形 5"/>
+          <p:cNvSpPr/>
+          <p:nvPr/>
+        </p:nvSpPr>
+        <p:spPr>
+          <a:xfrm>
+            <a:off x="0" y="333375"/>
+            <a:ext cx="12192000" cy="900430"/>
+          </a:xfrm>
+          <a:prstGeom prst="rect">
+            <a:avLst/>
+          </a:prstGeom>
+          <a:solidFill>
+            <a:srgbClr val="00AE66"/>
+          </a:solidFill>
+          <a:ln>
+            <a:noFill/>
+          </a:ln>
+        </p:spPr>
+        <p:style>
+          <a:lnRef idx="2">
+            <a:schemeClr val="accent1">
+              <a:shade val="50000"/>
+            </a:schemeClr>
+          </a:lnRef>
+          <a:fillRef idx="1">
+            <a:schemeClr val="accent1"/>
+          </a:fillRef>
+          <a:effectRef idx="0">
+            <a:schemeClr val="accent1"/>
+          </a:effectRef>
+          <a:fontRef idx="minor">
+            <a:schemeClr val="lt1"/>
+          </a:fontRef>
+        </p:style>
+        <p:txBody>
+          <a:bodyPr rtlCol="0" anchor="ctr"/>
+          <a:lstStyle/>
+          <a:p>
+            <a:pPr algn="ctr"/>
+            <a:endParaRPr lang="zh-CN" altLang="en-US"/>
+          </a:p>
+        </p:txBody>
+      </p:sp>
+      <p:sp>
+        <p:nvSpPr>
+          <p:cNvPr id="19" name="文本框 3"/>
+          <p:cNvSpPr txBox="1"/>
+          <p:nvPr/>
+        </p:nvSpPr>
+        <p:spPr>
+          <a:xfrm>
+            <a:off x="570230" y="427990"/>
+            <a:ext cx="4298315" cy="701040"/>
+          </a:xfrm>
+          <a:prstGeom prst="rect">
+            <a:avLst/>
+          </a:prstGeom>
+          <a:noFill/>
+        </p:spPr>
+        <p:txBody>
+          <a:bodyPr wrap="square" rtlCol="0">
+            <a:spAutoFit/>
+          </a:bodyPr>
+          <a:lstStyle/>
+          <a:p>
+            <a:r>
+              <a:rPr lang="zh-CN" altLang="en-US" sz="4000" dirty="0" smtClean="0">
+                <a:solidFill>
+                  <a:schemeClr val="bg1"/>
+                </a:solidFill>
+              </a:rPr>
+              <a:t>关卡详细流程</a:t>
+            </a:r>
+            <a:endParaRPr lang="zh-CN" altLang="zh-CN" sz="4000" dirty="0">
+              <a:solidFill>
+                <a:schemeClr val="bg1"/>
+              </a:solidFill>
+            </a:endParaRPr>
+          </a:p>
+        </p:txBody>
+      </p:sp>
+      <p:cxnSp>
+        <p:nvCxnSpPr>
+          <p:cNvPr id="25" name="Straight Arrow Connector 24"/>
+          <p:cNvCxnSpPr/>
+          <p:nvPr/>
+        </p:nvCxnSpPr>
+        <p:spPr>
+          <a:xfrm>
+            <a:off x="9084178" y="3376334"/>
+            <a:ext cx="428003" cy="0"/>
+          </a:xfrm>
+          <a:prstGeom prst="straightConnector1">
+            <a:avLst/>
+          </a:prstGeom>
+          <a:ln>
+            <a:tailEnd type="triangle"/>
+          </a:ln>
+        </p:spPr>
+        <p:style>
+          <a:lnRef idx="1">
+            <a:schemeClr val="accent1"/>
+          </a:lnRef>
+          <a:fillRef idx="0">
+            <a:schemeClr val="accent1"/>
+          </a:fillRef>
+          <a:effectRef idx="0">
+            <a:schemeClr val="accent1"/>
+          </a:effectRef>
+          <a:fontRef idx="minor">
+            <a:schemeClr val="tx1"/>
+          </a:fontRef>
+        </p:style>
+      </p:cxnSp>
+      <p:sp>
+        <p:nvSpPr>
+          <p:cNvPr id="38" name="Rounded Rectangle 37"/>
+          <p:cNvSpPr/>
+          <p:nvPr/>
+        </p:nvSpPr>
+        <p:spPr>
+          <a:xfrm>
+            <a:off x="1944611" y="3162690"/>
+            <a:ext cx="1065202" cy="427289"/>
+          </a:xfrm>
+          <a:prstGeom prst="roundRect">
+            <a:avLst/>
+          </a:prstGeom>
+        </p:spPr>
+        <p:style>
+          <a:lnRef idx="2">
+            <a:schemeClr val="accent1">
+              <a:shade val="50000"/>
+            </a:schemeClr>
+          </a:lnRef>
+          <a:fillRef idx="1">
+            <a:schemeClr val="accent1"/>
+          </a:fillRef>
+          <a:effectRef idx="0">
+            <a:schemeClr val="accent1"/>
+          </a:effectRef>
+          <a:fontRef idx="minor">
+            <a:schemeClr val="lt1"/>
+          </a:fontRef>
+        </p:style>
+        <p:txBody>
+          <a:bodyPr rtlCol="0" anchor="ctr"/>
+          <a:lstStyle/>
+          <a:p>
+            <a:pPr algn="ctr"/>
+            <a:r>
+              <a:rPr lang="zh-CN" altLang="en-US" sz="1400" dirty="0" smtClean="0"/>
+              <a:t>找到老余</a:t>
+            </a:r>
+            <a:endParaRPr lang="zh-CN" altLang="en-US" sz="1400" dirty="0"/>
+          </a:p>
+        </p:txBody>
+      </p:sp>
+      <p:sp>
+        <p:nvSpPr>
+          <p:cNvPr id="40" name="Rectangle 39"/>
+          <p:cNvSpPr/>
+          <p:nvPr/>
+        </p:nvSpPr>
+        <p:spPr>
+          <a:xfrm>
+            <a:off x="1944611" y="2655880"/>
+            <a:ext cx="1065202" cy="527429"/>
+          </a:xfrm>
+          <a:prstGeom prst="rect">
+            <a:avLst/>
+          </a:prstGeom>
+        </p:spPr>
+        <p:style>
+          <a:lnRef idx="0">
+            <a:schemeClr val="accent6"/>
+          </a:lnRef>
+          <a:fillRef idx="3">
+            <a:schemeClr val="accent6"/>
+          </a:fillRef>
+          <a:effectRef idx="3">
+            <a:schemeClr val="accent6"/>
+          </a:effectRef>
+          <a:fontRef idx="minor">
+            <a:schemeClr val="lt1"/>
+          </a:fontRef>
+        </p:style>
+        <p:txBody>
+          <a:bodyPr rtlCol="0" anchor="ctr"/>
+          <a:lstStyle/>
+          <a:p>
+            <a:pPr algn="ctr"/>
+            <a:r>
+              <a:rPr lang="zh-CN" altLang="en-US" sz="1400" dirty="0" smtClean="0"/>
+              <a:t>获得张辉信息</a:t>
+            </a:r>
+            <a:endParaRPr lang="zh-CN" altLang="en-US" sz="1400" dirty="0"/>
+          </a:p>
+        </p:txBody>
+      </p:sp>
+      <p:cxnSp>
+        <p:nvCxnSpPr>
+          <p:cNvPr id="41" name="Straight Arrow Connector 40"/>
+          <p:cNvCxnSpPr/>
+          <p:nvPr/>
+        </p:nvCxnSpPr>
+        <p:spPr>
+          <a:xfrm>
+            <a:off x="3009813" y="3376335"/>
+            <a:ext cx="469749" cy="0"/>
+          </a:xfrm>
+          <a:prstGeom prst="straightConnector1">
+            <a:avLst/>
+          </a:prstGeom>
+          <a:ln>
+            <a:tailEnd type="triangle"/>
+          </a:ln>
+        </p:spPr>
+        <p:style>
+          <a:lnRef idx="1">
+            <a:schemeClr val="accent1"/>
+          </a:lnRef>
+          <a:fillRef idx="0">
+            <a:schemeClr val="accent1"/>
+          </a:fillRef>
+          <a:effectRef idx="0">
+            <a:schemeClr val="accent1"/>
+          </a:effectRef>
+          <a:fontRef idx="minor">
+            <a:schemeClr val="tx1"/>
+          </a:fontRef>
+        </p:style>
+      </p:cxnSp>
+      <p:sp>
+        <p:nvSpPr>
+          <p:cNvPr id="43" name="Rounded Rectangle 42"/>
+          <p:cNvSpPr/>
+          <p:nvPr/>
+        </p:nvSpPr>
+        <p:spPr>
+          <a:xfrm>
+            <a:off x="3450095" y="3162690"/>
+            <a:ext cx="1065202" cy="427289"/>
+          </a:xfrm>
+          <a:prstGeom prst="roundRect">
+            <a:avLst/>
+          </a:prstGeom>
+        </p:spPr>
+        <p:style>
+          <a:lnRef idx="2">
+            <a:schemeClr val="accent1">
+              <a:shade val="50000"/>
+            </a:schemeClr>
+          </a:lnRef>
+          <a:fillRef idx="1">
+            <a:schemeClr val="accent1"/>
+          </a:fillRef>
+          <a:effectRef idx="0">
+            <a:schemeClr val="accent1"/>
+          </a:effectRef>
+          <a:fontRef idx="minor">
+            <a:schemeClr val="lt1"/>
+          </a:fontRef>
+        </p:style>
+        <p:txBody>
+          <a:bodyPr rtlCol="0" anchor="ctr"/>
+          <a:lstStyle/>
+          <a:p>
+            <a:pPr algn="ctr"/>
+            <a:r>
+              <a:rPr lang="zh-CN" altLang="en-US" sz="1400" dirty="0" smtClean="0"/>
+              <a:t>找到</a:t>
+            </a:r>
+            <a:r>
+              <a:rPr lang="zh-CN" altLang="en-US" sz="1400" dirty="0"/>
+              <a:t>张辉</a:t>
+            </a:r>
+            <a:endParaRPr lang="zh-CN" altLang="en-US" sz="1400" dirty="0"/>
+          </a:p>
+        </p:txBody>
+      </p:sp>
+      <p:sp>
+        <p:nvSpPr>
+          <p:cNvPr id="44" name="Rectangle 43"/>
+          <p:cNvSpPr/>
+          <p:nvPr/>
+        </p:nvSpPr>
+        <p:spPr>
+          <a:xfrm>
+            <a:off x="3458641" y="1233805"/>
+            <a:ext cx="1065202" cy="1949505"/>
+          </a:xfrm>
+          <a:prstGeom prst="rect">
+            <a:avLst/>
+          </a:prstGeom>
+        </p:spPr>
+        <p:style>
+          <a:lnRef idx="0">
+            <a:schemeClr val="accent6"/>
+          </a:lnRef>
+          <a:fillRef idx="3">
+            <a:schemeClr val="accent6"/>
+          </a:fillRef>
+          <a:effectRef idx="3">
+            <a:schemeClr val="accent6"/>
+          </a:effectRef>
+          <a:fontRef idx="minor">
+            <a:schemeClr val="lt1"/>
+          </a:fontRef>
+        </p:style>
+        <p:txBody>
+          <a:bodyPr rtlCol="0" anchor="ctr"/>
+          <a:lstStyle/>
+          <a:p>
+            <a:pPr algn="ctr"/>
+            <a:r>
+              <a:rPr lang="zh-CN" altLang="en-US" sz="1400" dirty="0" smtClean="0"/>
+              <a:t>张辉没钱，按薇儿要求将钱全部买了一个礼物，正打算给薇儿，除非卖掉礼物才能还钱</a:t>
+            </a:r>
+            <a:endParaRPr lang="zh-CN" altLang="en-US" sz="1400" dirty="0"/>
+          </a:p>
+        </p:txBody>
+      </p:sp>
+      <p:sp>
+        <p:nvSpPr>
+          <p:cNvPr id="45" name="Rounded Rectangle 44"/>
+          <p:cNvSpPr/>
+          <p:nvPr/>
+        </p:nvSpPr>
+        <p:spPr>
+          <a:xfrm>
+            <a:off x="4943300" y="3162690"/>
+            <a:ext cx="1065202" cy="427289"/>
+          </a:xfrm>
+          <a:prstGeom prst="roundRect">
+            <a:avLst/>
+          </a:prstGeom>
+        </p:spPr>
+        <p:style>
+          <a:lnRef idx="2">
+            <a:schemeClr val="accent1">
+              <a:shade val="50000"/>
+            </a:schemeClr>
+          </a:lnRef>
+          <a:fillRef idx="1">
+            <a:schemeClr val="accent1"/>
+          </a:fillRef>
+          <a:effectRef idx="0">
+            <a:schemeClr val="accent1"/>
+          </a:effectRef>
+          <a:fontRef idx="minor">
+            <a:schemeClr val="lt1"/>
+          </a:fontRef>
+        </p:style>
+        <p:txBody>
+          <a:bodyPr rtlCol="0" anchor="ctr"/>
+          <a:lstStyle/>
+          <a:p>
+            <a:pPr algn="ctr"/>
+            <a:r>
+              <a:rPr lang="zh-CN" altLang="en-US" sz="1400" dirty="0" smtClean="0"/>
+              <a:t>找到</a:t>
+            </a:r>
+            <a:r>
+              <a:rPr lang="zh-CN" altLang="en-US" sz="1400" dirty="0"/>
+              <a:t>薇儿</a:t>
+            </a:r>
+            <a:endParaRPr lang="zh-CN" altLang="en-US" sz="1400" dirty="0"/>
+          </a:p>
+        </p:txBody>
+      </p:sp>
+      <p:sp>
+        <p:nvSpPr>
+          <p:cNvPr id="46" name="Rectangle 45"/>
+          <p:cNvSpPr/>
+          <p:nvPr/>
+        </p:nvSpPr>
+        <p:spPr>
+          <a:xfrm>
+            <a:off x="4954738" y="1764105"/>
+            <a:ext cx="1065202" cy="1419204"/>
+          </a:xfrm>
+          <a:prstGeom prst="rect">
+            <a:avLst/>
+          </a:prstGeom>
+        </p:spPr>
+        <p:style>
+          <a:lnRef idx="0">
+            <a:schemeClr val="accent6"/>
+          </a:lnRef>
+          <a:fillRef idx="3">
+            <a:schemeClr val="accent6"/>
+          </a:fillRef>
+          <a:effectRef idx="3">
+            <a:schemeClr val="accent6"/>
+          </a:effectRef>
+          <a:fontRef idx="minor">
+            <a:schemeClr val="lt1"/>
+          </a:fontRef>
+        </p:style>
+        <p:txBody>
+          <a:bodyPr rtlCol="0" anchor="ctr"/>
+          <a:lstStyle/>
+          <a:p>
+            <a:pPr algn="ctr"/>
+            <a:r>
+              <a:rPr lang="zh-CN" altLang="en-US" sz="1400" dirty="0" smtClean="0"/>
+              <a:t>王燕告诉你薇儿和老余有一腿，在老余家附近找到薇儿</a:t>
+            </a:r>
+            <a:endParaRPr lang="zh-CN" altLang="en-US" sz="1400" dirty="0"/>
+          </a:p>
+        </p:txBody>
+      </p:sp>
+      <p:cxnSp>
+        <p:nvCxnSpPr>
+          <p:cNvPr id="47" name="Straight Arrow Connector 46"/>
+          <p:cNvCxnSpPr/>
+          <p:nvPr/>
+        </p:nvCxnSpPr>
+        <p:spPr>
+          <a:xfrm>
+            <a:off x="6019940" y="3376335"/>
+            <a:ext cx="428003" cy="0"/>
+          </a:xfrm>
+          <a:prstGeom prst="straightConnector1">
+            <a:avLst/>
+          </a:prstGeom>
+          <a:ln>
+            <a:tailEnd type="triangle"/>
+          </a:ln>
+        </p:spPr>
+        <p:style>
+          <a:lnRef idx="1">
+            <a:schemeClr val="accent1"/>
+          </a:lnRef>
+          <a:fillRef idx="0">
+            <a:schemeClr val="accent1"/>
+          </a:fillRef>
+          <a:effectRef idx="0">
+            <a:schemeClr val="accent1"/>
+          </a:effectRef>
+          <a:fontRef idx="minor">
+            <a:schemeClr val="tx1"/>
+          </a:fontRef>
+        </p:style>
+      </p:cxnSp>
+      <p:sp>
+        <p:nvSpPr>
+          <p:cNvPr id="48" name="Rounded Rectangle 47"/>
+          <p:cNvSpPr/>
+          <p:nvPr/>
+        </p:nvSpPr>
+        <p:spPr>
+          <a:xfrm>
+            <a:off x="6439202" y="3162690"/>
+            <a:ext cx="1065202" cy="427289"/>
+          </a:xfrm>
+          <a:prstGeom prst="roundRect">
+            <a:avLst/>
+          </a:prstGeom>
+        </p:spPr>
+        <p:style>
+          <a:lnRef idx="2">
+            <a:schemeClr val="accent1">
+              <a:shade val="50000"/>
+            </a:schemeClr>
+          </a:lnRef>
+          <a:fillRef idx="1">
+            <a:schemeClr val="accent1"/>
+          </a:fillRef>
+          <a:effectRef idx="0">
+            <a:schemeClr val="accent1"/>
+          </a:effectRef>
+          <a:fontRef idx="minor">
+            <a:schemeClr val="lt1"/>
+          </a:fontRef>
+        </p:style>
+        <p:txBody>
+          <a:bodyPr rtlCol="0" anchor="ctr"/>
+          <a:lstStyle/>
+          <a:p>
+            <a:pPr algn="ctr"/>
+            <a:r>
+              <a:rPr lang="zh-CN" altLang="en-US" sz="1400" dirty="0" smtClean="0"/>
+              <a:t>找到张辉</a:t>
+            </a:r>
+            <a:endParaRPr lang="zh-CN" altLang="en-US" sz="1400" dirty="0"/>
+          </a:p>
+        </p:txBody>
+      </p:sp>
+      <p:sp>
+        <p:nvSpPr>
+          <p:cNvPr id="49" name="Rectangle 48"/>
+          <p:cNvSpPr/>
+          <p:nvPr/>
+        </p:nvSpPr>
+        <p:spPr>
+          <a:xfrm>
+            <a:off x="6446270" y="2333000"/>
+            <a:ext cx="1065202" cy="850307"/>
+          </a:xfrm>
+          <a:prstGeom prst="rect">
+            <a:avLst/>
+          </a:prstGeom>
+        </p:spPr>
+        <p:style>
+          <a:lnRef idx="0">
+            <a:schemeClr val="accent6"/>
+          </a:lnRef>
+          <a:fillRef idx="3">
+            <a:schemeClr val="accent6"/>
+          </a:fillRef>
+          <a:effectRef idx="3">
+            <a:schemeClr val="accent6"/>
+          </a:effectRef>
+          <a:fontRef idx="minor">
+            <a:schemeClr val="lt1"/>
+          </a:fontRef>
+        </p:style>
+        <p:txBody>
+          <a:bodyPr rtlCol="0" anchor="ctr"/>
+          <a:lstStyle/>
+          <a:p>
+            <a:pPr algn="ctr"/>
+            <a:r>
+              <a:rPr lang="zh-CN" altLang="en-US" sz="1400" dirty="0" smtClean="0"/>
+              <a:t>张辉不信，除非找到证据</a:t>
+            </a:r>
+            <a:endParaRPr lang="zh-CN" altLang="en-US" sz="1400" dirty="0"/>
+          </a:p>
+        </p:txBody>
+      </p:sp>
+      <p:sp>
+        <p:nvSpPr>
+          <p:cNvPr id="50" name="Rounded Rectangle 49"/>
+          <p:cNvSpPr/>
+          <p:nvPr/>
+        </p:nvSpPr>
+        <p:spPr>
+          <a:xfrm>
+            <a:off x="8004840" y="3162690"/>
+            <a:ext cx="1065202" cy="427290"/>
+          </a:xfrm>
+          <a:prstGeom prst="roundRect">
+            <a:avLst/>
+          </a:prstGeom>
+        </p:spPr>
+        <p:style>
+          <a:lnRef idx="2">
+            <a:schemeClr val="accent1">
+              <a:shade val="50000"/>
+            </a:schemeClr>
+          </a:lnRef>
+          <a:fillRef idx="1">
+            <a:schemeClr val="accent1"/>
+          </a:fillRef>
+          <a:effectRef idx="0">
+            <a:schemeClr val="accent1"/>
+          </a:effectRef>
+          <a:fontRef idx="minor">
+            <a:schemeClr val="lt1"/>
+          </a:fontRef>
+        </p:style>
+        <p:txBody>
+          <a:bodyPr rtlCol="0" anchor="ctr"/>
+          <a:lstStyle/>
+          <a:p>
+            <a:pPr algn="ctr"/>
+            <a:r>
+              <a:rPr lang="zh-CN" altLang="en-US" sz="1400" dirty="0" smtClean="0"/>
+              <a:t>找到王燕</a:t>
+            </a:r>
+            <a:endParaRPr lang="zh-CN" altLang="en-US" sz="1400" dirty="0"/>
+          </a:p>
+        </p:txBody>
+      </p:sp>
+      <p:cxnSp>
+        <p:nvCxnSpPr>
+          <p:cNvPr id="51" name="Straight Arrow Connector 50"/>
+          <p:cNvCxnSpPr/>
+          <p:nvPr/>
+        </p:nvCxnSpPr>
+        <p:spPr>
+          <a:xfrm>
+            <a:off x="7544991" y="3376335"/>
+            <a:ext cx="428003" cy="0"/>
+          </a:xfrm>
+          <a:prstGeom prst="straightConnector1">
+            <a:avLst/>
+          </a:prstGeom>
+          <a:ln>
+            <a:tailEnd type="triangle"/>
+          </a:ln>
+        </p:spPr>
+        <p:style>
+          <a:lnRef idx="1">
+            <a:schemeClr val="accent1"/>
+          </a:lnRef>
+          <a:fillRef idx="0">
+            <a:schemeClr val="accent1"/>
+          </a:fillRef>
+          <a:effectRef idx="0">
+            <a:schemeClr val="accent1"/>
+          </a:effectRef>
+          <a:fontRef idx="minor">
+            <a:schemeClr val="tx1"/>
+          </a:fontRef>
+        </p:style>
+      </p:cxnSp>
+      <p:sp>
+        <p:nvSpPr>
+          <p:cNvPr id="52" name="Rectangle 51"/>
+          <p:cNvSpPr/>
+          <p:nvPr/>
+        </p:nvSpPr>
+        <p:spPr>
+          <a:xfrm>
+            <a:off x="8004840" y="2333000"/>
+            <a:ext cx="1065202" cy="850307"/>
+          </a:xfrm>
+          <a:prstGeom prst="rect">
+            <a:avLst/>
+          </a:prstGeom>
+        </p:spPr>
+        <p:style>
+          <a:lnRef idx="0">
+            <a:schemeClr val="accent6"/>
+          </a:lnRef>
+          <a:fillRef idx="3">
+            <a:schemeClr val="accent6"/>
+          </a:fillRef>
+          <a:effectRef idx="3">
+            <a:schemeClr val="accent6"/>
+          </a:effectRef>
+          <a:fontRef idx="minor">
+            <a:schemeClr val="lt1"/>
+          </a:fontRef>
+        </p:style>
+        <p:txBody>
+          <a:bodyPr rtlCol="0" anchor="ctr"/>
+          <a:lstStyle/>
+          <a:p>
+            <a:pPr algn="ctr"/>
+            <a:r>
+              <a:rPr lang="zh-CN" altLang="en-US" sz="1400" dirty="0"/>
+              <a:t>建</a:t>
+            </a:r>
+            <a:r>
+              <a:rPr lang="zh-CN" altLang="en-US" sz="1400" dirty="0" smtClean="0"/>
+              <a:t>议玩家到老余家里看一看</a:t>
+            </a:r>
+            <a:endParaRPr lang="zh-CN" altLang="en-US" sz="1400" dirty="0"/>
+          </a:p>
+        </p:txBody>
+      </p:sp>
+      <p:sp>
+        <p:nvSpPr>
+          <p:cNvPr id="53" name="Rounded Rectangle 52"/>
+          <p:cNvSpPr/>
+          <p:nvPr/>
+        </p:nvSpPr>
+        <p:spPr>
+          <a:xfrm>
+            <a:off x="9518870" y="3162690"/>
+            <a:ext cx="1065202" cy="427290"/>
+          </a:xfrm>
+          <a:prstGeom prst="roundRect">
+            <a:avLst/>
+          </a:prstGeom>
+        </p:spPr>
+        <p:style>
+          <a:lnRef idx="2">
+            <a:schemeClr val="accent1">
+              <a:shade val="50000"/>
+            </a:schemeClr>
+          </a:lnRef>
+          <a:fillRef idx="1">
+            <a:schemeClr val="accent1"/>
+          </a:fillRef>
+          <a:effectRef idx="0">
+            <a:schemeClr val="accent1"/>
+          </a:effectRef>
+          <a:fontRef idx="minor">
+            <a:schemeClr val="lt1"/>
+          </a:fontRef>
+        </p:style>
+        <p:txBody>
+          <a:bodyPr rtlCol="0" anchor="ctr"/>
+          <a:lstStyle/>
+          <a:p>
+            <a:pPr algn="ctr"/>
+            <a:r>
+              <a:rPr lang="zh-CN" altLang="en-US" sz="1400" dirty="0" smtClean="0"/>
+              <a:t>找老余家</a:t>
+            </a:r>
+            <a:endParaRPr lang="zh-CN" altLang="en-US" sz="1400" dirty="0"/>
+          </a:p>
+        </p:txBody>
+      </p:sp>
+      <p:sp>
+        <p:nvSpPr>
+          <p:cNvPr id="54" name="Rectangle 53"/>
+          <p:cNvSpPr/>
+          <p:nvPr/>
+        </p:nvSpPr>
+        <p:spPr>
+          <a:xfrm>
+            <a:off x="9517651" y="2084114"/>
+            <a:ext cx="1065202" cy="1099194"/>
+          </a:xfrm>
+          <a:prstGeom prst="rect">
+            <a:avLst/>
+          </a:prstGeom>
+        </p:spPr>
+        <p:style>
+          <a:lnRef idx="0">
+            <a:schemeClr val="accent6"/>
+          </a:lnRef>
+          <a:fillRef idx="3">
+            <a:schemeClr val="accent6"/>
+          </a:fillRef>
+          <a:effectRef idx="3">
+            <a:schemeClr val="accent6"/>
+          </a:effectRef>
+          <a:fontRef idx="minor">
+            <a:schemeClr val="lt1"/>
+          </a:fontRef>
+        </p:style>
+        <p:txBody>
+          <a:bodyPr rtlCol="0" anchor="ctr"/>
+          <a:lstStyle/>
+          <a:p>
+            <a:pPr algn="ctr"/>
+            <a:r>
+              <a:rPr lang="zh-CN" altLang="en-US" sz="1400" dirty="0" smtClean="0"/>
+              <a:t>老余在门口不让进，修电视的人才能进</a:t>
+            </a:r>
+            <a:endParaRPr lang="zh-CN" altLang="en-US" sz="1400" dirty="0"/>
+          </a:p>
+        </p:txBody>
+      </p:sp>
+      <p:cxnSp>
+        <p:nvCxnSpPr>
+          <p:cNvPr id="56" name="Straight Arrow Connector 55"/>
+          <p:cNvCxnSpPr>
+            <a:stCxn id="53" idx="2"/>
+          </p:cNvCxnSpPr>
+          <p:nvPr/>
+        </p:nvCxnSpPr>
+        <p:spPr>
+          <a:xfrm flipH="1">
+            <a:off x="10050252" y="3589980"/>
+            <a:ext cx="1219" cy="870925"/>
+          </a:xfrm>
+          <a:prstGeom prst="straightConnector1">
+            <a:avLst/>
+          </a:prstGeom>
+          <a:ln>
+            <a:tailEnd type="triangle"/>
+          </a:ln>
+        </p:spPr>
+        <p:style>
+          <a:lnRef idx="1">
+            <a:schemeClr val="accent1"/>
+          </a:lnRef>
+          <a:fillRef idx="0">
+            <a:schemeClr val="accent1"/>
+          </a:fillRef>
+          <a:effectRef idx="0">
+            <a:schemeClr val="accent1"/>
+          </a:effectRef>
+          <a:fontRef idx="minor">
+            <a:schemeClr val="tx1"/>
+          </a:fontRef>
+        </p:style>
+      </p:cxnSp>
+      <p:sp>
+        <p:nvSpPr>
+          <p:cNvPr id="57" name="Rounded Rectangle 56"/>
+          <p:cNvSpPr/>
+          <p:nvPr/>
+        </p:nvSpPr>
+        <p:spPr>
+          <a:xfrm>
+            <a:off x="9518870" y="4440288"/>
+            <a:ext cx="1065202" cy="427290"/>
+          </a:xfrm>
+          <a:prstGeom prst="roundRect">
+            <a:avLst/>
+          </a:prstGeom>
+        </p:spPr>
+        <p:style>
+          <a:lnRef idx="2">
+            <a:schemeClr val="accent1">
+              <a:shade val="50000"/>
+            </a:schemeClr>
+          </a:lnRef>
+          <a:fillRef idx="1">
+            <a:schemeClr val="accent1"/>
+          </a:fillRef>
+          <a:effectRef idx="0">
+            <a:schemeClr val="accent1"/>
+          </a:effectRef>
+          <a:fontRef idx="minor">
+            <a:schemeClr val="lt1"/>
+          </a:fontRef>
+        </p:style>
+        <p:txBody>
+          <a:bodyPr rtlCol="0" anchor="ctr"/>
+          <a:lstStyle/>
+          <a:p>
+            <a:pPr algn="ctr"/>
+            <a:r>
+              <a:rPr lang="zh-CN" altLang="en-US" sz="1400" dirty="0" smtClean="0"/>
+              <a:t>找老</a:t>
+            </a:r>
+            <a:r>
+              <a:rPr lang="en-US" altLang="zh-CN" sz="1400" dirty="0" smtClean="0"/>
+              <a:t>b</a:t>
+            </a:r>
+            <a:r>
+              <a:rPr lang="zh-CN" altLang="en-US" sz="1400" dirty="0" smtClean="0"/>
+              <a:t>哥</a:t>
+            </a:r>
+            <a:endParaRPr lang="zh-CN" altLang="en-US" sz="1400" dirty="0"/>
+          </a:p>
+        </p:txBody>
+      </p:sp>
+      <p:sp>
+        <p:nvSpPr>
+          <p:cNvPr id="58" name="Rectangle 57"/>
+          <p:cNvSpPr/>
+          <p:nvPr/>
+        </p:nvSpPr>
+        <p:spPr>
+          <a:xfrm>
+            <a:off x="9517651" y="4867578"/>
+            <a:ext cx="1065202" cy="850307"/>
+          </a:xfrm>
+          <a:prstGeom prst="rect">
+            <a:avLst/>
+          </a:prstGeom>
+        </p:spPr>
+        <p:style>
+          <a:lnRef idx="0">
+            <a:schemeClr val="accent6"/>
+          </a:lnRef>
+          <a:fillRef idx="3">
+            <a:schemeClr val="accent6"/>
+          </a:fillRef>
+          <a:effectRef idx="3">
+            <a:schemeClr val="accent6"/>
+          </a:effectRef>
+          <a:fontRef idx="minor">
+            <a:schemeClr val="lt1"/>
+          </a:fontRef>
+        </p:style>
+        <p:txBody>
+          <a:bodyPr rtlCol="0" anchor="ctr"/>
+          <a:lstStyle/>
+          <a:p>
+            <a:pPr algn="ctr"/>
+            <a:r>
+              <a:rPr lang="zh-CN" altLang="en-US" sz="1400" dirty="0" smtClean="0"/>
+              <a:t>花钱购买衣服</a:t>
+            </a:r>
+            <a:endParaRPr lang="zh-CN" altLang="en-US" sz="1400" dirty="0"/>
+          </a:p>
+        </p:txBody>
+      </p:sp>
+      <p:cxnSp>
+        <p:nvCxnSpPr>
+          <p:cNvPr id="60" name="Straight Arrow Connector 59"/>
+          <p:cNvCxnSpPr>
+            <a:stCxn id="57" idx="1"/>
+          </p:cNvCxnSpPr>
+          <p:nvPr/>
+        </p:nvCxnSpPr>
+        <p:spPr>
+          <a:xfrm flipH="1">
+            <a:off x="9070042" y="4653933"/>
+            <a:ext cx="448828" cy="3525"/>
+          </a:xfrm>
+          <a:prstGeom prst="straightConnector1">
+            <a:avLst/>
+          </a:prstGeom>
+          <a:ln>
+            <a:tailEnd type="triangle"/>
+          </a:ln>
+        </p:spPr>
+        <p:style>
+          <a:lnRef idx="1">
+            <a:schemeClr val="accent1"/>
+          </a:lnRef>
+          <a:fillRef idx="0">
+            <a:schemeClr val="accent1"/>
+          </a:fillRef>
+          <a:effectRef idx="0">
+            <a:schemeClr val="accent1"/>
+          </a:effectRef>
+          <a:fontRef idx="minor">
+            <a:schemeClr val="tx1"/>
+          </a:fontRef>
+        </p:style>
+      </p:cxnSp>
+      <p:sp>
+        <p:nvSpPr>
+          <p:cNvPr id="61" name="Rounded Rectangle 60"/>
+          <p:cNvSpPr/>
+          <p:nvPr/>
+        </p:nvSpPr>
+        <p:spPr>
+          <a:xfrm>
+            <a:off x="8004840" y="4436762"/>
+            <a:ext cx="1065202" cy="427290"/>
+          </a:xfrm>
+          <a:prstGeom prst="roundRect">
+            <a:avLst/>
+          </a:prstGeom>
+        </p:spPr>
+        <p:style>
+          <a:lnRef idx="2">
+            <a:schemeClr val="accent1">
+              <a:shade val="50000"/>
+            </a:schemeClr>
+          </a:lnRef>
+          <a:fillRef idx="1">
+            <a:schemeClr val="accent1"/>
+          </a:fillRef>
+          <a:effectRef idx="0">
+            <a:schemeClr val="accent1"/>
+          </a:effectRef>
+          <a:fontRef idx="minor">
+            <a:schemeClr val="lt1"/>
+          </a:fontRef>
+        </p:style>
+        <p:txBody>
+          <a:bodyPr rtlCol="0" anchor="ctr"/>
+          <a:lstStyle/>
+          <a:p>
+            <a:pPr algn="ctr"/>
+            <a:r>
+              <a:rPr lang="zh-CN" altLang="en-US" sz="1400" dirty="0" smtClean="0"/>
+              <a:t>进老余家</a:t>
+            </a:r>
+            <a:endParaRPr lang="zh-CN" altLang="en-US" sz="1400" dirty="0"/>
+          </a:p>
+        </p:txBody>
+      </p:sp>
+      <p:sp>
+        <p:nvSpPr>
+          <p:cNvPr id="62" name="Rectangle 61"/>
+          <p:cNvSpPr/>
+          <p:nvPr/>
+        </p:nvSpPr>
+        <p:spPr>
+          <a:xfrm>
+            <a:off x="8018976" y="4867578"/>
+            <a:ext cx="1065202" cy="524819"/>
+          </a:xfrm>
+          <a:prstGeom prst="rect">
+            <a:avLst/>
+          </a:prstGeom>
+        </p:spPr>
+        <p:style>
+          <a:lnRef idx="0">
+            <a:schemeClr val="accent6"/>
+          </a:lnRef>
+          <a:fillRef idx="3">
+            <a:schemeClr val="accent6"/>
+          </a:fillRef>
+          <a:effectRef idx="3">
+            <a:schemeClr val="accent6"/>
+          </a:effectRef>
+          <a:fontRef idx="minor">
+            <a:schemeClr val="lt1"/>
+          </a:fontRef>
+        </p:style>
+        <p:txBody>
+          <a:bodyPr rtlCol="0" anchor="ctr"/>
+          <a:lstStyle/>
+          <a:p>
+            <a:pPr algn="ctr"/>
+            <a:r>
+              <a:rPr lang="zh-CN" altLang="en-US" sz="1400" dirty="0"/>
+              <a:t>找</a:t>
+            </a:r>
+            <a:r>
+              <a:rPr lang="zh-CN" altLang="en-US" sz="1400" dirty="0" smtClean="0"/>
+              <a:t>到胸罩</a:t>
+            </a:r>
+            <a:endParaRPr lang="zh-CN" altLang="en-US" sz="1400" dirty="0"/>
+          </a:p>
+        </p:txBody>
+      </p:sp>
+      <p:cxnSp>
+        <p:nvCxnSpPr>
+          <p:cNvPr id="63" name="Straight Arrow Connector 62"/>
+          <p:cNvCxnSpPr/>
+          <p:nvPr/>
+        </p:nvCxnSpPr>
+        <p:spPr>
+          <a:xfrm flipH="1">
+            <a:off x="7516442" y="4653933"/>
+            <a:ext cx="448828" cy="3525"/>
+          </a:xfrm>
+          <a:prstGeom prst="straightConnector1">
+            <a:avLst/>
+          </a:prstGeom>
+          <a:ln>
+            <a:tailEnd type="triangle"/>
+          </a:ln>
+        </p:spPr>
+        <p:style>
+          <a:lnRef idx="1">
+            <a:schemeClr val="accent1"/>
+          </a:lnRef>
+          <a:fillRef idx="0">
+            <a:schemeClr val="accent1"/>
+          </a:fillRef>
+          <a:effectRef idx="0">
+            <a:schemeClr val="accent1"/>
+          </a:effectRef>
+          <a:fontRef idx="minor">
+            <a:schemeClr val="tx1"/>
+          </a:fontRef>
+        </p:style>
+      </p:cxnSp>
+      <p:sp>
+        <p:nvSpPr>
+          <p:cNvPr id="64" name="Rounded Rectangle 63"/>
+          <p:cNvSpPr/>
+          <p:nvPr/>
+        </p:nvSpPr>
+        <p:spPr>
+          <a:xfrm>
+            <a:off x="6439202" y="4436762"/>
+            <a:ext cx="1065202" cy="427289"/>
+          </a:xfrm>
+          <a:prstGeom prst="roundRect">
+            <a:avLst/>
+          </a:prstGeom>
+        </p:spPr>
+        <p:style>
+          <a:lnRef idx="2">
+            <a:schemeClr val="accent1">
+              <a:shade val="50000"/>
+            </a:schemeClr>
+          </a:lnRef>
+          <a:fillRef idx="1">
+            <a:schemeClr val="accent1"/>
+          </a:fillRef>
+          <a:effectRef idx="0">
+            <a:schemeClr val="accent1"/>
+          </a:effectRef>
+          <a:fontRef idx="minor">
+            <a:schemeClr val="lt1"/>
+          </a:fontRef>
+        </p:style>
+        <p:txBody>
+          <a:bodyPr rtlCol="0" anchor="ctr"/>
+          <a:lstStyle/>
+          <a:p>
+            <a:pPr algn="ctr"/>
+            <a:r>
+              <a:rPr lang="zh-CN" altLang="en-US" sz="1400" dirty="0" smtClean="0"/>
+              <a:t>找到张辉</a:t>
+            </a:r>
+            <a:endParaRPr lang="zh-CN" altLang="en-US" sz="1400" dirty="0"/>
+          </a:p>
+        </p:txBody>
+      </p:sp>
+      <p:sp>
+        <p:nvSpPr>
+          <p:cNvPr id="65" name="Rectangle 64"/>
+          <p:cNvSpPr/>
+          <p:nvPr/>
+        </p:nvSpPr>
+        <p:spPr>
+          <a:xfrm>
+            <a:off x="6446270" y="4867578"/>
+            <a:ext cx="1065202" cy="850307"/>
+          </a:xfrm>
+          <a:prstGeom prst="rect">
+            <a:avLst/>
+          </a:prstGeom>
+        </p:spPr>
+        <p:style>
+          <a:lnRef idx="0">
+            <a:schemeClr val="accent6"/>
+          </a:lnRef>
+          <a:fillRef idx="3">
+            <a:schemeClr val="accent6"/>
+          </a:fillRef>
+          <a:effectRef idx="3">
+            <a:schemeClr val="accent6"/>
+          </a:effectRef>
+          <a:fontRef idx="minor">
+            <a:schemeClr val="lt1"/>
+          </a:fontRef>
+        </p:style>
+        <p:txBody>
+          <a:bodyPr rtlCol="0" anchor="ctr"/>
+          <a:lstStyle/>
+          <a:p>
+            <a:pPr algn="ctr"/>
+            <a:r>
+              <a:rPr lang="zh-CN" altLang="en-US" sz="1400" dirty="0" smtClean="0"/>
+              <a:t>给张辉胸罩，张辉愤怒将礼物给你</a:t>
+            </a:r>
+            <a:endParaRPr lang="zh-CN" altLang="en-US" sz="1400" dirty="0"/>
+          </a:p>
+        </p:txBody>
+      </p:sp>
+      <p:cxnSp>
+        <p:nvCxnSpPr>
+          <p:cNvPr id="66" name="Straight Arrow Connector 65"/>
+          <p:cNvCxnSpPr/>
+          <p:nvPr/>
+        </p:nvCxnSpPr>
+        <p:spPr>
+          <a:xfrm flipH="1">
+            <a:off x="5970589" y="4653933"/>
+            <a:ext cx="448828" cy="3525"/>
+          </a:xfrm>
+          <a:prstGeom prst="straightConnector1">
+            <a:avLst/>
+          </a:prstGeom>
+          <a:ln>
+            <a:tailEnd type="triangle"/>
+          </a:ln>
+        </p:spPr>
+        <p:style>
+          <a:lnRef idx="1">
+            <a:schemeClr val="accent1"/>
+          </a:lnRef>
+          <a:fillRef idx="0">
+            <a:schemeClr val="accent1"/>
+          </a:fillRef>
+          <a:effectRef idx="0">
+            <a:schemeClr val="accent1"/>
+          </a:effectRef>
+          <a:fontRef idx="minor">
+            <a:schemeClr val="tx1"/>
+          </a:fontRef>
+        </p:style>
+      </p:cxnSp>
+      <p:sp>
+        <p:nvSpPr>
+          <p:cNvPr id="67" name="Rounded Rectangle 66"/>
+          <p:cNvSpPr/>
+          <p:nvPr/>
+        </p:nvSpPr>
+        <p:spPr>
+          <a:xfrm>
+            <a:off x="4893151" y="4436762"/>
+            <a:ext cx="1065202" cy="427289"/>
+          </a:xfrm>
+          <a:prstGeom prst="roundRect">
+            <a:avLst/>
+          </a:prstGeom>
+        </p:spPr>
+        <p:style>
+          <a:lnRef idx="2">
+            <a:schemeClr val="accent1">
+              <a:shade val="50000"/>
+            </a:schemeClr>
+          </a:lnRef>
+          <a:fillRef idx="1">
+            <a:schemeClr val="accent1"/>
+          </a:fillRef>
+          <a:effectRef idx="0">
+            <a:schemeClr val="accent1"/>
+          </a:effectRef>
+          <a:fontRef idx="minor">
+            <a:schemeClr val="lt1"/>
+          </a:fontRef>
+        </p:style>
+        <p:txBody>
+          <a:bodyPr rtlCol="0" anchor="ctr"/>
+          <a:lstStyle/>
+          <a:p>
+            <a:pPr algn="ctr"/>
+            <a:r>
+              <a:rPr lang="zh-CN" altLang="en-US" sz="1400" dirty="0" smtClean="0"/>
+              <a:t>找到</a:t>
+            </a:r>
+            <a:r>
+              <a:rPr lang="zh-CN" altLang="en-US" sz="1400" dirty="0"/>
+              <a:t>商</a:t>
+            </a:r>
+            <a:r>
+              <a:rPr lang="zh-CN" altLang="en-US" sz="1400" dirty="0" smtClean="0"/>
+              <a:t>店卖掉</a:t>
+            </a:r>
+            <a:endParaRPr lang="zh-CN" altLang="en-US" sz="1400" dirty="0"/>
+          </a:p>
+        </p:txBody>
+      </p:sp>
+      <p:sp>
+        <p:nvSpPr>
+          <p:cNvPr id="68" name="Rectangle 67"/>
+          <p:cNvSpPr/>
+          <p:nvPr/>
+        </p:nvSpPr>
+        <p:spPr>
+          <a:xfrm>
+            <a:off x="4890426" y="4867579"/>
+            <a:ext cx="1065202" cy="524818"/>
+          </a:xfrm>
+          <a:prstGeom prst="rect">
+            <a:avLst/>
+          </a:prstGeom>
+        </p:spPr>
+        <p:style>
+          <a:lnRef idx="0">
+            <a:schemeClr val="accent6"/>
+          </a:lnRef>
+          <a:fillRef idx="3">
+            <a:schemeClr val="accent6"/>
+          </a:fillRef>
+          <a:effectRef idx="3">
+            <a:schemeClr val="accent6"/>
+          </a:effectRef>
+          <a:fontRef idx="minor">
+            <a:schemeClr val="lt1"/>
+          </a:fontRef>
+        </p:style>
+        <p:txBody>
+          <a:bodyPr rtlCol="0" anchor="ctr"/>
+          <a:lstStyle/>
+          <a:p>
+            <a:pPr algn="ctr"/>
+            <a:r>
+              <a:rPr lang="zh-CN" altLang="en-US" sz="1400" dirty="0" smtClean="0"/>
+              <a:t>得到钱，结束</a:t>
+            </a:r>
+            <a:endParaRPr lang="zh-CN" altLang="en-US" sz="1400" dirty="0"/>
+          </a:p>
+        </p:txBody>
+      </p:sp>
+      <p:sp>
+        <p:nvSpPr>
+          <p:cNvPr id="69" name="Rectangle 68"/>
+          <p:cNvSpPr/>
+          <p:nvPr/>
+        </p:nvSpPr>
+        <p:spPr>
+          <a:xfrm>
+            <a:off x="4890426" y="5415516"/>
+            <a:ext cx="1065202" cy="556452"/>
+          </a:xfrm>
+          <a:prstGeom prst="rect">
+            <a:avLst/>
+          </a:prstGeom>
+          <a:solidFill>
+            <a:schemeClr val="accent2"/>
+          </a:solidFill>
+        </p:spPr>
+        <p:style>
+          <a:lnRef idx="2">
+            <a:schemeClr val="accent1">
+              <a:shade val="50000"/>
+            </a:schemeClr>
+          </a:lnRef>
+          <a:fillRef idx="1">
+            <a:schemeClr val="accent1"/>
+          </a:fillRef>
+          <a:effectRef idx="0">
+            <a:schemeClr val="accent1"/>
+          </a:effectRef>
+          <a:fontRef idx="minor">
+            <a:schemeClr val="lt1"/>
+          </a:fontRef>
+        </p:style>
+        <p:txBody>
+          <a:bodyPr rtlCol="0" anchor="ctr"/>
+          <a:lstStyle/>
+          <a:p>
+            <a:pPr algn="ctr"/>
+            <a:r>
+              <a:rPr lang="zh-CN" altLang="en-US" sz="1000" dirty="0" smtClean="0"/>
+              <a:t>礼物卖的价钱与张辉欠钱一致</a:t>
+            </a:r>
+            <a:endParaRPr lang="zh-CN" altLang="en-US" sz="1000" dirty="0"/>
+          </a:p>
+        </p:txBody>
+      </p:sp>
+    </p:spTree>
+    <p:extLst>
+      <p:ext uri="{BB962C8B-B14F-4D97-AF65-F5344CB8AC3E}">
+        <p14:creationId xmlns:p14="http://schemas.microsoft.com/office/powerpoint/2010/main" val="394448759"/>
+      </p:ext>
+    </p:extLst>
+  </p:cSld>
+  <p:clrMapOvr>
+    <a:masterClrMapping/>
+  </p:clrMapOvr>
+</p:sld>
+</file>
+
+<file path=ppt/slides/slide5.xml><?xml version="1.0" encoding="utf-8"?>
 <p:sld xmlns:a="http://schemas.openxmlformats.org/drawingml/2006/main" xmlns:r="http://schemas.openxmlformats.org/officeDocument/2006/relationships" xmlns:p="http://schemas.openxmlformats.org/presentationml/2006/main">
   <p:cSld>
     <p:spTree>
@@ -5151,1990 +6610,6 @@
     <p:extLst>
       <p:ext uri="{BB962C8B-B14F-4D97-AF65-F5344CB8AC3E}">
         <p14:creationId xmlns:p14="http://schemas.microsoft.com/office/powerpoint/2010/main" val="1632764691"/>
-      </p:ext>
-    </p:extLst>
-  </p:cSld>
-  <p:clrMapOvr>
-    <a:masterClrMapping/>
-  </p:clrMapOvr>
-  <p:timing>
-    <p:tnLst>
-      <p:par>
-        <p:cTn id="1" dur="indefinite" restart="never" nodeType="tmRoot"/>
-      </p:par>
-    </p:tnLst>
-  </p:timing>
-</p:sld>
-</file>
-
-<file path=ppt/slides/slide5.xml><?xml version="1.0" encoding="utf-8"?>
-<p:sld xmlns:a="http://schemas.openxmlformats.org/drawingml/2006/main" xmlns:r="http://schemas.openxmlformats.org/officeDocument/2006/relationships" xmlns:p="http://schemas.openxmlformats.org/presentationml/2006/main">
-  <p:cSld>
-    <p:spTree>
-      <p:nvGrpSpPr>
-        <p:cNvPr id="1" name=""/>
-        <p:cNvGrpSpPr/>
-        <p:nvPr/>
-      </p:nvGrpSpPr>
-      <p:grpSpPr>
-        <a:xfrm>
-          <a:off x="0" y="0"/>
-          <a:ext cx="0" cy="0"/>
-          <a:chOff x="0" y="0"/>
-          <a:chExt cx="0" cy="0"/>
-        </a:xfrm>
-      </p:grpSpPr>
-      <p:sp>
-        <p:nvSpPr>
-          <p:cNvPr id="6" name="矩形 5"/>
-          <p:cNvSpPr/>
-          <p:nvPr/>
-        </p:nvSpPr>
-        <p:spPr>
-          <a:xfrm>
-            <a:off x="0" y="333375"/>
-            <a:ext cx="12192000" cy="900430"/>
-          </a:xfrm>
-          <a:prstGeom prst="rect">
-            <a:avLst/>
-          </a:prstGeom>
-          <a:solidFill>
-            <a:srgbClr val="00AE66"/>
-          </a:solidFill>
-          <a:ln>
-            <a:noFill/>
-          </a:ln>
-        </p:spPr>
-        <p:style>
-          <a:lnRef idx="2">
-            <a:schemeClr val="accent1">
-              <a:shade val="50000"/>
-            </a:schemeClr>
-          </a:lnRef>
-          <a:fillRef idx="1">
-            <a:schemeClr val="accent1"/>
-          </a:fillRef>
-          <a:effectRef idx="0">
-            <a:schemeClr val="accent1"/>
-          </a:effectRef>
-          <a:fontRef idx="minor">
-            <a:schemeClr val="lt1"/>
-          </a:fontRef>
-        </p:style>
-        <p:txBody>
-          <a:bodyPr rtlCol="0" anchor="ctr"/>
-          <a:lstStyle/>
-          <a:p>
-            <a:pPr algn="ctr"/>
-            <a:endParaRPr lang="zh-CN" altLang="en-US"/>
-          </a:p>
-        </p:txBody>
-      </p:sp>
-      <p:sp>
-        <p:nvSpPr>
-          <p:cNvPr id="4" name="文本框 3"/>
-          <p:cNvSpPr txBox="1"/>
-          <p:nvPr/>
-        </p:nvSpPr>
-        <p:spPr>
-          <a:xfrm>
-            <a:off x="570230" y="427990"/>
-            <a:ext cx="4298315" cy="701040"/>
-          </a:xfrm>
-          <a:prstGeom prst="rect">
-            <a:avLst/>
-          </a:prstGeom>
-          <a:noFill/>
-        </p:spPr>
-        <p:txBody>
-          <a:bodyPr wrap="square" rtlCol="0">
-            <a:spAutoFit/>
-          </a:bodyPr>
-          <a:lstStyle/>
-          <a:p>
-            <a:r>
-              <a:rPr lang="zh-CN" altLang="en-US" sz="4000" dirty="0" smtClean="0">
-                <a:solidFill>
-                  <a:schemeClr val="bg1"/>
-                </a:solidFill>
-              </a:rPr>
-              <a:t>关卡细节</a:t>
-            </a:r>
-            <a:endParaRPr lang="zh-CN" altLang="zh-CN" sz="4000" dirty="0">
-              <a:solidFill>
-                <a:schemeClr val="bg1"/>
-              </a:solidFill>
-            </a:endParaRPr>
-          </a:p>
-        </p:txBody>
-      </p:sp>
-      <p:sp>
-        <p:nvSpPr>
-          <p:cNvPr id="9" name="页脚占位符 8"/>
-          <p:cNvSpPr>
-            <a:spLocks noGrp="1"/>
-          </p:cNvSpPr>
-          <p:nvPr>
-            <p:ph type="ftr" sz="quarter" idx="11"/>
-          </p:nvPr>
-        </p:nvSpPr>
-        <p:spPr>
-          <a:xfrm>
-            <a:off x="10880090" y="6596380"/>
-            <a:ext cx="1311910" cy="245110"/>
-          </a:xfrm>
-        </p:spPr>
-        <p:txBody>
-          <a:bodyPr/>
-          <a:lstStyle/>
-          <a:p>
-            <a:r>
-              <a:rPr lang="zh-CN" altLang="en-US"/>
-              <a:t>三人开发小组</a:t>
-            </a:r>
-          </a:p>
-        </p:txBody>
-      </p:sp>
-      <p:sp>
-        <p:nvSpPr>
-          <p:cNvPr id="5" name="圆角矩形 4"/>
-          <p:cNvSpPr/>
-          <p:nvPr/>
-        </p:nvSpPr>
-        <p:spPr>
-          <a:xfrm>
-            <a:off x="237720" y="1922806"/>
-            <a:ext cx="1160780" cy="456565"/>
-          </a:xfrm>
-          <a:prstGeom prst="roundRect">
-            <a:avLst/>
-          </a:prstGeom>
-        </p:spPr>
-        <p:style>
-          <a:lnRef idx="2">
-            <a:schemeClr val="accent1">
-              <a:shade val="50000"/>
-            </a:schemeClr>
-          </a:lnRef>
-          <a:fillRef idx="1">
-            <a:schemeClr val="accent1"/>
-          </a:fillRef>
-          <a:effectRef idx="0">
-            <a:schemeClr val="accent1"/>
-          </a:effectRef>
-          <a:fontRef idx="minor">
-            <a:schemeClr val="lt1"/>
-          </a:fontRef>
-        </p:style>
-        <p:txBody>
-          <a:bodyPr rtlCol="0" anchor="ctr"/>
-          <a:lstStyle/>
-          <a:p>
-            <a:pPr algn="ctr"/>
-            <a:r>
-              <a:rPr lang="zh-CN" altLang="en-US" dirty="0"/>
-              <a:t>找</a:t>
-            </a:r>
-            <a:r>
-              <a:rPr lang="zh-CN" altLang="en-US" dirty="0" smtClean="0"/>
-              <a:t>到张辉</a:t>
-            </a:r>
-            <a:endParaRPr lang="zh-CN" altLang="en-US" dirty="0"/>
-          </a:p>
-        </p:txBody>
-      </p:sp>
-      <p:sp>
-        <p:nvSpPr>
-          <p:cNvPr id="7" name="圆角矩形 4"/>
-          <p:cNvSpPr/>
-          <p:nvPr/>
-        </p:nvSpPr>
-        <p:spPr>
-          <a:xfrm>
-            <a:off x="237720" y="3068373"/>
-            <a:ext cx="1160780" cy="456565"/>
-          </a:xfrm>
-          <a:prstGeom prst="roundRect">
-            <a:avLst/>
-          </a:prstGeom>
-        </p:spPr>
-        <p:style>
-          <a:lnRef idx="2">
-            <a:schemeClr val="accent1">
-              <a:shade val="50000"/>
-            </a:schemeClr>
-          </a:lnRef>
-          <a:fillRef idx="1">
-            <a:schemeClr val="accent1"/>
-          </a:fillRef>
-          <a:effectRef idx="0">
-            <a:schemeClr val="accent1"/>
-          </a:effectRef>
-          <a:fontRef idx="minor">
-            <a:schemeClr val="lt1"/>
-          </a:fontRef>
-        </p:style>
-        <p:txBody>
-          <a:bodyPr rtlCol="0" anchor="ctr"/>
-          <a:lstStyle/>
-          <a:p>
-            <a:pPr algn="ctr"/>
-            <a:r>
-              <a:rPr lang="zh-CN" altLang="en-US" dirty="0" smtClean="0"/>
-              <a:t>张辉没钱</a:t>
-            </a:r>
-            <a:endParaRPr lang="zh-CN" altLang="en-US" dirty="0"/>
-          </a:p>
-        </p:txBody>
-      </p:sp>
-      <p:sp>
-        <p:nvSpPr>
-          <p:cNvPr id="8" name="圆角矩形 4"/>
-          <p:cNvSpPr/>
-          <p:nvPr/>
-        </p:nvSpPr>
-        <p:spPr>
-          <a:xfrm>
-            <a:off x="237720" y="4318555"/>
-            <a:ext cx="1160780" cy="456565"/>
-          </a:xfrm>
-          <a:prstGeom prst="roundRect">
-            <a:avLst/>
-          </a:prstGeom>
-        </p:spPr>
-        <p:style>
-          <a:lnRef idx="2">
-            <a:schemeClr val="accent1">
-              <a:shade val="50000"/>
-            </a:schemeClr>
-          </a:lnRef>
-          <a:fillRef idx="1">
-            <a:schemeClr val="accent1"/>
-          </a:fillRef>
-          <a:effectRef idx="0">
-            <a:schemeClr val="accent1"/>
-          </a:effectRef>
-          <a:fontRef idx="minor">
-            <a:schemeClr val="lt1"/>
-          </a:fontRef>
-        </p:style>
-        <p:txBody>
-          <a:bodyPr rtlCol="0" anchor="ctr"/>
-          <a:lstStyle/>
-          <a:p>
-            <a:pPr algn="ctr"/>
-            <a:r>
-              <a:rPr lang="zh-CN" altLang="en-US" sz="1200" dirty="0"/>
-              <a:t>调</a:t>
-            </a:r>
-            <a:r>
-              <a:rPr lang="zh-CN" altLang="en-US" sz="1200" dirty="0" smtClean="0"/>
-              <a:t>查得知女友与老余有染</a:t>
-            </a:r>
-            <a:endParaRPr lang="zh-CN" altLang="en-US" sz="1200" dirty="0"/>
-          </a:p>
-        </p:txBody>
-      </p:sp>
-      <p:sp>
-        <p:nvSpPr>
-          <p:cNvPr id="11" name="圆角矩形 4"/>
-          <p:cNvSpPr/>
-          <p:nvPr/>
-        </p:nvSpPr>
-        <p:spPr>
-          <a:xfrm>
-            <a:off x="237720" y="5608537"/>
-            <a:ext cx="1160780" cy="456565"/>
-          </a:xfrm>
-          <a:prstGeom prst="roundRect">
-            <a:avLst/>
-          </a:prstGeom>
-        </p:spPr>
-        <p:style>
-          <a:lnRef idx="2">
-            <a:schemeClr val="accent1">
-              <a:shade val="50000"/>
-            </a:schemeClr>
-          </a:lnRef>
-          <a:fillRef idx="1">
-            <a:schemeClr val="accent1"/>
-          </a:fillRef>
-          <a:effectRef idx="0">
-            <a:schemeClr val="accent1"/>
-          </a:effectRef>
-          <a:fontRef idx="minor">
-            <a:schemeClr val="lt1"/>
-          </a:fontRef>
-        </p:style>
-        <p:txBody>
-          <a:bodyPr rtlCol="0" anchor="ctr"/>
-          <a:lstStyle/>
-          <a:p>
-            <a:pPr algn="ctr"/>
-            <a:r>
-              <a:rPr lang="zh-CN" altLang="en-US" sz="1200" dirty="0" smtClean="0"/>
-              <a:t>张辉愤怒分手拿回自己的钱</a:t>
-            </a:r>
-            <a:endParaRPr lang="zh-CN" altLang="en-US" sz="1200" dirty="0"/>
-          </a:p>
-        </p:txBody>
-      </p:sp>
-      <p:sp>
-        <p:nvSpPr>
-          <p:cNvPr id="14" name="矩形 13"/>
-          <p:cNvSpPr/>
-          <p:nvPr/>
-        </p:nvSpPr>
-        <p:spPr>
-          <a:xfrm>
-            <a:off x="1757548" y="1328420"/>
-            <a:ext cx="9666515" cy="461483"/>
-          </a:xfrm>
-          <a:prstGeom prst="rect">
-            <a:avLst/>
-          </a:prstGeom>
-        </p:spPr>
-        <p:style>
-          <a:lnRef idx="2">
-            <a:schemeClr val="accent1">
-              <a:shade val="50000"/>
-            </a:schemeClr>
-          </a:lnRef>
-          <a:fillRef idx="1">
-            <a:schemeClr val="accent1"/>
-          </a:fillRef>
-          <a:effectRef idx="0">
-            <a:schemeClr val="accent1"/>
-          </a:effectRef>
-          <a:fontRef idx="minor">
-            <a:schemeClr val="lt1"/>
-          </a:fontRef>
-        </p:style>
-        <p:txBody>
-          <a:bodyPr rtlCol="0" anchor="ctr"/>
-          <a:lstStyle/>
-          <a:p>
-            <a:r>
-              <a:rPr kumimoji="1" lang="en-US" altLang="zh-CN" sz="1400" dirty="0" smtClean="0"/>
-              <a:t>NPC1(</a:t>
-            </a:r>
-            <a:r>
-              <a:rPr kumimoji="1" lang="zh-CN" altLang="en-US" sz="1400" dirty="0" smtClean="0"/>
-              <a:t>老余</a:t>
-            </a:r>
-            <a:r>
-              <a:rPr kumimoji="1" lang="en-US" altLang="zh-CN" sz="1400" dirty="0" smtClean="0"/>
-              <a:t>)</a:t>
-            </a:r>
-            <a:r>
-              <a:rPr kumimoji="1" lang="zh-CN" altLang="en-US" sz="1400" dirty="0" smtClean="0"/>
-              <a:t>   信息：张辉家的位置、老余对张辉的不屑、女主播正在教训张辉、老余比张辉哪点都强</a:t>
-            </a:r>
-            <a:endParaRPr kumimoji="1" lang="zh-CN" altLang="en-US" sz="1400" dirty="0"/>
-          </a:p>
-        </p:txBody>
-      </p:sp>
-      <p:sp>
-        <p:nvSpPr>
-          <p:cNvPr id="15" name="矩形 14"/>
-          <p:cNvSpPr/>
-          <p:nvPr/>
-        </p:nvSpPr>
-        <p:spPr>
-          <a:xfrm>
-            <a:off x="1745674" y="2042507"/>
-            <a:ext cx="9678389" cy="574836"/>
-          </a:xfrm>
-          <a:prstGeom prst="rect">
-            <a:avLst/>
-          </a:prstGeom>
-        </p:spPr>
-        <p:style>
-          <a:lnRef idx="2">
-            <a:schemeClr val="accent1">
-              <a:shade val="50000"/>
-            </a:schemeClr>
-          </a:lnRef>
-          <a:fillRef idx="1">
-            <a:schemeClr val="accent1"/>
-          </a:fillRef>
-          <a:effectRef idx="0">
-            <a:schemeClr val="accent1"/>
-          </a:effectRef>
-          <a:fontRef idx="minor">
-            <a:schemeClr val="lt1"/>
-          </a:fontRef>
-        </p:style>
-        <p:txBody>
-          <a:bodyPr rtlCol="0" anchor="ctr"/>
-          <a:lstStyle/>
-          <a:p>
-            <a:r>
-              <a:rPr kumimoji="1" lang="zh-CN" altLang="en-US" sz="1400" dirty="0"/>
-              <a:t>场景：张辉跪在地上，女主播</a:t>
-            </a:r>
-            <a:r>
-              <a:rPr kumimoji="1" lang="zh-CN" altLang="en-US" sz="1400" dirty="0" smtClean="0"/>
-              <a:t>训斥</a:t>
-            </a:r>
-            <a:endParaRPr kumimoji="1" lang="zh-CN" altLang="en-US" sz="1400" dirty="0"/>
-          </a:p>
-        </p:txBody>
-      </p:sp>
-      <p:cxnSp>
-        <p:nvCxnSpPr>
-          <p:cNvPr id="17" name="直线箭头连接符 16"/>
-          <p:cNvCxnSpPr>
-            <a:stCxn id="14" idx="2"/>
-            <a:endCxn id="15" idx="0"/>
-          </p:cNvCxnSpPr>
-          <p:nvPr/>
-        </p:nvCxnSpPr>
-        <p:spPr>
-          <a:xfrm flipH="1">
-            <a:off x="6584869" y="1789903"/>
-            <a:ext cx="5937" cy="252604"/>
-          </a:xfrm>
-          <a:prstGeom prst="straightConnector1">
-            <a:avLst/>
-          </a:prstGeom>
-          <a:ln>
-            <a:tailEnd type="triangle"/>
-          </a:ln>
-        </p:spPr>
-        <p:style>
-          <a:lnRef idx="1">
-            <a:schemeClr val="accent1"/>
-          </a:lnRef>
-          <a:fillRef idx="0">
-            <a:schemeClr val="accent1"/>
-          </a:fillRef>
-          <a:effectRef idx="0">
-            <a:schemeClr val="accent1"/>
-          </a:effectRef>
-          <a:fontRef idx="minor">
-            <a:schemeClr val="tx1"/>
-          </a:fontRef>
-        </p:style>
-      </p:cxnSp>
-      <p:sp>
-        <p:nvSpPr>
-          <p:cNvPr id="20" name="左大括号 19"/>
-          <p:cNvSpPr/>
-          <p:nvPr/>
-        </p:nvSpPr>
-        <p:spPr>
-          <a:xfrm>
-            <a:off x="1398500" y="1413164"/>
-            <a:ext cx="347174" cy="1204179"/>
-          </a:xfrm>
-          <a:prstGeom prst="leftBrace">
-            <a:avLst/>
-          </a:prstGeom>
-        </p:spPr>
-        <p:style>
-          <a:lnRef idx="1">
-            <a:schemeClr val="accent1"/>
-          </a:lnRef>
-          <a:fillRef idx="0">
-            <a:schemeClr val="accent1"/>
-          </a:fillRef>
-          <a:effectRef idx="0">
-            <a:schemeClr val="accent1"/>
-          </a:effectRef>
-          <a:fontRef idx="minor">
-            <a:schemeClr val="tx1"/>
-          </a:fontRef>
-        </p:style>
-        <p:txBody>
-          <a:bodyPr rtlCol="0" anchor="ctr"/>
-          <a:lstStyle/>
-          <a:p>
-            <a:pPr algn="ctr"/>
-            <a:endParaRPr kumimoji="1" lang="zh-CN" altLang="en-US"/>
-          </a:p>
-        </p:txBody>
-      </p:sp>
-      <p:sp>
-        <p:nvSpPr>
-          <p:cNvPr id="21" name="矩形 20"/>
-          <p:cNvSpPr/>
-          <p:nvPr/>
-        </p:nvSpPr>
-        <p:spPr>
-          <a:xfrm>
-            <a:off x="1745674" y="2985342"/>
-            <a:ext cx="9512134" cy="783771"/>
-          </a:xfrm>
-          <a:prstGeom prst="rect">
-            <a:avLst/>
-          </a:prstGeom>
-        </p:spPr>
-        <p:style>
-          <a:lnRef idx="2">
-            <a:schemeClr val="accent1">
-              <a:shade val="50000"/>
-            </a:schemeClr>
-          </a:lnRef>
-          <a:fillRef idx="1">
-            <a:schemeClr val="accent1"/>
-          </a:fillRef>
-          <a:effectRef idx="0">
-            <a:schemeClr val="accent1"/>
-          </a:effectRef>
-          <a:fontRef idx="minor">
-            <a:schemeClr val="lt1"/>
-          </a:fontRef>
-        </p:style>
-        <p:txBody>
-          <a:bodyPr rtlCol="0" anchor="ctr"/>
-          <a:lstStyle/>
-          <a:p>
-            <a:r>
-              <a:rPr kumimoji="1" lang="en-US" altLang="zh-CN" sz="1400" dirty="0" smtClean="0"/>
-              <a:t>NPC2</a:t>
-            </a:r>
-            <a:r>
-              <a:rPr kumimoji="1" lang="zh-CN" altLang="en-US" sz="1400" dirty="0" smtClean="0"/>
-              <a:t>张辉：没钱再通融几天 </a:t>
-            </a:r>
-            <a:r>
-              <a:rPr kumimoji="1" lang="zh-CN" altLang="en-US" sz="1400" dirty="0"/>
-              <a:t>。</a:t>
-            </a:r>
-            <a:r>
-              <a:rPr kumimoji="1" lang="zh-CN" altLang="en-US" sz="1400" dirty="0" smtClean="0"/>
-              <a:t>女友出去后：钱全在母老虎哪里，你去找她要。</a:t>
-            </a:r>
-            <a:endParaRPr kumimoji="1" lang="en-US" altLang="zh-CN" sz="1400" dirty="0"/>
-          </a:p>
-          <a:p>
-            <a:r>
-              <a:rPr kumimoji="1" lang="en-US" altLang="zh-CN" sz="1400" dirty="0" smtClean="0"/>
-              <a:t>NPC3</a:t>
-            </a:r>
-            <a:r>
-              <a:rPr kumimoji="1" lang="zh-CN" altLang="en-US" sz="1400" dirty="0" smtClean="0"/>
-              <a:t>女主播：老娘没钱，摔门而出。</a:t>
-            </a:r>
-            <a:endParaRPr kumimoji="1" lang="zh-CN" altLang="en-US" sz="1400" dirty="0"/>
-          </a:p>
-        </p:txBody>
-      </p:sp>
-      <p:sp>
-        <p:nvSpPr>
-          <p:cNvPr id="22" name="矩形 21"/>
-          <p:cNvSpPr/>
-          <p:nvPr/>
-        </p:nvSpPr>
-        <p:spPr>
-          <a:xfrm>
-            <a:off x="1757548" y="4047882"/>
-            <a:ext cx="9512134" cy="1117959"/>
-          </a:xfrm>
-          <a:prstGeom prst="rect">
-            <a:avLst/>
-          </a:prstGeom>
-        </p:spPr>
-        <p:style>
-          <a:lnRef idx="2">
-            <a:schemeClr val="accent1">
-              <a:shade val="50000"/>
-            </a:schemeClr>
-          </a:lnRef>
-          <a:fillRef idx="1">
-            <a:schemeClr val="accent1"/>
-          </a:fillRef>
-          <a:effectRef idx="0">
-            <a:schemeClr val="accent1"/>
-          </a:effectRef>
-          <a:fontRef idx="minor">
-            <a:schemeClr val="lt1"/>
-          </a:fontRef>
-        </p:style>
-        <p:txBody>
-          <a:bodyPr rtlCol="0" anchor="ctr"/>
-          <a:lstStyle/>
-          <a:p>
-            <a:r>
-              <a:rPr kumimoji="1" lang="zh-CN" altLang="en-US" sz="1400" dirty="0" smtClean="0"/>
-              <a:t>寻找</a:t>
-            </a:r>
-            <a:r>
-              <a:rPr kumimoji="1" lang="en-US" altLang="zh-CN" sz="1400" dirty="0" smtClean="0"/>
-              <a:t>NPC3</a:t>
-            </a:r>
-            <a:r>
-              <a:rPr kumimoji="1" lang="zh-CN" altLang="en-US" sz="1400" dirty="0" smtClean="0"/>
-              <a:t>，发现在</a:t>
-            </a:r>
-            <a:r>
-              <a:rPr kumimoji="1" lang="en-US" altLang="zh-CN" sz="1400" dirty="0" smtClean="0"/>
-              <a:t>NPC1</a:t>
-            </a:r>
-            <a:r>
-              <a:rPr kumimoji="1" lang="zh-CN" altLang="en-US" sz="1400" dirty="0" smtClean="0"/>
-              <a:t>家里和老余诉苦，再次要钱</a:t>
-            </a:r>
-            <a:r>
-              <a:rPr kumimoji="1" lang="en-US" altLang="zh-CN" sz="1400" dirty="0" smtClean="0"/>
-              <a:t>NPC1</a:t>
-            </a:r>
-            <a:r>
-              <a:rPr kumimoji="1" lang="zh-CN" altLang="en-US" sz="1400" dirty="0" smtClean="0"/>
-              <a:t>在一旁帮腔，主角被轰出门外。</a:t>
-            </a:r>
-            <a:endParaRPr kumimoji="1" lang="en-US" altLang="zh-CN" sz="1400" dirty="0" smtClean="0"/>
-          </a:p>
-          <a:p>
-            <a:r>
-              <a:rPr kumimoji="1" lang="en-US" altLang="zh-CN" sz="1400" dirty="0" smtClean="0"/>
-              <a:t>NPC4(</a:t>
-            </a:r>
-            <a:r>
-              <a:rPr kumimoji="1" lang="zh-CN" altLang="en-US" sz="1400" dirty="0" smtClean="0"/>
-              <a:t>嗑瓜子的阿婆</a:t>
-            </a:r>
-            <a:r>
-              <a:rPr kumimoji="1" lang="en-US" altLang="zh-CN" sz="1400" dirty="0" smtClean="0"/>
-              <a:t>)</a:t>
-            </a:r>
-            <a:r>
-              <a:rPr kumimoji="1" lang="zh-CN" altLang="en-US" sz="1400" dirty="0" smtClean="0"/>
-              <a:t>： 信息：</a:t>
-            </a:r>
-            <a:r>
-              <a:rPr kumimoji="1" lang="en-US" altLang="zh-CN" sz="1400" dirty="0" smtClean="0"/>
-              <a:t>NPC1</a:t>
-            </a:r>
-            <a:r>
-              <a:rPr kumimoji="1" lang="zh-CN" altLang="en-US" sz="1400" dirty="0" smtClean="0"/>
-              <a:t>老实憨厚，</a:t>
-            </a:r>
-            <a:r>
-              <a:rPr kumimoji="1" lang="en-US" altLang="zh-CN" sz="1400" dirty="0" smtClean="0"/>
-              <a:t>NPC3</a:t>
-            </a:r>
-            <a:r>
-              <a:rPr kumimoji="1" lang="zh-CN" altLang="en-US" sz="1400" dirty="0" smtClean="0"/>
-              <a:t>经常趁其通宵加班去</a:t>
-            </a:r>
-            <a:r>
-              <a:rPr kumimoji="1" lang="en-US" altLang="zh-CN" sz="1400" dirty="0" smtClean="0"/>
-              <a:t>NPC1</a:t>
-            </a:r>
-            <a:r>
-              <a:rPr kumimoji="1" lang="zh-CN" altLang="en-US" sz="1400" dirty="0" smtClean="0"/>
-              <a:t>屋里</a:t>
-            </a:r>
-            <a:endParaRPr kumimoji="1" lang="en-US" altLang="zh-CN" sz="1400" dirty="0" smtClean="0"/>
-          </a:p>
-          <a:p>
-            <a:r>
-              <a:rPr kumimoji="1" lang="zh-CN" altLang="en-US" sz="1400" dirty="0" smtClean="0"/>
-              <a:t>花钱买棒棒糖</a:t>
-            </a:r>
-            <a:r>
-              <a:rPr kumimoji="1" lang="en-US" altLang="zh-CN" sz="1400" dirty="0" smtClean="0"/>
-              <a:t>fromNPC5</a:t>
-            </a:r>
-            <a:r>
-              <a:rPr kumimoji="1" lang="zh-CN" altLang="en-US" sz="1400" dirty="0" smtClean="0"/>
-              <a:t>（商店老板）让</a:t>
-            </a:r>
-            <a:r>
-              <a:rPr kumimoji="1" lang="en-US" altLang="zh-CN" sz="1400" dirty="0" smtClean="0"/>
-              <a:t>NPC6</a:t>
-            </a:r>
-            <a:r>
-              <a:rPr kumimoji="1" lang="zh-CN" altLang="en-US" sz="1400" dirty="0" smtClean="0"/>
-              <a:t>（小孩）骗</a:t>
-            </a:r>
-            <a:r>
-              <a:rPr kumimoji="1" lang="en-US" altLang="zh-CN" sz="1400" dirty="0" smtClean="0"/>
-              <a:t>NPC1</a:t>
-            </a:r>
-            <a:r>
-              <a:rPr kumimoji="1" lang="zh-CN" altLang="en-US" sz="1400" dirty="0" smtClean="0"/>
-              <a:t>出门与</a:t>
-            </a:r>
-            <a:r>
-              <a:rPr kumimoji="1" lang="en-US" altLang="zh-CN" sz="1400" dirty="0" smtClean="0"/>
-              <a:t>NPC3</a:t>
-            </a:r>
-            <a:r>
-              <a:rPr kumimoji="1" lang="zh-CN" altLang="en-US" sz="1400" dirty="0" smtClean="0"/>
-              <a:t>出门约会，进入</a:t>
-            </a:r>
-            <a:r>
-              <a:rPr kumimoji="1" lang="en-US" altLang="zh-CN" sz="1400" dirty="0" smtClean="0"/>
-              <a:t>NPC1</a:t>
-            </a:r>
-            <a:r>
-              <a:rPr kumimoji="1" lang="zh-CN" altLang="en-US" sz="1400" dirty="0" smtClean="0"/>
-              <a:t>家中获取出轨证据</a:t>
-            </a:r>
-            <a:endParaRPr kumimoji="1" lang="en-US" altLang="zh-CN" sz="1400" dirty="0"/>
-          </a:p>
-          <a:p>
-            <a:endParaRPr kumimoji="1" lang="zh-CN" altLang="en-US" sz="1400" dirty="0"/>
-          </a:p>
-        </p:txBody>
-      </p:sp>
-      <p:sp>
-        <p:nvSpPr>
-          <p:cNvPr id="23" name="矩形 22"/>
-          <p:cNvSpPr/>
-          <p:nvPr/>
-        </p:nvSpPr>
-        <p:spPr>
-          <a:xfrm>
-            <a:off x="1757548" y="5457244"/>
-            <a:ext cx="9512134" cy="1104406"/>
-          </a:xfrm>
-          <a:prstGeom prst="rect">
-            <a:avLst/>
-          </a:prstGeom>
-        </p:spPr>
-        <p:style>
-          <a:lnRef idx="2">
-            <a:schemeClr val="accent1">
-              <a:shade val="50000"/>
-            </a:schemeClr>
-          </a:lnRef>
-          <a:fillRef idx="1">
-            <a:schemeClr val="accent1"/>
-          </a:fillRef>
-          <a:effectRef idx="0">
-            <a:schemeClr val="accent1"/>
-          </a:effectRef>
-          <a:fontRef idx="minor">
-            <a:schemeClr val="lt1"/>
-          </a:fontRef>
-        </p:style>
-        <p:txBody>
-          <a:bodyPr rtlCol="0" anchor="ctr"/>
-          <a:lstStyle/>
-          <a:p>
-            <a:r>
-              <a:rPr kumimoji="1" lang="zh-CN" altLang="en-US" sz="1400" dirty="0" smtClean="0"/>
-              <a:t>将证据交给张辉，张辉决定分手，但是不知道女友把钱放在什么地方。</a:t>
-            </a:r>
-            <a:endParaRPr kumimoji="1" lang="en-US" altLang="zh-CN" sz="1400" dirty="0" smtClean="0"/>
-          </a:p>
-          <a:p>
-            <a:endParaRPr kumimoji="1" lang="en-US" altLang="zh-CN" sz="1400" dirty="0"/>
-          </a:p>
-          <a:p>
-            <a:endParaRPr kumimoji="1" lang="en-US" altLang="zh-CN" sz="1400" dirty="0" smtClean="0"/>
-          </a:p>
-          <a:p>
-            <a:endParaRPr kumimoji="1" lang="zh-CN" altLang="en-US" sz="1400" dirty="0"/>
-          </a:p>
-        </p:txBody>
-      </p:sp>
-    </p:spTree>
-    <p:extLst>
-      <p:ext uri="{BB962C8B-B14F-4D97-AF65-F5344CB8AC3E}">
-        <p14:creationId xmlns:p14="http://schemas.microsoft.com/office/powerpoint/2010/main" val="495104102"/>
-      </p:ext>
-    </p:extLst>
-  </p:cSld>
-  <p:clrMapOvr>
-    <a:masterClrMapping/>
-  </p:clrMapOvr>
-  <p:timing>
-    <p:tnLst>
-      <p:par>
-        <p:cTn id="1" dur="indefinite" restart="never" nodeType="tmRoot"/>
-      </p:par>
-    </p:tnLst>
-  </p:timing>
-</p:sld>
-</file>
-
-<file path=ppt/slides/slide6.xml><?xml version="1.0" encoding="utf-8"?>
-<p:sld xmlns:a="http://schemas.openxmlformats.org/drawingml/2006/main" xmlns:r="http://schemas.openxmlformats.org/officeDocument/2006/relationships" xmlns:p="http://schemas.openxmlformats.org/presentationml/2006/main">
-  <p:cSld>
-    <p:spTree>
-      <p:nvGrpSpPr>
-        <p:cNvPr id="1" name=""/>
-        <p:cNvGrpSpPr/>
-        <p:nvPr/>
-      </p:nvGrpSpPr>
-      <p:grpSpPr>
-        <a:xfrm>
-          <a:off x="0" y="0"/>
-          <a:ext cx="0" cy="0"/>
-          <a:chOff x="0" y="0"/>
-          <a:chExt cx="0" cy="0"/>
-        </a:xfrm>
-      </p:grpSpPr>
-      <p:sp>
-        <p:nvSpPr>
-          <p:cNvPr id="4" name="Footer Placeholder 3"/>
-          <p:cNvSpPr>
-            <a:spLocks noGrp="1"/>
-          </p:cNvSpPr>
-          <p:nvPr>
-            <p:ph type="ftr" sz="quarter" idx="11"/>
-          </p:nvPr>
-        </p:nvSpPr>
-        <p:spPr/>
-        <p:txBody>
-          <a:bodyPr/>
-          <a:lstStyle/>
-          <a:p>
-            <a:r>
-              <a:rPr lang="zh-CN" altLang="en-US" smtClean="0"/>
-              <a:t>三人开发小组</a:t>
-            </a:r>
-            <a:endParaRPr lang="zh-CN" altLang="en-US"/>
-          </a:p>
-        </p:txBody>
-      </p:sp>
-      <p:sp>
-        <p:nvSpPr>
-          <p:cNvPr id="5" name="Rounded Rectangle 4"/>
-          <p:cNvSpPr/>
-          <p:nvPr/>
-        </p:nvSpPr>
-        <p:spPr>
-          <a:xfrm>
-            <a:off x="222190" y="3025212"/>
-            <a:ext cx="1649338" cy="658026"/>
-          </a:xfrm>
-          <a:prstGeom prst="roundRect">
-            <a:avLst/>
-          </a:prstGeom>
-        </p:spPr>
-        <p:style>
-          <a:lnRef idx="2">
-            <a:schemeClr val="accent1">
-              <a:shade val="50000"/>
-            </a:schemeClr>
-          </a:lnRef>
-          <a:fillRef idx="1">
-            <a:schemeClr val="accent1"/>
-          </a:fillRef>
-          <a:effectRef idx="0">
-            <a:schemeClr val="accent1"/>
-          </a:effectRef>
-          <a:fontRef idx="minor">
-            <a:schemeClr val="lt1"/>
-          </a:fontRef>
-        </p:style>
-        <p:txBody>
-          <a:bodyPr rtlCol="0" anchor="ctr"/>
-          <a:lstStyle/>
-          <a:p>
-            <a:pPr algn="ctr"/>
-            <a:r>
-              <a:rPr lang="zh-CN" altLang="en-US" dirty="0" smtClean="0"/>
-              <a:t>玩家出门</a:t>
-            </a:r>
-            <a:endParaRPr lang="zh-CN" altLang="en-US" dirty="0"/>
-          </a:p>
-        </p:txBody>
-      </p:sp>
-      <p:sp>
-        <p:nvSpPr>
-          <p:cNvPr id="6" name="Rounded Rectangle 5"/>
-          <p:cNvSpPr/>
-          <p:nvPr/>
-        </p:nvSpPr>
-        <p:spPr>
-          <a:xfrm>
-            <a:off x="2299531" y="3025212"/>
-            <a:ext cx="1649338" cy="658026"/>
-          </a:xfrm>
-          <a:prstGeom prst="roundRect">
-            <a:avLst/>
-          </a:prstGeom>
-        </p:spPr>
-        <p:style>
-          <a:lnRef idx="2">
-            <a:schemeClr val="accent1">
-              <a:shade val="50000"/>
-            </a:schemeClr>
-          </a:lnRef>
-          <a:fillRef idx="1">
-            <a:schemeClr val="accent1"/>
-          </a:fillRef>
-          <a:effectRef idx="0">
-            <a:schemeClr val="accent1"/>
-          </a:effectRef>
-          <a:fontRef idx="minor">
-            <a:schemeClr val="lt1"/>
-          </a:fontRef>
-        </p:style>
-        <p:txBody>
-          <a:bodyPr rtlCol="0" anchor="ctr"/>
-          <a:lstStyle/>
-          <a:p>
-            <a:pPr algn="ctr"/>
-            <a:r>
-              <a:rPr lang="zh-CN" altLang="en-US" dirty="0" smtClean="0"/>
-              <a:t>老余</a:t>
-            </a:r>
-            <a:endParaRPr lang="zh-CN" altLang="en-US" dirty="0"/>
-          </a:p>
-        </p:txBody>
-      </p:sp>
-      <p:sp>
-        <p:nvSpPr>
-          <p:cNvPr id="7" name="Rounded Rectangle 6"/>
-          <p:cNvSpPr/>
-          <p:nvPr/>
-        </p:nvSpPr>
-        <p:spPr>
-          <a:xfrm>
-            <a:off x="4376872" y="3025212"/>
-            <a:ext cx="1649338" cy="658026"/>
-          </a:xfrm>
-          <a:prstGeom prst="roundRect">
-            <a:avLst/>
-          </a:prstGeom>
-        </p:spPr>
-        <p:style>
-          <a:lnRef idx="2">
-            <a:schemeClr val="accent1">
-              <a:shade val="50000"/>
-            </a:schemeClr>
-          </a:lnRef>
-          <a:fillRef idx="1">
-            <a:schemeClr val="accent1"/>
-          </a:fillRef>
-          <a:effectRef idx="0">
-            <a:schemeClr val="accent1"/>
-          </a:effectRef>
-          <a:fontRef idx="minor">
-            <a:schemeClr val="lt1"/>
-          </a:fontRef>
-        </p:style>
-        <p:txBody>
-          <a:bodyPr rtlCol="0" anchor="ctr"/>
-          <a:lstStyle/>
-          <a:p>
-            <a:pPr algn="ctr"/>
-            <a:r>
-              <a:rPr lang="zh-CN" altLang="en-US" dirty="0"/>
-              <a:t>找</a:t>
-            </a:r>
-            <a:r>
-              <a:rPr lang="zh-CN" altLang="en-US" dirty="0" smtClean="0"/>
-              <a:t>到张辉和女主播</a:t>
-            </a:r>
-            <a:endParaRPr lang="zh-CN" altLang="en-US" dirty="0"/>
-          </a:p>
-        </p:txBody>
-      </p:sp>
-      <p:sp>
-        <p:nvSpPr>
-          <p:cNvPr id="8" name="Rounded Rectangle 7"/>
-          <p:cNvSpPr/>
-          <p:nvPr/>
-        </p:nvSpPr>
-        <p:spPr>
-          <a:xfrm>
-            <a:off x="6504062" y="3025212"/>
-            <a:ext cx="1649338" cy="658026"/>
-          </a:xfrm>
-          <a:prstGeom prst="roundRect">
-            <a:avLst/>
-          </a:prstGeom>
-        </p:spPr>
-        <p:style>
-          <a:lnRef idx="2">
-            <a:schemeClr val="accent1">
-              <a:shade val="50000"/>
-            </a:schemeClr>
-          </a:lnRef>
-          <a:fillRef idx="1">
-            <a:schemeClr val="accent1"/>
-          </a:fillRef>
-          <a:effectRef idx="0">
-            <a:schemeClr val="accent1"/>
-          </a:effectRef>
-          <a:fontRef idx="minor">
-            <a:schemeClr val="lt1"/>
-          </a:fontRef>
-        </p:style>
-        <p:txBody>
-          <a:bodyPr rtlCol="0" anchor="ctr"/>
-          <a:lstStyle/>
-          <a:p>
-            <a:pPr algn="ctr"/>
-            <a:r>
-              <a:rPr lang="zh-CN" altLang="en-US" dirty="0" smtClean="0"/>
-              <a:t>找到女主播和老余</a:t>
-            </a:r>
-            <a:endParaRPr lang="zh-CN" altLang="en-US" dirty="0"/>
-          </a:p>
-        </p:txBody>
-      </p:sp>
-      <p:cxnSp>
-        <p:nvCxnSpPr>
-          <p:cNvPr id="10" name="Straight Arrow Connector 9"/>
-          <p:cNvCxnSpPr>
-            <a:stCxn id="5" idx="3"/>
-            <a:endCxn id="6" idx="1"/>
-          </p:cNvCxnSpPr>
-          <p:nvPr/>
-        </p:nvCxnSpPr>
-        <p:spPr>
-          <a:xfrm>
-            <a:off x="1871528" y="3354225"/>
-            <a:ext cx="428003" cy="0"/>
-          </a:xfrm>
-          <a:prstGeom prst="straightConnector1">
-            <a:avLst/>
-          </a:prstGeom>
-          <a:ln>
-            <a:tailEnd type="triangle"/>
-          </a:ln>
-        </p:spPr>
-        <p:style>
-          <a:lnRef idx="1">
-            <a:schemeClr val="accent1"/>
-          </a:lnRef>
-          <a:fillRef idx="0">
-            <a:schemeClr val="accent1"/>
-          </a:fillRef>
-          <a:effectRef idx="0">
-            <a:schemeClr val="accent1"/>
-          </a:effectRef>
-          <a:fontRef idx="minor">
-            <a:schemeClr val="tx1"/>
-          </a:fontRef>
-        </p:style>
-      </p:cxnSp>
-      <p:sp>
-        <p:nvSpPr>
-          <p:cNvPr id="11" name="Rectangle 10"/>
-          <p:cNvSpPr/>
-          <p:nvPr/>
-        </p:nvSpPr>
-        <p:spPr>
-          <a:xfrm>
-            <a:off x="2371814" y="1880075"/>
-            <a:ext cx="1504772" cy="675118"/>
-          </a:xfrm>
-          <a:prstGeom prst="rect">
-            <a:avLst/>
-          </a:prstGeom>
-        </p:spPr>
-        <p:style>
-          <a:lnRef idx="2">
-            <a:schemeClr val="accent1">
-              <a:shade val="50000"/>
-            </a:schemeClr>
-          </a:lnRef>
-          <a:fillRef idx="1">
-            <a:schemeClr val="accent1"/>
-          </a:fillRef>
-          <a:effectRef idx="0">
-            <a:schemeClr val="accent1"/>
-          </a:effectRef>
-          <a:fontRef idx="minor">
-            <a:schemeClr val="lt1"/>
-          </a:fontRef>
-        </p:style>
-        <p:txBody>
-          <a:bodyPr rtlCol="0" anchor="ctr"/>
-          <a:lstStyle/>
-          <a:p>
-            <a:pPr algn="ctr"/>
-            <a:r>
-              <a:rPr lang="zh-CN" altLang="en-US" dirty="0" smtClean="0"/>
-              <a:t>获得张辉信息</a:t>
-            </a:r>
-            <a:endParaRPr lang="zh-CN" altLang="en-US" dirty="0"/>
-          </a:p>
-        </p:txBody>
-      </p:sp>
-      <p:cxnSp>
-        <p:nvCxnSpPr>
-          <p:cNvPr id="13" name="Straight Connector 12"/>
-          <p:cNvCxnSpPr>
-            <a:stCxn id="11" idx="2"/>
-            <a:endCxn id="6" idx="0"/>
-          </p:cNvCxnSpPr>
-          <p:nvPr/>
-        </p:nvCxnSpPr>
-        <p:spPr>
-          <a:xfrm>
-            <a:off x="3124200" y="2555193"/>
-            <a:ext cx="0" cy="470019"/>
-          </a:xfrm>
-          <a:prstGeom prst="line">
-            <a:avLst/>
-          </a:prstGeom>
-        </p:spPr>
-        <p:style>
-          <a:lnRef idx="1">
-            <a:schemeClr val="accent1"/>
-          </a:lnRef>
-          <a:fillRef idx="0">
-            <a:schemeClr val="accent1"/>
-          </a:fillRef>
-          <a:effectRef idx="0">
-            <a:schemeClr val="accent1"/>
-          </a:effectRef>
-          <a:fontRef idx="minor">
-            <a:schemeClr val="tx1"/>
-          </a:fontRef>
-        </p:style>
-      </p:cxnSp>
-      <p:sp>
-        <p:nvSpPr>
-          <p:cNvPr id="16" name="TextBox 15"/>
-          <p:cNvSpPr txBox="1"/>
-          <p:nvPr/>
-        </p:nvSpPr>
-        <p:spPr>
-          <a:xfrm>
-            <a:off x="3158739" y="2655880"/>
-            <a:ext cx="701467" cy="369332"/>
-          </a:xfrm>
-          <a:prstGeom prst="rect">
-            <a:avLst/>
-          </a:prstGeom>
-          <a:noFill/>
-        </p:spPr>
-        <p:txBody>
-          <a:bodyPr wrap="square" rtlCol="0">
-            <a:spAutoFit/>
-          </a:bodyPr>
-          <a:lstStyle/>
-          <a:p>
-            <a:r>
-              <a:rPr lang="zh-CN" altLang="en-US" dirty="0" smtClean="0"/>
-              <a:t>对话</a:t>
-            </a:r>
-            <a:endParaRPr lang="zh-CN" altLang="en-US" dirty="0"/>
-          </a:p>
-        </p:txBody>
-      </p:sp>
-      <p:cxnSp>
-        <p:nvCxnSpPr>
-          <p:cNvPr id="17" name="Straight Arrow Connector 16"/>
-          <p:cNvCxnSpPr/>
-          <p:nvPr/>
-        </p:nvCxnSpPr>
-        <p:spPr>
-          <a:xfrm>
-            <a:off x="3948869" y="3354225"/>
-            <a:ext cx="428003" cy="0"/>
-          </a:xfrm>
-          <a:prstGeom prst="straightConnector1">
-            <a:avLst/>
-          </a:prstGeom>
-          <a:ln>
-            <a:tailEnd type="triangle"/>
-          </a:ln>
-        </p:spPr>
-        <p:style>
-          <a:lnRef idx="1">
-            <a:schemeClr val="accent1"/>
-          </a:lnRef>
-          <a:fillRef idx="0">
-            <a:schemeClr val="accent1"/>
-          </a:fillRef>
-          <a:effectRef idx="0">
-            <a:schemeClr val="accent1"/>
-          </a:effectRef>
-          <a:fontRef idx="minor">
-            <a:schemeClr val="tx1"/>
-          </a:fontRef>
-        </p:style>
-      </p:cxnSp>
-      <p:sp>
-        <p:nvSpPr>
-          <p:cNvPr id="18" name="矩形 5"/>
-          <p:cNvSpPr/>
-          <p:nvPr/>
-        </p:nvSpPr>
-        <p:spPr>
-          <a:xfrm>
-            <a:off x="0" y="333375"/>
-            <a:ext cx="12192000" cy="900430"/>
-          </a:xfrm>
-          <a:prstGeom prst="rect">
-            <a:avLst/>
-          </a:prstGeom>
-          <a:solidFill>
-            <a:srgbClr val="00AE66"/>
-          </a:solidFill>
-          <a:ln>
-            <a:noFill/>
-          </a:ln>
-        </p:spPr>
-        <p:style>
-          <a:lnRef idx="2">
-            <a:schemeClr val="accent1">
-              <a:shade val="50000"/>
-            </a:schemeClr>
-          </a:lnRef>
-          <a:fillRef idx="1">
-            <a:schemeClr val="accent1"/>
-          </a:fillRef>
-          <a:effectRef idx="0">
-            <a:schemeClr val="accent1"/>
-          </a:effectRef>
-          <a:fontRef idx="minor">
-            <a:schemeClr val="lt1"/>
-          </a:fontRef>
-        </p:style>
-        <p:txBody>
-          <a:bodyPr rtlCol="0" anchor="ctr"/>
-          <a:lstStyle/>
-          <a:p>
-            <a:pPr algn="ctr"/>
-            <a:endParaRPr lang="zh-CN" altLang="en-US"/>
-          </a:p>
-        </p:txBody>
-      </p:sp>
-      <p:sp>
-        <p:nvSpPr>
-          <p:cNvPr id="19" name="文本框 3"/>
-          <p:cNvSpPr txBox="1"/>
-          <p:nvPr/>
-        </p:nvSpPr>
-        <p:spPr>
-          <a:xfrm>
-            <a:off x="570230" y="427990"/>
-            <a:ext cx="4298315" cy="701040"/>
-          </a:xfrm>
-          <a:prstGeom prst="rect">
-            <a:avLst/>
-          </a:prstGeom>
-          <a:noFill/>
-        </p:spPr>
-        <p:txBody>
-          <a:bodyPr wrap="square" rtlCol="0">
-            <a:spAutoFit/>
-          </a:bodyPr>
-          <a:lstStyle/>
-          <a:p>
-            <a:r>
-              <a:rPr lang="zh-CN" altLang="en-US" sz="4000" dirty="0" smtClean="0">
-                <a:solidFill>
-                  <a:schemeClr val="bg1"/>
-                </a:solidFill>
-              </a:rPr>
-              <a:t>关卡详细流程</a:t>
-            </a:r>
-            <a:endParaRPr lang="zh-CN" altLang="zh-CN" sz="4000" dirty="0">
-              <a:solidFill>
-                <a:schemeClr val="bg1"/>
-              </a:solidFill>
-            </a:endParaRPr>
-          </a:p>
-        </p:txBody>
-      </p:sp>
-      <p:sp>
-        <p:nvSpPr>
-          <p:cNvPr id="20" name="Rectangle 19"/>
-          <p:cNvSpPr/>
-          <p:nvPr/>
-        </p:nvSpPr>
-        <p:spPr>
-          <a:xfrm>
-            <a:off x="4521438" y="1880075"/>
-            <a:ext cx="1504772" cy="675118"/>
-          </a:xfrm>
-          <a:prstGeom prst="rect">
-            <a:avLst/>
-          </a:prstGeom>
-        </p:spPr>
-        <p:style>
-          <a:lnRef idx="2">
-            <a:schemeClr val="accent1">
-              <a:shade val="50000"/>
-            </a:schemeClr>
-          </a:lnRef>
-          <a:fillRef idx="1">
-            <a:schemeClr val="accent1"/>
-          </a:fillRef>
-          <a:effectRef idx="0">
-            <a:schemeClr val="accent1"/>
-          </a:effectRef>
-          <a:fontRef idx="minor">
-            <a:schemeClr val="lt1"/>
-          </a:fontRef>
-        </p:style>
-        <p:txBody>
-          <a:bodyPr rtlCol="0" anchor="ctr"/>
-          <a:lstStyle/>
-          <a:p>
-            <a:pPr algn="ctr"/>
-            <a:r>
-              <a:rPr lang="zh-CN" altLang="en-US" sz="1400" dirty="0"/>
-              <a:t>获</a:t>
-            </a:r>
-            <a:r>
-              <a:rPr lang="zh-CN" altLang="en-US" sz="1400" dirty="0" smtClean="0"/>
-              <a:t>得信息，张辉没钱，钱在女主播那里</a:t>
-            </a:r>
-            <a:endParaRPr lang="zh-CN" altLang="en-US" sz="1400" dirty="0"/>
-          </a:p>
-        </p:txBody>
-      </p:sp>
-      <p:cxnSp>
-        <p:nvCxnSpPr>
-          <p:cNvPr id="21" name="Straight Connector 20"/>
-          <p:cNvCxnSpPr>
-            <a:stCxn id="20" idx="2"/>
-          </p:cNvCxnSpPr>
-          <p:nvPr/>
-        </p:nvCxnSpPr>
-        <p:spPr>
-          <a:xfrm>
-            <a:off x="5273824" y="2555193"/>
-            <a:ext cx="0" cy="470019"/>
-          </a:xfrm>
-          <a:prstGeom prst="line">
-            <a:avLst/>
-          </a:prstGeom>
-        </p:spPr>
-        <p:style>
-          <a:lnRef idx="1">
-            <a:schemeClr val="accent1"/>
-          </a:lnRef>
-          <a:fillRef idx="0">
-            <a:schemeClr val="accent1"/>
-          </a:fillRef>
-          <a:effectRef idx="0">
-            <a:schemeClr val="accent1"/>
-          </a:effectRef>
-          <a:fontRef idx="minor">
-            <a:schemeClr val="tx1"/>
-          </a:fontRef>
-        </p:style>
-      </p:cxnSp>
-      <p:cxnSp>
-        <p:nvCxnSpPr>
-          <p:cNvPr id="22" name="Straight Arrow Connector 21"/>
-          <p:cNvCxnSpPr/>
-          <p:nvPr/>
-        </p:nvCxnSpPr>
-        <p:spPr>
-          <a:xfrm>
-            <a:off x="6076059" y="3354225"/>
-            <a:ext cx="428003" cy="0"/>
-          </a:xfrm>
-          <a:prstGeom prst="straightConnector1">
-            <a:avLst/>
-          </a:prstGeom>
-          <a:ln>
-            <a:tailEnd type="triangle"/>
-          </a:ln>
-        </p:spPr>
-        <p:style>
-          <a:lnRef idx="1">
-            <a:schemeClr val="accent1"/>
-          </a:lnRef>
-          <a:fillRef idx="0">
-            <a:schemeClr val="accent1"/>
-          </a:fillRef>
-          <a:effectRef idx="0">
-            <a:schemeClr val="accent1"/>
-          </a:effectRef>
-          <a:fontRef idx="minor">
-            <a:schemeClr val="tx1"/>
-          </a:fontRef>
-        </p:style>
-      </p:cxnSp>
-      <p:sp>
-        <p:nvSpPr>
-          <p:cNvPr id="23" name="TextBox 22"/>
-          <p:cNvSpPr txBox="1"/>
-          <p:nvPr/>
-        </p:nvSpPr>
-        <p:spPr>
-          <a:xfrm>
-            <a:off x="4722620" y="1390844"/>
-            <a:ext cx="1102407" cy="369332"/>
-          </a:xfrm>
-          <a:prstGeom prst="rect">
-            <a:avLst/>
-          </a:prstGeom>
-          <a:noFill/>
-        </p:spPr>
-        <p:txBody>
-          <a:bodyPr wrap="square" rtlCol="0">
-            <a:spAutoFit/>
-          </a:bodyPr>
-          <a:lstStyle/>
-          <a:p>
-            <a:r>
-              <a:rPr lang="zh-CN" altLang="en-US" dirty="0" smtClean="0"/>
-              <a:t>什么线索？</a:t>
-            </a:r>
-            <a:endParaRPr lang="en-US" altLang="zh-CN" dirty="0" smtClean="0"/>
-          </a:p>
-        </p:txBody>
-      </p:sp>
-      <p:sp>
-        <p:nvSpPr>
-          <p:cNvPr id="24" name="Rounded Rectangle 23"/>
-          <p:cNvSpPr/>
-          <p:nvPr/>
-        </p:nvSpPr>
-        <p:spPr>
-          <a:xfrm>
-            <a:off x="8581403" y="3025212"/>
-            <a:ext cx="1649338" cy="658026"/>
-          </a:xfrm>
-          <a:prstGeom prst="roundRect">
-            <a:avLst/>
-          </a:prstGeom>
-        </p:spPr>
-        <p:style>
-          <a:lnRef idx="2">
-            <a:schemeClr val="accent1">
-              <a:shade val="50000"/>
-            </a:schemeClr>
-          </a:lnRef>
-          <a:fillRef idx="1">
-            <a:schemeClr val="accent1"/>
-          </a:fillRef>
-          <a:effectRef idx="0">
-            <a:schemeClr val="accent1"/>
-          </a:effectRef>
-          <a:fontRef idx="minor">
-            <a:schemeClr val="lt1"/>
-          </a:fontRef>
-        </p:style>
-        <p:txBody>
-          <a:bodyPr rtlCol="0" anchor="ctr"/>
-          <a:lstStyle/>
-          <a:p>
-            <a:pPr algn="ctr"/>
-            <a:r>
-              <a:rPr lang="zh-CN" altLang="en-US" dirty="0" smtClean="0"/>
-              <a:t>找到阿婆</a:t>
-            </a:r>
-            <a:endParaRPr lang="en-US" altLang="zh-CN" dirty="0" smtClean="0"/>
-          </a:p>
-        </p:txBody>
-      </p:sp>
-      <p:cxnSp>
-        <p:nvCxnSpPr>
-          <p:cNvPr id="25" name="Straight Arrow Connector 24"/>
-          <p:cNvCxnSpPr/>
-          <p:nvPr/>
-        </p:nvCxnSpPr>
-        <p:spPr>
-          <a:xfrm>
-            <a:off x="8153400" y="3354225"/>
-            <a:ext cx="428003" cy="0"/>
-          </a:xfrm>
-          <a:prstGeom prst="straightConnector1">
-            <a:avLst/>
-          </a:prstGeom>
-          <a:ln>
-            <a:tailEnd type="triangle"/>
-          </a:ln>
-        </p:spPr>
-        <p:style>
-          <a:lnRef idx="1">
-            <a:schemeClr val="accent1"/>
-          </a:lnRef>
-          <a:fillRef idx="0">
-            <a:schemeClr val="accent1"/>
-          </a:fillRef>
-          <a:effectRef idx="0">
-            <a:schemeClr val="accent1"/>
-          </a:effectRef>
-          <a:fontRef idx="minor">
-            <a:schemeClr val="tx1"/>
-          </a:fontRef>
-        </p:style>
-      </p:cxnSp>
-      <p:sp>
-        <p:nvSpPr>
-          <p:cNvPr id="26" name="Rectangle 25"/>
-          <p:cNvSpPr/>
-          <p:nvPr/>
-        </p:nvSpPr>
-        <p:spPr>
-          <a:xfrm>
-            <a:off x="6598779" y="1880075"/>
-            <a:ext cx="1504772" cy="675118"/>
-          </a:xfrm>
-          <a:prstGeom prst="rect">
-            <a:avLst/>
-          </a:prstGeom>
-        </p:spPr>
-        <p:style>
-          <a:lnRef idx="2">
-            <a:schemeClr val="accent1">
-              <a:shade val="50000"/>
-            </a:schemeClr>
-          </a:lnRef>
-          <a:fillRef idx="1">
-            <a:schemeClr val="accent1"/>
-          </a:fillRef>
-          <a:effectRef idx="0">
-            <a:schemeClr val="accent1"/>
-          </a:effectRef>
-          <a:fontRef idx="minor">
-            <a:schemeClr val="lt1"/>
-          </a:fontRef>
-        </p:style>
-        <p:txBody>
-          <a:bodyPr rtlCol="0" anchor="ctr"/>
-          <a:lstStyle/>
-          <a:p>
-            <a:pPr algn="ctr"/>
-            <a:r>
-              <a:rPr lang="zh-CN" altLang="en-US" sz="1400" dirty="0"/>
-              <a:t>不给</a:t>
-            </a:r>
-            <a:r>
-              <a:rPr lang="zh-CN" altLang="en-US" sz="1400" dirty="0" smtClean="0"/>
-              <a:t>钱，轰出门外</a:t>
-            </a:r>
-            <a:endParaRPr lang="zh-CN" altLang="en-US" sz="1400" dirty="0"/>
-          </a:p>
-        </p:txBody>
-      </p:sp>
-      <p:cxnSp>
-        <p:nvCxnSpPr>
-          <p:cNvPr id="27" name="Straight Connector 26"/>
-          <p:cNvCxnSpPr>
-            <a:stCxn id="26" idx="2"/>
-          </p:cNvCxnSpPr>
-          <p:nvPr/>
-        </p:nvCxnSpPr>
-        <p:spPr>
-          <a:xfrm>
-            <a:off x="7351165" y="2555193"/>
-            <a:ext cx="0" cy="470019"/>
-          </a:xfrm>
-          <a:prstGeom prst="line">
-            <a:avLst/>
-          </a:prstGeom>
-        </p:spPr>
-        <p:style>
-          <a:lnRef idx="1">
-            <a:schemeClr val="accent1"/>
-          </a:lnRef>
-          <a:fillRef idx="0">
-            <a:schemeClr val="accent1"/>
-          </a:fillRef>
-          <a:effectRef idx="0">
-            <a:schemeClr val="accent1"/>
-          </a:effectRef>
-          <a:fontRef idx="minor">
-            <a:schemeClr val="tx1"/>
-          </a:fontRef>
-        </p:style>
-      </p:cxnSp>
-      <p:sp>
-        <p:nvSpPr>
-          <p:cNvPr id="28" name="Rectangle 27"/>
-          <p:cNvSpPr/>
-          <p:nvPr/>
-        </p:nvSpPr>
-        <p:spPr>
-          <a:xfrm>
-            <a:off x="8676120" y="1880075"/>
-            <a:ext cx="1504772" cy="675118"/>
-          </a:xfrm>
-          <a:prstGeom prst="rect">
-            <a:avLst/>
-          </a:prstGeom>
-        </p:spPr>
-        <p:style>
-          <a:lnRef idx="2">
-            <a:schemeClr val="accent1">
-              <a:shade val="50000"/>
-            </a:schemeClr>
-          </a:lnRef>
-          <a:fillRef idx="1">
-            <a:schemeClr val="accent1"/>
-          </a:fillRef>
-          <a:effectRef idx="0">
-            <a:schemeClr val="accent1"/>
-          </a:effectRef>
-          <a:fontRef idx="minor">
-            <a:schemeClr val="lt1"/>
-          </a:fontRef>
-        </p:style>
-        <p:txBody>
-          <a:bodyPr rtlCol="0" anchor="ctr"/>
-          <a:lstStyle/>
-          <a:p>
-            <a:pPr algn="ctr"/>
-            <a:r>
-              <a:rPr lang="zh-CN" altLang="en-US" sz="1400" dirty="0"/>
-              <a:t>获</a:t>
-            </a:r>
-            <a:r>
-              <a:rPr lang="zh-CN" altLang="en-US" sz="1400" dirty="0" smtClean="0"/>
-              <a:t>得信息，张辉没钱，钱在女主播那里</a:t>
-            </a:r>
-            <a:endParaRPr lang="zh-CN" altLang="en-US" sz="1400" dirty="0"/>
-          </a:p>
-        </p:txBody>
-      </p:sp>
-      <p:cxnSp>
-        <p:nvCxnSpPr>
-          <p:cNvPr id="29" name="Straight Connector 28"/>
-          <p:cNvCxnSpPr>
-            <a:stCxn id="28" idx="2"/>
-          </p:cNvCxnSpPr>
-          <p:nvPr/>
-        </p:nvCxnSpPr>
-        <p:spPr>
-          <a:xfrm>
-            <a:off x="9428506" y="2555193"/>
-            <a:ext cx="0" cy="470019"/>
-          </a:xfrm>
-          <a:prstGeom prst="line">
-            <a:avLst/>
-          </a:prstGeom>
-        </p:spPr>
-        <p:style>
-          <a:lnRef idx="1">
-            <a:schemeClr val="accent1"/>
-          </a:lnRef>
-          <a:fillRef idx="0">
-            <a:schemeClr val="accent1"/>
-          </a:fillRef>
-          <a:effectRef idx="0">
-            <a:schemeClr val="accent1"/>
-          </a:effectRef>
-          <a:fontRef idx="minor">
-            <a:schemeClr val="tx1"/>
-          </a:fontRef>
-        </p:style>
-      </p:cxnSp>
-    </p:spTree>
-    <p:extLst>
-      <p:ext uri="{BB962C8B-B14F-4D97-AF65-F5344CB8AC3E}">
-        <p14:creationId xmlns:p14="http://schemas.microsoft.com/office/powerpoint/2010/main" val="394448759"/>
-      </p:ext>
-    </p:extLst>
-  </p:cSld>
-  <p:clrMapOvr>
-    <a:masterClrMapping/>
-  </p:clrMapOvr>
-</p:sld>
-</file>
-
-<file path=ppt/slides/slide7.xml><?xml version="1.0" encoding="utf-8"?>
-<p:sld xmlns:a="http://schemas.openxmlformats.org/drawingml/2006/main" xmlns:r="http://schemas.openxmlformats.org/officeDocument/2006/relationships" xmlns:p="http://schemas.openxmlformats.org/presentationml/2006/main">
-  <p:cSld>
-    <p:spTree>
-      <p:nvGrpSpPr>
-        <p:cNvPr id="1" name=""/>
-        <p:cNvGrpSpPr/>
-        <p:nvPr/>
-      </p:nvGrpSpPr>
-      <p:grpSpPr>
-        <a:xfrm>
-          <a:off x="0" y="0"/>
-          <a:ext cx="0" cy="0"/>
-          <a:chOff x="0" y="0"/>
-          <a:chExt cx="0" cy="0"/>
-        </a:xfrm>
-      </p:grpSpPr>
-      <p:sp>
-        <p:nvSpPr>
-          <p:cNvPr id="6" name="矩形 5"/>
-          <p:cNvSpPr/>
-          <p:nvPr/>
-        </p:nvSpPr>
-        <p:spPr>
-          <a:xfrm>
-            <a:off x="0" y="333375"/>
-            <a:ext cx="12192000" cy="900430"/>
-          </a:xfrm>
-          <a:prstGeom prst="rect">
-            <a:avLst/>
-          </a:prstGeom>
-          <a:solidFill>
-            <a:srgbClr val="00AE66"/>
-          </a:solidFill>
-          <a:ln>
-            <a:noFill/>
-          </a:ln>
-        </p:spPr>
-        <p:style>
-          <a:lnRef idx="2">
-            <a:schemeClr val="accent1">
-              <a:shade val="50000"/>
-            </a:schemeClr>
-          </a:lnRef>
-          <a:fillRef idx="1">
-            <a:schemeClr val="accent1"/>
-          </a:fillRef>
-          <a:effectRef idx="0">
-            <a:schemeClr val="accent1"/>
-          </a:effectRef>
-          <a:fontRef idx="minor">
-            <a:schemeClr val="lt1"/>
-          </a:fontRef>
-        </p:style>
-        <p:txBody>
-          <a:bodyPr rtlCol="0" anchor="ctr"/>
-          <a:lstStyle/>
-          <a:p>
-            <a:pPr algn="ctr"/>
-            <a:endParaRPr lang="zh-CN" altLang="en-US"/>
-          </a:p>
-        </p:txBody>
-      </p:sp>
-      <p:sp>
-        <p:nvSpPr>
-          <p:cNvPr id="4" name="文本框 3"/>
-          <p:cNvSpPr txBox="1"/>
-          <p:nvPr/>
-        </p:nvSpPr>
-        <p:spPr>
-          <a:xfrm>
-            <a:off x="570230" y="427990"/>
-            <a:ext cx="4298315" cy="701040"/>
-          </a:xfrm>
-          <a:prstGeom prst="rect">
-            <a:avLst/>
-          </a:prstGeom>
-          <a:noFill/>
-        </p:spPr>
-        <p:txBody>
-          <a:bodyPr wrap="square" rtlCol="0">
-            <a:spAutoFit/>
-          </a:bodyPr>
-          <a:lstStyle/>
-          <a:p>
-            <a:r>
-              <a:rPr lang="zh-CN" altLang="en-US" sz="4000" dirty="0">
-                <a:solidFill>
-                  <a:schemeClr val="bg1"/>
-                </a:solidFill>
-              </a:rPr>
-              <a:t>关</a:t>
-            </a:r>
-            <a:r>
-              <a:rPr lang="zh-CN" altLang="en-US" sz="4000" dirty="0" smtClean="0">
-                <a:solidFill>
-                  <a:schemeClr val="bg1"/>
-                </a:solidFill>
-              </a:rPr>
-              <a:t>联事件</a:t>
-            </a:r>
-            <a:endParaRPr lang="zh-CN" altLang="zh-CN" sz="4000" dirty="0">
-              <a:solidFill>
-                <a:schemeClr val="bg1"/>
-              </a:solidFill>
-            </a:endParaRPr>
-          </a:p>
-        </p:txBody>
-      </p:sp>
-      <p:sp>
-        <p:nvSpPr>
-          <p:cNvPr id="9" name="页脚占位符 8"/>
-          <p:cNvSpPr>
-            <a:spLocks noGrp="1"/>
-          </p:cNvSpPr>
-          <p:nvPr>
-            <p:ph type="ftr" sz="quarter" idx="11"/>
-          </p:nvPr>
-        </p:nvSpPr>
-        <p:spPr>
-          <a:xfrm>
-            <a:off x="10880090" y="6596380"/>
-            <a:ext cx="1311910" cy="245110"/>
-          </a:xfrm>
-        </p:spPr>
-        <p:txBody>
-          <a:bodyPr/>
-          <a:lstStyle/>
-          <a:p>
-            <a:r>
-              <a:rPr lang="zh-CN" altLang="en-US"/>
-              <a:t>三人开发小组</a:t>
-            </a:r>
-          </a:p>
-        </p:txBody>
-      </p:sp>
-      <p:sp>
-        <p:nvSpPr>
-          <p:cNvPr id="2" name="Rectangle 1"/>
-          <p:cNvSpPr/>
-          <p:nvPr/>
-        </p:nvSpPr>
-        <p:spPr>
-          <a:xfrm>
-            <a:off x="2350094" y="2495371"/>
-            <a:ext cx="7033188" cy="3110670"/>
-          </a:xfrm>
-          <a:prstGeom prst="rect">
-            <a:avLst/>
-          </a:prstGeom>
-        </p:spPr>
-        <p:style>
-          <a:lnRef idx="2">
-            <a:schemeClr val="accent1">
-              <a:shade val="50000"/>
-            </a:schemeClr>
-          </a:lnRef>
-          <a:fillRef idx="1">
-            <a:schemeClr val="accent1"/>
-          </a:fillRef>
-          <a:effectRef idx="0">
-            <a:schemeClr val="accent1"/>
-          </a:effectRef>
-          <a:fontRef idx="minor">
-            <a:schemeClr val="lt1"/>
-          </a:fontRef>
-        </p:style>
-        <p:txBody>
-          <a:bodyPr rtlCol="0" anchor="ctr"/>
-          <a:lstStyle/>
-          <a:p>
-            <a:pPr algn="ctr"/>
-            <a:endParaRPr lang="zh-CN" altLang="en-US"/>
-          </a:p>
-        </p:txBody>
-      </p:sp>
-      <p:sp>
-        <p:nvSpPr>
-          <p:cNvPr id="3" name="Rounded Rectangle 2"/>
-          <p:cNvSpPr/>
-          <p:nvPr/>
-        </p:nvSpPr>
-        <p:spPr>
-          <a:xfrm>
-            <a:off x="3760150" y="3179036"/>
-            <a:ext cx="487110" cy="376014"/>
-          </a:xfrm>
-          <a:prstGeom prst="roundRect">
-            <a:avLst/>
-          </a:prstGeom>
-          <a:solidFill>
-            <a:schemeClr val="accent2"/>
-          </a:solidFill>
-        </p:spPr>
-        <p:style>
-          <a:lnRef idx="2">
-            <a:schemeClr val="accent1">
-              <a:shade val="50000"/>
-            </a:schemeClr>
-          </a:lnRef>
-          <a:fillRef idx="1">
-            <a:schemeClr val="accent1"/>
-          </a:fillRef>
-          <a:effectRef idx="0">
-            <a:schemeClr val="accent1"/>
-          </a:effectRef>
-          <a:fontRef idx="minor">
-            <a:schemeClr val="lt1"/>
-          </a:fontRef>
-        </p:style>
-        <p:txBody>
-          <a:bodyPr rtlCol="0" anchor="ctr"/>
-          <a:lstStyle/>
-          <a:p>
-            <a:pPr algn="ctr"/>
-            <a:endParaRPr lang="zh-CN" altLang="en-US"/>
-          </a:p>
-        </p:txBody>
-      </p:sp>
-      <p:sp>
-        <p:nvSpPr>
-          <p:cNvPr id="7" name="Rounded Rectangle 6"/>
-          <p:cNvSpPr/>
-          <p:nvPr/>
-        </p:nvSpPr>
-        <p:spPr>
-          <a:xfrm>
-            <a:off x="5779806" y="4050706"/>
-            <a:ext cx="487110" cy="376014"/>
-          </a:xfrm>
-          <a:prstGeom prst="roundRect">
-            <a:avLst/>
-          </a:prstGeom>
-          <a:solidFill>
-            <a:schemeClr val="accent2"/>
-          </a:solidFill>
-        </p:spPr>
-        <p:style>
-          <a:lnRef idx="2">
-            <a:schemeClr val="accent1">
-              <a:shade val="50000"/>
-            </a:schemeClr>
-          </a:lnRef>
-          <a:fillRef idx="1">
-            <a:schemeClr val="accent1"/>
-          </a:fillRef>
-          <a:effectRef idx="0">
-            <a:schemeClr val="accent1"/>
-          </a:effectRef>
-          <a:fontRef idx="minor">
-            <a:schemeClr val="lt1"/>
-          </a:fontRef>
-        </p:style>
-        <p:txBody>
-          <a:bodyPr rtlCol="0" anchor="ctr"/>
-          <a:lstStyle/>
-          <a:p>
-            <a:pPr algn="ctr"/>
-            <a:endParaRPr lang="zh-CN" altLang="en-US"/>
-          </a:p>
-        </p:txBody>
-      </p:sp>
-      <p:sp>
-        <p:nvSpPr>
-          <p:cNvPr id="8" name="Rounded Rectangle 7"/>
-          <p:cNvSpPr/>
-          <p:nvPr/>
-        </p:nvSpPr>
-        <p:spPr>
-          <a:xfrm>
-            <a:off x="5779806" y="4576832"/>
-            <a:ext cx="487110" cy="376014"/>
-          </a:xfrm>
-          <a:prstGeom prst="roundRect">
-            <a:avLst/>
-          </a:prstGeom>
-          <a:solidFill>
-            <a:schemeClr val="accent2"/>
-          </a:solidFill>
-        </p:spPr>
-        <p:style>
-          <a:lnRef idx="2">
-            <a:schemeClr val="accent1">
-              <a:shade val="50000"/>
-            </a:schemeClr>
-          </a:lnRef>
-          <a:fillRef idx="1">
-            <a:schemeClr val="accent1"/>
-          </a:fillRef>
-          <a:effectRef idx="0">
-            <a:schemeClr val="accent1"/>
-          </a:effectRef>
-          <a:fontRef idx="minor">
-            <a:schemeClr val="lt1"/>
-          </a:fontRef>
-        </p:style>
-        <p:txBody>
-          <a:bodyPr rtlCol="0" anchor="ctr"/>
-          <a:lstStyle/>
-          <a:p>
-            <a:pPr algn="ctr"/>
-            <a:endParaRPr lang="zh-CN" altLang="en-US"/>
-          </a:p>
-        </p:txBody>
-      </p:sp>
-    </p:spTree>
-    <p:extLst>
-      <p:ext uri="{BB962C8B-B14F-4D97-AF65-F5344CB8AC3E}">
-        <p14:creationId xmlns:p14="http://schemas.microsoft.com/office/powerpoint/2010/main" val="2402857177"/>
       </p:ext>
     </p:extLst>
   </p:cSld>
